--- a/Application.pptx
+++ b/Application.pptx
@@ -130,7 +130,7 @@
       </p14:sectionLst>
     </p:ext>
     <p:ext uri="{EFAFB233-063F-42B5-8137-9DF3F51BA10A}">
-      <p15:sldGuideLst xmlns:p15="http://schemas.microsoft.com/office/powerpoint/2012/main">
+      <p15:sldGuideLst xmlns:p15="http://schemas.microsoft.com/office/powerpoint/2012/main" xmlns="">
         <p15:guide id="1" orient="horz" pos="2160">
           <p15:clr>
             <a:srgbClr val="A4A3A4"/>
@@ -144,7 +144,7 @@
       </p15:sldGuideLst>
     </p:ext>
     <p:ext uri="{2D200454-40CA-4A62-9FC3-DE9A4176ACB9}">
-      <p15:notesGuideLst xmlns:p15="http://schemas.microsoft.com/office/powerpoint/2012/main">
+      <p15:notesGuideLst xmlns:p15="http://schemas.microsoft.com/office/powerpoint/2012/main" xmlns="">
         <p15:guide id="1" orient="horz" pos="2880">
           <p15:clr>
             <a:srgbClr val="A4A3A4"/>
@@ -921,28 +921,15 @@
 </file>
 
 <file path=ppt/diagrams/colors2.xml><?xml version="1.0" encoding="utf-8"?>
-<dgm:colorsDef xmlns:dgm="http://schemas.openxmlformats.org/drawingml/2006/diagram" xmlns:a="http://schemas.openxmlformats.org/drawingml/2006/main" uniqueId="urn:microsoft.com/office/officeart/2005/8/colors/colorful3">
+<dgm:colorsDef xmlns:dgm="http://schemas.openxmlformats.org/drawingml/2006/diagram" xmlns:a="http://schemas.openxmlformats.org/drawingml/2006/main" uniqueId="urn:microsoft.com/office/officeart/2005/8/colors/accent1_2">
   <dgm:title val=""/>
   <dgm:desc val=""/>
   <dgm:catLst>
-    <dgm:cat type="colorful" pri="10300"/>
+    <dgm:cat type="accent1" pri="11200"/>
   </dgm:catLst>
   <dgm:styleLbl name="node0">
     <dgm:fillClrLst meth="repeat">
-      <a:schemeClr val="accent2"/>
-    </dgm:fillClrLst>
-    <dgm:linClrLst meth="repeat">
-      <a:schemeClr val="lt1"/>
-    </dgm:linClrLst>
-    <dgm:effectClrLst/>
-    <dgm:txLinClrLst/>
-    <dgm:txFillClrLst/>
-    <dgm:txEffectClrLst/>
-  </dgm:styleLbl>
-  <dgm:styleLbl name="node1">
-    <dgm:fillClrLst>
-      <a:schemeClr val="accent3"/>
-      <a:schemeClr val="accent4"/>
+      <a:schemeClr val="accent1"/>
     </dgm:fillClrLst>
     <dgm:linClrLst meth="repeat">
       <a:schemeClr val="lt1"/>
@@ -953,13 +940,23 @@
     <dgm:txEffectClrLst/>
   </dgm:styleLbl>
   <dgm:styleLbl name="alignNode1">
-    <dgm:fillClrLst>
-      <a:schemeClr val="accent3"/>
-      <a:schemeClr val="accent4"/>
+    <dgm:fillClrLst meth="repeat">
+      <a:schemeClr val="accent1"/>
     </dgm:fillClrLst>
-    <dgm:linClrLst>
-      <a:schemeClr val="accent3"/>
-      <a:schemeClr val="accent4"/>
+    <dgm:linClrLst meth="repeat">
+      <a:schemeClr val="accent1"/>
+    </dgm:linClrLst>
+    <dgm:effectClrLst/>
+    <dgm:txLinClrLst/>
+    <dgm:txFillClrLst/>
+    <dgm:txEffectClrLst/>
+  </dgm:styleLbl>
+  <dgm:styleLbl name="node1">
+    <dgm:fillClrLst meth="repeat">
+      <a:schemeClr val="accent1"/>
+    </dgm:fillClrLst>
+    <dgm:linClrLst meth="repeat">
+      <a:schemeClr val="lt1"/>
     </dgm:linClrLst>
     <dgm:effectClrLst/>
     <dgm:txLinClrLst/>
@@ -967,9 +964,8 @@
     <dgm:txEffectClrLst/>
   </dgm:styleLbl>
   <dgm:styleLbl name="lnNode1">
-    <dgm:fillClrLst>
-      <a:schemeClr val="accent3"/>
-      <a:schemeClr val="accent4"/>
+    <dgm:fillClrLst meth="repeat">
+      <a:schemeClr val="accent1"/>
     </dgm:fillClrLst>
     <dgm:linClrLst meth="repeat">
       <a:schemeClr val="lt1"/>
@@ -980,11 +976,8 @@
     <dgm:txEffectClrLst/>
   </dgm:styleLbl>
   <dgm:styleLbl name="vennNode1">
-    <dgm:fillClrLst>
-      <a:schemeClr val="accent3">
-        <a:alpha val="50000"/>
-      </a:schemeClr>
-      <a:schemeClr val="accent4">
+    <dgm:fillClrLst meth="repeat">
+      <a:schemeClr val="accent1">
         <a:alpha val="50000"/>
       </a:schemeClr>
     </dgm:fillClrLst>
@@ -997,8 +990,8 @@
     <dgm:txEffectClrLst/>
   </dgm:styleLbl>
   <dgm:styleLbl name="node2">
-    <dgm:fillClrLst>
-      <a:schemeClr val="accent4"/>
+    <dgm:fillClrLst meth="repeat">
+      <a:schemeClr val="accent1"/>
     </dgm:fillClrLst>
     <dgm:linClrLst meth="repeat">
       <a:schemeClr val="lt1"/>
@@ -1009,8 +1002,8 @@
     <dgm:txEffectClrLst/>
   </dgm:styleLbl>
   <dgm:styleLbl name="node3">
-    <dgm:fillClrLst>
-      <a:schemeClr val="accent5"/>
+    <dgm:fillClrLst meth="repeat">
+      <a:schemeClr val="accent1"/>
     </dgm:fillClrLst>
     <dgm:linClrLst meth="repeat">
       <a:schemeClr val="lt1"/>
@@ -1021,8 +1014,8 @@
     <dgm:txEffectClrLst/>
   </dgm:styleLbl>
   <dgm:styleLbl name="node4">
-    <dgm:fillClrLst>
-      <a:schemeClr val="accent6"/>
+    <dgm:fillClrLst meth="repeat">
+      <a:schemeClr val="accent1"/>
     </dgm:fillClrLst>
     <dgm:linClrLst meth="repeat">
       <a:schemeClr val="lt1"/>
@@ -1033,11 +1026,8 @@
     <dgm:txEffectClrLst/>
   </dgm:styleLbl>
   <dgm:styleLbl name="fgImgPlace1">
-    <dgm:fillClrLst>
-      <a:schemeClr val="accent3">
-        <a:tint val="50000"/>
-      </a:schemeClr>
-      <a:schemeClr val="accent4">
+    <dgm:fillClrLst meth="repeat">
+      <a:schemeClr val="accent1">
         <a:tint val="50000"/>
       </a:schemeClr>
     </dgm:fillClrLst>
@@ -1052,12 +1042,9 @@
     <dgm:txEffectClrLst/>
   </dgm:styleLbl>
   <dgm:styleLbl name="alignImgPlace1">
-    <dgm:fillClrLst>
-      <a:schemeClr val="accent3">
+    <dgm:fillClrLst meth="repeat">
+      <a:schemeClr val="accent1">
         <a:tint val="50000"/>
-      </a:schemeClr>
-      <a:schemeClr val="accent4">
-        <a:tint val="20000"/>
       </a:schemeClr>
     </dgm:fillClrLst>
     <dgm:linClrLst meth="repeat">
@@ -1071,12 +1058,9 @@
     <dgm:txEffectClrLst/>
   </dgm:styleLbl>
   <dgm:styleLbl name="bgImgPlace1">
-    <dgm:fillClrLst>
-      <a:schemeClr val="accent3">
+    <dgm:fillClrLst meth="repeat">
+      <a:schemeClr val="accent1">
         <a:tint val="50000"/>
-      </a:schemeClr>
-      <a:schemeClr val="accent4">
-        <a:tint val="20000"/>
       </a:schemeClr>
     </dgm:fillClrLst>
     <dgm:linClrLst meth="repeat">
@@ -1090,12 +1074,15 @@
     <dgm:txEffectClrLst/>
   </dgm:styleLbl>
   <dgm:styleLbl name="sibTrans2D1">
-    <dgm:fillClrLst>
-      <a:schemeClr val="accent3"/>
-      <a:schemeClr val="accent4"/>
+    <dgm:fillClrLst meth="repeat">
+      <a:schemeClr val="accent1">
+        <a:tint val="60000"/>
+      </a:schemeClr>
     </dgm:fillClrLst>
     <dgm:linClrLst meth="repeat">
-      <a:schemeClr val="lt1"/>
+      <a:schemeClr val="accent1">
+        <a:tint val="60000"/>
+      </a:schemeClr>
     </dgm:linClrLst>
     <dgm:effectClrLst/>
     <dgm:txLinClrLst/>
@@ -1103,40 +1090,43 @@
     <dgm:txEffectClrLst/>
   </dgm:styleLbl>
   <dgm:styleLbl name="fgSibTrans2D1">
-    <dgm:fillClrLst>
-      <a:schemeClr val="accent3"/>
-      <a:schemeClr val="accent4"/>
+    <dgm:fillClrLst meth="repeat">
+      <a:schemeClr val="accent1">
+        <a:tint val="60000"/>
+      </a:schemeClr>
     </dgm:fillClrLst>
     <dgm:linClrLst meth="repeat">
-      <a:schemeClr val="lt1"/>
+      <a:schemeClr val="accent1">
+        <a:tint val="60000"/>
+      </a:schemeClr>
     </dgm:linClrLst>
     <dgm:effectClrLst/>
     <dgm:txLinClrLst/>
-    <dgm:txFillClrLst meth="repeat">
-      <a:schemeClr val="lt1"/>
-    </dgm:txFillClrLst>
+    <dgm:txFillClrLst/>
     <dgm:txEffectClrLst/>
   </dgm:styleLbl>
   <dgm:styleLbl name="bgSibTrans2D1">
-    <dgm:fillClrLst>
-      <a:schemeClr val="accent3"/>
-      <a:schemeClr val="accent4"/>
+    <dgm:fillClrLst meth="repeat">
+      <a:schemeClr val="accent1">
+        <a:tint val="60000"/>
+      </a:schemeClr>
     </dgm:fillClrLst>
     <dgm:linClrLst meth="repeat">
-      <a:schemeClr val="lt1"/>
+      <a:schemeClr val="accent1">
+        <a:tint val="60000"/>
+      </a:schemeClr>
     </dgm:linClrLst>
     <dgm:effectClrLst/>
     <dgm:txLinClrLst/>
-    <dgm:txFillClrLst meth="repeat">
-      <a:schemeClr val="lt1"/>
-    </dgm:txFillClrLst>
+    <dgm:txFillClrLst/>
     <dgm:txEffectClrLst/>
   </dgm:styleLbl>
   <dgm:styleLbl name="sibTrans1D1">
-    <dgm:fillClrLst/>
-    <dgm:linClrLst>
-      <a:schemeClr val="accent3"/>
-      <a:schemeClr val="accent4"/>
+    <dgm:fillClrLst meth="repeat">
+      <a:schemeClr val="accent1"/>
+    </dgm:fillClrLst>
+    <dgm:linClrLst meth="repeat">
+      <a:schemeClr val="accent1"/>
     </dgm:linClrLst>
     <dgm:effectClrLst/>
     <dgm:txLinClrLst/>
@@ -1147,10 +1137,10 @@
   </dgm:styleLbl>
   <dgm:styleLbl name="callout">
     <dgm:fillClrLst meth="repeat">
-      <a:schemeClr val="accent3"/>
+      <a:schemeClr val="accent1"/>
     </dgm:fillClrLst>
     <dgm:linClrLst meth="repeat">
-      <a:schemeClr val="accent3">
+      <a:schemeClr val="accent1">
         <a:tint val="50000"/>
       </a:schemeClr>
     </dgm:linClrLst>
@@ -1163,12 +1153,10 @@
   </dgm:styleLbl>
   <dgm:styleLbl name="asst0">
     <dgm:fillClrLst meth="repeat">
-      <a:schemeClr val="accent3"/>
+      <a:schemeClr val="accent1"/>
     </dgm:fillClrLst>
     <dgm:linClrLst meth="repeat">
-      <a:schemeClr val="lt1">
-        <a:shade val="80000"/>
-      </a:schemeClr>
+      <a:schemeClr val="lt1"/>
     </dgm:linClrLst>
     <dgm:effectClrLst/>
     <dgm:txLinClrLst/>
@@ -1177,12 +1165,10 @@
   </dgm:styleLbl>
   <dgm:styleLbl name="asst1">
     <dgm:fillClrLst meth="repeat">
-      <a:schemeClr val="accent4"/>
+      <a:schemeClr val="accent1"/>
     </dgm:fillClrLst>
     <dgm:linClrLst meth="repeat">
-      <a:schemeClr val="lt1">
-        <a:shade val="80000"/>
-      </a:schemeClr>
+      <a:schemeClr val="lt1"/>
     </dgm:linClrLst>
     <dgm:effectClrLst/>
     <dgm:txLinClrLst/>
@@ -1190,8 +1176,8 @@
     <dgm:txEffectClrLst/>
   </dgm:styleLbl>
   <dgm:styleLbl name="asst2">
-    <dgm:fillClrLst>
-      <a:schemeClr val="accent5"/>
+    <dgm:fillClrLst meth="repeat">
+      <a:schemeClr val="accent1"/>
     </dgm:fillClrLst>
     <dgm:linClrLst meth="repeat">
       <a:schemeClr val="lt1"/>
@@ -1202,8 +1188,8 @@
     <dgm:txEffectClrLst/>
   </dgm:styleLbl>
   <dgm:styleLbl name="asst3">
-    <dgm:fillClrLst>
-      <a:schemeClr val="accent6"/>
+    <dgm:fillClrLst meth="repeat">
+      <a:schemeClr val="accent1"/>
     </dgm:fillClrLst>
     <dgm:linClrLst meth="repeat">
       <a:schemeClr val="lt1"/>
@@ -1214,7 +1200,7 @@
     <dgm:txEffectClrLst/>
   </dgm:styleLbl>
   <dgm:styleLbl name="asst4">
-    <dgm:fillClrLst>
+    <dgm:fillClrLst meth="repeat">
       <a:schemeClr val="accent1"/>
     </dgm:fillClrLst>
     <dgm:linClrLst meth="repeat">
@@ -1227,10 +1213,14 @@
   </dgm:styleLbl>
   <dgm:styleLbl name="parChTrans2D1">
     <dgm:fillClrLst meth="repeat">
-      <a:schemeClr val="accent2"/>
+      <a:schemeClr val="accent1">
+        <a:tint val="60000"/>
+      </a:schemeClr>
     </dgm:fillClrLst>
     <dgm:linClrLst meth="repeat">
-      <a:schemeClr val="lt1"/>
+      <a:schemeClr val="accent1">
+        <a:tint val="60000"/>
+      </a:schemeClr>
     </dgm:linClrLst>
     <dgm:effectClrLst/>
     <dgm:txLinClrLst/>
@@ -1241,34 +1231,38 @@
   </dgm:styleLbl>
   <dgm:styleLbl name="parChTrans2D2">
     <dgm:fillClrLst meth="repeat">
-      <a:schemeClr val="accent3"/>
+      <a:schemeClr val="accent1"/>
     </dgm:fillClrLst>
     <dgm:linClrLst meth="repeat">
-      <a:schemeClr val="lt1"/>
+      <a:schemeClr val="accent1"/>
     </dgm:linClrLst>
     <dgm:effectClrLst/>
     <dgm:txLinClrLst/>
-    <dgm:txFillClrLst/>
+    <dgm:txFillClrLst meth="repeat">
+      <a:schemeClr val="lt1"/>
+    </dgm:txFillClrLst>
     <dgm:txEffectClrLst/>
   </dgm:styleLbl>
   <dgm:styleLbl name="parChTrans2D3">
     <dgm:fillClrLst meth="repeat">
-      <a:schemeClr val="accent4"/>
+      <a:schemeClr val="accent1"/>
     </dgm:fillClrLst>
     <dgm:linClrLst meth="repeat">
-      <a:schemeClr val="lt1"/>
+      <a:schemeClr val="accent1"/>
     </dgm:linClrLst>
     <dgm:effectClrLst/>
     <dgm:txLinClrLst/>
-    <dgm:txFillClrLst/>
+    <dgm:txFillClrLst meth="repeat">
+      <a:schemeClr val="lt1"/>
+    </dgm:txFillClrLst>
     <dgm:txEffectClrLst/>
   </dgm:styleLbl>
   <dgm:styleLbl name="parChTrans2D4">
     <dgm:fillClrLst meth="repeat">
-      <a:schemeClr val="accent5"/>
+      <a:schemeClr val="accent1"/>
     </dgm:fillClrLst>
     <dgm:linClrLst meth="repeat">
-      <a:schemeClr val="lt1"/>
+      <a:schemeClr val="accent1"/>
     </dgm:linClrLst>
     <dgm:effectClrLst/>
     <dgm:txLinClrLst/>
@@ -1279,10 +1273,12 @@
   </dgm:styleLbl>
   <dgm:styleLbl name="parChTrans1D1">
     <dgm:fillClrLst meth="repeat">
-      <a:schemeClr val="accent3"/>
+      <a:schemeClr val="accent1"/>
     </dgm:fillClrLst>
     <dgm:linClrLst meth="repeat">
-      <a:schemeClr val="accent3"/>
+      <a:schemeClr val="accent1">
+        <a:shade val="60000"/>
+      </a:schemeClr>
     </dgm:linClrLst>
     <dgm:effectClrLst/>
     <dgm:txLinClrLst/>
@@ -1293,12 +1289,12 @@
   </dgm:styleLbl>
   <dgm:styleLbl name="parChTrans1D2">
     <dgm:fillClrLst meth="repeat">
-      <a:schemeClr val="accent2">
-        <a:tint val="90000"/>
-      </a:schemeClr>
+      <a:schemeClr val="accent1"/>
     </dgm:fillClrLst>
     <dgm:linClrLst meth="repeat">
-      <a:schemeClr val="accent4"/>
+      <a:schemeClr val="accent1">
+        <a:shade val="60000"/>
+      </a:schemeClr>
     </dgm:linClrLst>
     <dgm:effectClrLst/>
     <dgm:txLinClrLst/>
@@ -1309,12 +1305,12 @@
   </dgm:styleLbl>
   <dgm:styleLbl name="parChTrans1D3">
     <dgm:fillClrLst meth="repeat">
-      <a:schemeClr val="accent2">
-        <a:tint val="70000"/>
-      </a:schemeClr>
+      <a:schemeClr val="accent1"/>
     </dgm:fillClrLst>
     <dgm:linClrLst meth="repeat">
-      <a:schemeClr val="accent5"/>
+      <a:schemeClr val="accent1">
+        <a:shade val="80000"/>
+      </a:schemeClr>
     </dgm:linClrLst>
     <dgm:effectClrLst/>
     <dgm:txLinClrLst/>
@@ -1325,12 +1321,12 @@
   </dgm:styleLbl>
   <dgm:styleLbl name="parChTrans1D4">
     <dgm:fillClrLst meth="repeat">
-      <a:schemeClr val="accent6">
-        <a:tint val="50000"/>
-      </a:schemeClr>
+      <a:schemeClr val="accent1"/>
     </dgm:fillClrLst>
     <dgm:linClrLst meth="repeat">
-      <a:schemeClr val="accent6"/>
+      <a:schemeClr val="accent1">
+        <a:shade val="80000"/>
+      </a:schemeClr>
     </dgm:linClrLst>
     <dgm:effectClrLst/>
     <dgm:txLinClrLst/>
@@ -1345,9 +1341,8 @@
         <a:alpha val="90000"/>
       </a:schemeClr>
     </dgm:fillClrLst>
-    <dgm:linClrLst>
-      <a:schemeClr val="accent3"/>
-      <a:schemeClr val="accent4"/>
+    <dgm:linClrLst meth="repeat">
+      <a:schemeClr val="accent1"/>
     </dgm:linClrLst>
     <dgm:effectClrLst/>
     <dgm:txLinClrLst/>
@@ -1362,9 +1357,8 @@
         <a:alpha val="90000"/>
       </a:schemeClr>
     </dgm:fillClrLst>
-    <dgm:linClrLst>
-      <a:schemeClr val="accent3"/>
-      <a:schemeClr val="accent4"/>
+    <dgm:linClrLst meth="repeat">
+      <a:schemeClr val="accent1"/>
     </dgm:linClrLst>
     <dgm:effectClrLst/>
     <dgm:txLinClrLst/>
@@ -1379,9 +1373,8 @@
         <a:alpha val="90000"/>
       </a:schemeClr>
     </dgm:fillClrLst>
-    <dgm:linClrLst>
-      <a:schemeClr val="accent3"/>
-      <a:schemeClr val="accent4"/>
+    <dgm:linClrLst meth="repeat">
+      <a:schemeClr val="accent1"/>
     </dgm:linClrLst>
     <dgm:effectClrLst/>
     <dgm:txLinClrLst/>
@@ -1397,7 +1390,7 @@
       </a:schemeClr>
     </dgm:fillClrLst>
     <dgm:linClrLst meth="repeat">
-      <a:schemeClr val="accent2"/>
+      <a:schemeClr val="accent1"/>
     </dgm:linClrLst>
     <dgm:effectClrLst/>
     <dgm:txLinClrLst/>
@@ -1412,9 +1405,8 @@
         <a:alpha val="90000"/>
       </a:schemeClr>
     </dgm:fillClrLst>
-    <dgm:linClrLst>
-      <a:schemeClr val="accent3"/>
-      <a:schemeClr val="accent4"/>
+    <dgm:linClrLst meth="repeat">
+      <a:schemeClr val="accent1"/>
     </dgm:linClrLst>
     <dgm:effectClrLst/>
     <dgm:txLinClrLst/>
@@ -1427,9 +1419,8 @@
     <dgm:fillClrLst meth="repeat">
       <a:schemeClr val="lt1"/>
     </dgm:fillClrLst>
-    <dgm:linClrLst>
-      <a:schemeClr val="accent3"/>
-      <a:schemeClr val="accent4"/>
+    <dgm:linClrLst meth="repeat">
+      <a:schemeClr val="accent1"/>
     </dgm:linClrLst>
     <dgm:effectClrLst/>
     <dgm:txLinClrLst/>
@@ -1442,9 +1433,8 @@
     <dgm:fillClrLst meth="repeat">
       <a:schemeClr val="lt1"/>
     </dgm:fillClrLst>
-    <dgm:linClrLst>
-      <a:schemeClr val="accent3"/>
-      <a:schemeClr val="accent4"/>
+    <dgm:linClrLst meth="repeat">
+      <a:schemeClr val="accent1"/>
     </dgm:linClrLst>
     <dgm:effectClrLst/>
     <dgm:txLinClrLst/>
@@ -1457,9 +1447,8 @@
     <dgm:fillClrLst meth="repeat">
       <a:schemeClr val="lt1"/>
     </dgm:fillClrLst>
-    <dgm:linClrLst>
-      <a:schemeClr val="accent3"/>
-      <a:schemeClr val="accent4"/>
+    <dgm:linClrLst meth="repeat">
+      <a:schemeClr val="accent1"/>
     </dgm:linClrLst>
     <dgm:effectClrLst/>
     <dgm:txLinClrLst/>
@@ -1469,24 +1458,16 @@
     <dgm:txEffectClrLst/>
   </dgm:styleLbl>
   <dgm:styleLbl name="fgAccFollowNode1">
-    <dgm:fillClrLst>
-      <a:schemeClr val="accent3">
+    <dgm:fillClrLst meth="repeat">
+      <a:schemeClr val="accent1">
+        <a:alpha val="90000"/>
         <a:tint val="40000"/>
-        <a:alpha val="90000"/>
-      </a:schemeClr>
-      <a:schemeClr val="accent4">
-        <a:tint val="40000"/>
-        <a:alpha val="90000"/>
       </a:schemeClr>
     </dgm:fillClrLst>
-    <dgm:linClrLst>
-      <a:schemeClr val="accent3">
+    <dgm:linClrLst meth="repeat">
+      <a:schemeClr val="accent1">
+        <a:alpha val="90000"/>
         <a:tint val="40000"/>
-        <a:alpha val="90000"/>
-      </a:schemeClr>
-      <a:schemeClr val="accent4">
-        <a:tint val="40000"/>
-        <a:alpha val="90000"/>
       </a:schemeClr>
     </dgm:linClrLst>
     <dgm:effectClrLst/>
@@ -1497,24 +1478,16 @@
     <dgm:txEffectClrLst/>
   </dgm:styleLbl>
   <dgm:styleLbl name="alignAccFollowNode1">
-    <dgm:fillClrLst>
-      <a:schemeClr val="accent3">
+    <dgm:fillClrLst meth="repeat">
+      <a:schemeClr val="accent1">
+        <a:alpha val="90000"/>
         <a:tint val="40000"/>
-        <a:alpha val="90000"/>
-      </a:schemeClr>
-      <a:schemeClr val="accent4">
-        <a:tint val="40000"/>
-        <a:alpha val="90000"/>
       </a:schemeClr>
     </dgm:fillClrLst>
-    <dgm:linClrLst>
-      <a:schemeClr val="accent3">
+    <dgm:linClrLst meth="repeat">
+      <a:schemeClr val="accent1">
+        <a:alpha val="90000"/>
         <a:tint val="40000"/>
-        <a:alpha val="90000"/>
-      </a:schemeClr>
-      <a:schemeClr val="accent4">
-        <a:tint val="40000"/>
-        <a:alpha val="90000"/>
       </a:schemeClr>
     </dgm:linClrLst>
     <dgm:effectClrLst/>
@@ -1525,24 +1498,16 @@
     <dgm:txEffectClrLst/>
   </dgm:styleLbl>
   <dgm:styleLbl name="bgAccFollowNode1">
-    <dgm:fillClrLst>
-      <a:schemeClr val="accent3">
+    <dgm:fillClrLst meth="repeat">
+      <a:schemeClr val="accent1">
+        <a:alpha val="90000"/>
         <a:tint val="40000"/>
-        <a:alpha val="90000"/>
-      </a:schemeClr>
-      <a:schemeClr val="accent4">
-        <a:tint val="40000"/>
-        <a:alpha val="90000"/>
       </a:schemeClr>
     </dgm:fillClrLst>
-    <dgm:linClrLst>
-      <a:schemeClr val="accent3">
+    <dgm:linClrLst meth="repeat">
+      <a:schemeClr val="accent1">
+        <a:alpha val="90000"/>
         <a:tint val="40000"/>
-        <a:alpha val="90000"/>
-      </a:schemeClr>
-      <a:schemeClr val="accent4">
-        <a:tint val="40000"/>
-        <a:alpha val="90000"/>
       </a:schemeClr>
     </dgm:linClrLst>
     <dgm:effectClrLst/>
@@ -1558,8 +1523,8 @@
         <a:alpha val="90000"/>
       </a:schemeClr>
     </dgm:fillClrLst>
-    <dgm:linClrLst>
-      <a:schemeClr val="accent2"/>
+    <dgm:linClrLst meth="repeat">
+      <a:schemeClr val="accent1"/>
     </dgm:linClrLst>
     <dgm:effectClrLst/>
     <dgm:txLinClrLst/>
@@ -1574,8 +1539,8 @@
         <a:alpha val="90000"/>
       </a:schemeClr>
     </dgm:fillClrLst>
-    <dgm:linClrLst>
-      <a:schemeClr val="accent4"/>
+    <dgm:linClrLst meth="repeat">
+      <a:schemeClr val="accent1"/>
     </dgm:linClrLst>
     <dgm:effectClrLst/>
     <dgm:txLinClrLst/>
@@ -1590,8 +1555,8 @@
         <a:alpha val="90000"/>
       </a:schemeClr>
     </dgm:fillClrLst>
-    <dgm:linClrLst>
-      <a:schemeClr val="accent5"/>
+    <dgm:linClrLst meth="repeat">
+      <a:schemeClr val="accent1"/>
     </dgm:linClrLst>
     <dgm:effectClrLst/>
     <dgm:txLinClrLst/>
@@ -1606,8 +1571,8 @@
         <a:alpha val="90000"/>
       </a:schemeClr>
     </dgm:fillClrLst>
-    <dgm:linClrLst>
-      <a:schemeClr val="accent6"/>
+    <dgm:linClrLst meth="repeat">
+      <a:schemeClr val="accent1"/>
     </dgm:linClrLst>
     <dgm:effectClrLst/>
     <dgm:txLinClrLst/>
@@ -1618,12 +1583,12 @@
   </dgm:styleLbl>
   <dgm:styleLbl name="bgShp">
     <dgm:fillClrLst meth="repeat">
-      <a:schemeClr val="accent3">
+      <a:schemeClr val="accent1">
         <a:tint val="40000"/>
       </a:schemeClr>
     </dgm:fillClrLst>
     <dgm:linClrLst meth="repeat">
-      <a:schemeClr val="dk1"/>
+      <a:schemeClr val="accent1"/>
     </dgm:linClrLst>
     <dgm:effectClrLst/>
     <dgm:txLinClrLst/>
@@ -1634,12 +1599,12 @@
   </dgm:styleLbl>
   <dgm:styleLbl name="dkBgShp">
     <dgm:fillClrLst meth="repeat">
-      <a:schemeClr val="accent3">
-        <a:shade val="90000"/>
+      <a:schemeClr val="accent1">
+        <a:shade val="80000"/>
       </a:schemeClr>
     </dgm:fillClrLst>
     <dgm:linClrLst meth="repeat">
-      <a:schemeClr val="dk1"/>
+      <a:schemeClr val="accent1"/>
     </dgm:linClrLst>
     <dgm:effectClrLst/>
     <dgm:txLinClrLst/>
@@ -1650,13 +1615,13 @@
   </dgm:styleLbl>
   <dgm:styleLbl name="trBgShp">
     <dgm:fillClrLst meth="repeat">
-      <a:schemeClr val="accent2">
+      <a:schemeClr val="accent1">
         <a:tint val="50000"/>
         <a:alpha val="40000"/>
       </a:schemeClr>
     </dgm:fillClrLst>
     <dgm:linClrLst meth="repeat">
-      <a:schemeClr val="accent3"/>
+      <a:schemeClr val="accent1"/>
     </dgm:linClrLst>
     <dgm:effectClrLst/>
     <dgm:txLinClrLst/>
@@ -1667,8 +1632,8 @@
   </dgm:styleLbl>
   <dgm:styleLbl name="fgShp">
     <dgm:fillClrLst meth="repeat">
-      <a:schemeClr val="accent3">
-        <a:tint val="40000"/>
+      <a:schemeClr val="accent1">
+        <a:tint val="60000"/>
       </a:schemeClr>
     </dgm:fillClrLst>
     <dgm:linClrLst meth="repeat">
@@ -1946,6 +1911,13 @@
         </dgm:presLayoutVars>
       </dgm:prSet>
       <dgm:spPr/>
+      <dgm:t>
+        <a:bodyPr/>
+        <a:lstStyle/>
+        <a:p>
+          <a:endParaRPr lang="en-US"/>
+        </a:p>
+      </dgm:t>
     </dgm:pt>
     <dgm:pt modelId="{ADE81E3A-8DBE-493F-B4CA-267FB8692739}" type="pres">
       <dgm:prSet presAssocID="{7F2396DE-3958-48E6-BCCA-99B4336853FB}" presName="parentText" presStyleLbl="node1" presStyleIdx="0" presStyleCnt="3">
@@ -1955,6 +1927,13 @@
         </dgm:presLayoutVars>
       </dgm:prSet>
       <dgm:spPr/>
+      <dgm:t>
+        <a:bodyPr/>
+        <a:lstStyle/>
+        <a:p>
+          <a:endParaRPr lang="en-US"/>
+        </a:p>
+      </dgm:t>
     </dgm:pt>
     <dgm:pt modelId="{4CE1B5C3-37CB-4604-AFEF-917149EA134F}" type="pres">
       <dgm:prSet presAssocID="{7F2396DE-3958-48E6-BCCA-99B4336853FB}" presName="childText" presStyleLbl="revTx" presStyleIdx="0" presStyleCnt="3">
@@ -1963,6 +1942,13 @@
         </dgm:presLayoutVars>
       </dgm:prSet>
       <dgm:spPr/>
+      <dgm:t>
+        <a:bodyPr/>
+        <a:lstStyle/>
+        <a:p>
+          <a:endParaRPr lang="en-US"/>
+        </a:p>
+      </dgm:t>
     </dgm:pt>
     <dgm:pt modelId="{2FCC3A51-EC05-4E9D-8BB4-3621EF34756C}" type="pres">
       <dgm:prSet presAssocID="{FA91F943-E36D-4E61-80AB-A511FF8646B4}" presName="parentText" presStyleLbl="node1" presStyleIdx="1" presStyleCnt="3">
@@ -1972,6 +1958,13 @@
         </dgm:presLayoutVars>
       </dgm:prSet>
       <dgm:spPr/>
+      <dgm:t>
+        <a:bodyPr/>
+        <a:lstStyle/>
+        <a:p>
+          <a:endParaRPr lang="en-US"/>
+        </a:p>
+      </dgm:t>
     </dgm:pt>
     <dgm:pt modelId="{2892D850-EE4D-41BD-BD40-BB264C2F9082}" type="pres">
       <dgm:prSet presAssocID="{FA91F943-E36D-4E61-80AB-A511FF8646B4}" presName="childText" presStyleLbl="revTx" presStyleIdx="1" presStyleCnt="3">
@@ -1980,6 +1973,13 @@
         </dgm:presLayoutVars>
       </dgm:prSet>
       <dgm:spPr/>
+      <dgm:t>
+        <a:bodyPr/>
+        <a:lstStyle/>
+        <a:p>
+          <a:endParaRPr lang="en-US"/>
+        </a:p>
+      </dgm:t>
     </dgm:pt>
     <dgm:pt modelId="{8ED6C189-8EDD-4351-BA00-D0F17A5E377C}" type="pres">
       <dgm:prSet presAssocID="{BCC3C533-47B9-49C1-84FE-462E44F096F0}" presName="parentText" presStyleLbl="node1" presStyleIdx="2" presStyleCnt="3">
@@ -1989,6 +1989,13 @@
         </dgm:presLayoutVars>
       </dgm:prSet>
       <dgm:spPr/>
+      <dgm:t>
+        <a:bodyPr/>
+        <a:lstStyle/>
+        <a:p>
+          <a:endParaRPr lang="en-US"/>
+        </a:p>
+      </dgm:t>
     </dgm:pt>
     <dgm:pt modelId="{F8A81061-B9B9-473E-B79C-A74E5E4D396B}" type="pres">
       <dgm:prSet presAssocID="{BCC3C533-47B9-49C1-84FE-462E44F096F0}" presName="childText" presStyleLbl="revTx" presStyleIdx="2" presStyleCnt="3">
@@ -2007,19 +2014,19 @@
     </dgm:pt>
   </dgm:ptLst>
   <dgm:cxnLst>
-    <dgm:cxn modelId="{4AD444AF-1D6E-4485-BE5B-B8730066A098}" type="presOf" srcId="{E23D52C7-281F-4C88-A16D-1622E92FEF32}" destId="{2892D850-EE4D-41BD-BD40-BB264C2F9082}" srcOrd="0" destOrd="0" presId="urn:microsoft.com/office/officeart/2005/8/layout/vList2"/>
+    <dgm:cxn modelId="{13CB64EA-92F9-406F-866E-282BECC1D8DE}" srcId="{84CA54AF-A9B9-455B-A0D3-4BA70F8F314F}" destId="{7F2396DE-3958-48E6-BCCA-99B4336853FB}" srcOrd="0" destOrd="0" parTransId="{24B3A677-E67D-412B-B7FC-F11B01DAF57F}" sibTransId="{0EF93B7A-6702-4292-8A3A-069E038A4265}"/>
+    <dgm:cxn modelId="{AFA190EA-0795-428F-84C1-F2404222625D}" type="presOf" srcId="{77772C73-70B4-4663-A47F-240D9450E17E}" destId="{F8A81061-B9B9-473E-B79C-A74E5E4D396B}" srcOrd="0" destOrd="0" presId="urn:microsoft.com/office/officeart/2005/8/layout/vList2"/>
+    <dgm:cxn modelId="{413E2D46-773A-40D7-BDBC-3D5FBB9AB07D}" type="presOf" srcId="{7F2396DE-3958-48E6-BCCA-99B4336853FB}" destId="{ADE81E3A-8DBE-493F-B4CA-267FB8692739}" srcOrd="0" destOrd="0" presId="urn:microsoft.com/office/officeart/2005/8/layout/vList2"/>
+    <dgm:cxn modelId="{067236B7-4F4D-45B9-AA68-B0B8F793D03D}" srcId="{7F2396DE-3958-48E6-BCCA-99B4336853FB}" destId="{70AA724D-92A4-4578-BBE6-D9B6FA32A18E}" srcOrd="0" destOrd="0" parTransId="{4A8240C5-43A8-4DEB-8557-792150611E9E}" sibTransId="{D8770D1A-96BF-434B-B6FB-C47D48A4632C}"/>
+    <dgm:cxn modelId="{A29E6236-CA8F-4E47-8C02-348853051006}" type="presOf" srcId="{84CA54AF-A9B9-455B-A0D3-4BA70F8F314F}" destId="{014FA9E0-7201-4A8A-97A8-7CA5DF4C66C8}" srcOrd="0" destOrd="0" presId="urn:microsoft.com/office/officeart/2005/8/layout/vList2"/>
+    <dgm:cxn modelId="{24E667EC-C9D8-4DEF-AEE3-74CBFC6C5301}" type="presOf" srcId="{BCC3C533-47B9-49C1-84FE-462E44F096F0}" destId="{8ED6C189-8EDD-4351-BA00-D0F17A5E377C}" srcOrd="0" destOrd="0" presId="urn:microsoft.com/office/officeart/2005/8/layout/vList2"/>
     <dgm:cxn modelId="{5D07369B-AD17-485E-BDB9-5E5B66F4B083}" srcId="{84CA54AF-A9B9-455B-A0D3-4BA70F8F314F}" destId="{FA91F943-E36D-4E61-80AB-A511FF8646B4}" srcOrd="1" destOrd="0" parTransId="{17FC917F-0DF2-4F22-B603-07CFCD4F017E}" sibTransId="{8D96B6FA-1FE1-4BF9-97E7-91D32B67FFF6}"/>
     <dgm:cxn modelId="{20D4C47F-76FE-47EF-8138-DFFFF78FE07B}" srcId="{FA91F943-E36D-4E61-80AB-A511FF8646B4}" destId="{E23D52C7-281F-4C88-A16D-1622E92FEF32}" srcOrd="0" destOrd="0" parTransId="{E188AAEE-6FB6-483B-9423-7FB73803B8B3}" sibTransId="{CFBCCD91-AE68-4257-A8A4-C184FB854D35}"/>
-    <dgm:cxn modelId="{067236B7-4F4D-45B9-AA68-B0B8F793D03D}" srcId="{7F2396DE-3958-48E6-BCCA-99B4336853FB}" destId="{70AA724D-92A4-4578-BBE6-D9B6FA32A18E}" srcOrd="0" destOrd="0" parTransId="{4A8240C5-43A8-4DEB-8557-792150611E9E}" sibTransId="{D8770D1A-96BF-434B-B6FB-C47D48A4632C}"/>
-    <dgm:cxn modelId="{24E667EC-C9D8-4DEF-AEE3-74CBFC6C5301}" type="presOf" srcId="{BCC3C533-47B9-49C1-84FE-462E44F096F0}" destId="{8ED6C189-8EDD-4351-BA00-D0F17A5E377C}" srcOrd="0" destOrd="0" presId="urn:microsoft.com/office/officeart/2005/8/layout/vList2"/>
-    <dgm:cxn modelId="{7CDFDA64-674A-4B1F-959C-6B18BF901606}" srcId="{BCC3C533-47B9-49C1-84FE-462E44F096F0}" destId="{77772C73-70B4-4663-A47F-240D9450E17E}" srcOrd="0" destOrd="0" parTransId="{54CC8E18-DA77-439C-BDE7-577C7B9B6D57}" sibTransId="{8AA6E136-DB49-4942-B3B2-A60E98A2A102}"/>
+    <dgm:cxn modelId="{33E4022C-5966-47EF-B1AD-E02AD68C31DA}" type="presOf" srcId="{70AA724D-92A4-4578-BBE6-D9B6FA32A18E}" destId="{4CE1B5C3-37CB-4604-AFEF-917149EA134F}" srcOrd="0" destOrd="0" presId="urn:microsoft.com/office/officeart/2005/8/layout/vList2"/>
     <dgm:cxn modelId="{9F3062BD-F378-4F8A-AC29-923EF3475397}" type="presOf" srcId="{FA91F943-E36D-4E61-80AB-A511FF8646B4}" destId="{2FCC3A51-EC05-4E9D-8BB4-3621EF34756C}" srcOrd="0" destOrd="0" presId="urn:microsoft.com/office/officeart/2005/8/layout/vList2"/>
     <dgm:cxn modelId="{2910114B-3D73-46F9-86D8-AC53F0C527D9}" srcId="{84CA54AF-A9B9-455B-A0D3-4BA70F8F314F}" destId="{BCC3C533-47B9-49C1-84FE-462E44F096F0}" srcOrd="2" destOrd="0" parTransId="{915ECC8A-D1FD-44A3-82B9-77E6E5C783C6}" sibTransId="{76D7AF71-5638-4C82-A46E-CB6F02648F4C}"/>
-    <dgm:cxn modelId="{AFA190EA-0795-428F-84C1-F2404222625D}" type="presOf" srcId="{77772C73-70B4-4663-A47F-240D9450E17E}" destId="{F8A81061-B9B9-473E-B79C-A74E5E4D396B}" srcOrd="0" destOrd="0" presId="urn:microsoft.com/office/officeart/2005/8/layout/vList2"/>
-    <dgm:cxn modelId="{A29E6236-CA8F-4E47-8C02-348853051006}" type="presOf" srcId="{84CA54AF-A9B9-455B-A0D3-4BA70F8F314F}" destId="{014FA9E0-7201-4A8A-97A8-7CA5DF4C66C8}" srcOrd="0" destOrd="0" presId="urn:microsoft.com/office/officeart/2005/8/layout/vList2"/>
-    <dgm:cxn modelId="{33E4022C-5966-47EF-B1AD-E02AD68C31DA}" type="presOf" srcId="{70AA724D-92A4-4578-BBE6-D9B6FA32A18E}" destId="{4CE1B5C3-37CB-4604-AFEF-917149EA134F}" srcOrd="0" destOrd="0" presId="urn:microsoft.com/office/officeart/2005/8/layout/vList2"/>
-    <dgm:cxn modelId="{13CB64EA-92F9-406F-866E-282BECC1D8DE}" srcId="{84CA54AF-A9B9-455B-A0D3-4BA70F8F314F}" destId="{7F2396DE-3958-48E6-BCCA-99B4336853FB}" srcOrd="0" destOrd="0" parTransId="{24B3A677-E67D-412B-B7FC-F11B01DAF57F}" sibTransId="{0EF93B7A-6702-4292-8A3A-069E038A4265}"/>
-    <dgm:cxn modelId="{413E2D46-773A-40D7-BDBC-3D5FBB9AB07D}" type="presOf" srcId="{7F2396DE-3958-48E6-BCCA-99B4336853FB}" destId="{ADE81E3A-8DBE-493F-B4CA-267FB8692739}" srcOrd="0" destOrd="0" presId="urn:microsoft.com/office/officeart/2005/8/layout/vList2"/>
+    <dgm:cxn modelId="{4AD444AF-1D6E-4485-BE5B-B8730066A098}" type="presOf" srcId="{E23D52C7-281F-4C88-A16D-1622E92FEF32}" destId="{2892D850-EE4D-41BD-BD40-BB264C2F9082}" srcOrd="0" destOrd="0" presId="urn:microsoft.com/office/officeart/2005/8/layout/vList2"/>
+    <dgm:cxn modelId="{7CDFDA64-674A-4B1F-959C-6B18BF901606}" srcId="{BCC3C533-47B9-49C1-84FE-462E44F096F0}" destId="{77772C73-70B4-4663-A47F-240D9450E17E}" srcOrd="0" destOrd="0" parTransId="{54CC8E18-DA77-439C-BDE7-577C7B9B6D57}" sibTransId="{8AA6E136-DB49-4942-B3B2-A60E98A2A102}"/>
     <dgm:cxn modelId="{3CD8C168-A2E4-43E4-A5E6-D71C293661C7}" type="presParOf" srcId="{014FA9E0-7201-4A8A-97A8-7CA5DF4C66C8}" destId="{ADE81E3A-8DBE-493F-B4CA-267FB8692739}" srcOrd="0" destOrd="0" presId="urn:microsoft.com/office/officeart/2005/8/layout/vList2"/>
     <dgm:cxn modelId="{5CC6FDD3-C30F-4771-8DBC-9313A40D20F9}" type="presParOf" srcId="{014FA9E0-7201-4A8A-97A8-7CA5DF4C66C8}" destId="{4CE1B5C3-37CB-4604-AFEF-917149EA134F}" srcOrd="1" destOrd="0" presId="urn:microsoft.com/office/officeart/2005/8/layout/vList2"/>
     <dgm:cxn modelId="{E0C82D18-B6FA-4FA2-A12C-726647E2D62C}" type="presParOf" srcId="{014FA9E0-7201-4A8A-97A8-7CA5DF4C66C8}" destId="{2FCC3A51-EC05-4E9D-8BB4-3621EF34756C}" srcOrd="2" destOrd="0" presId="urn:microsoft.com/office/officeart/2005/8/layout/vList2"/>
@@ -2040,8 +2047,8 @@
 <file path=ppt/diagrams/data2.xml><?xml version="1.0" encoding="utf-8"?>
 <dgm:dataModel xmlns:dgm="http://schemas.openxmlformats.org/drawingml/2006/diagram" xmlns:a="http://schemas.openxmlformats.org/drawingml/2006/main">
   <dgm:ptLst>
-    <dgm:pt modelId="{937858F7-1096-4437-A648-AFAB143058EC}" type="doc">
-      <dgm:prSet loTypeId="urn:microsoft.com/office/officeart/2005/8/layout/cycle2" loCatId="cycle" qsTypeId="urn:microsoft.com/office/officeart/2005/8/quickstyle/simple1" qsCatId="simple" csTypeId="urn:microsoft.com/office/officeart/2005/8/colors/colorful3" csCatId="colorful" phldr="1"/>
+    <dgm:pt modelId="{FC071EDF-67B3-4744-8A9A-98D4C242250B}" type="doc">
+      <dgm:prSet loTypeId="urn:microsoft.com/office/officeart/2005/8/layout/hierarchy2" loCatId="hierarchy" qsTypeId="urn:microsoft.com/office/officeart/2005/8/quickstyle/simple1" qsCatId="simple" csTypeId="urn:microsoft.com/office/officeart/2005/8/colors/accent1_2" csCatId="accent1" phldr="1"/>
       <dgm:spPr/>
       <dgm:t>
         <a:bodyPr/>
@@ -2051,22 +2058,28 @@
         </a:p>
       </dgm:t>
     </dgm:pt>
-    <dgm:pt modelId="{BB0120F7-8E9E-4F52-B373-22844C82AB3A}">
+    <dgm:pt modelId="{5A615995-9A2C-4359-8F92-6A1050AFD9CD}">
       <dgm:prSet phldrT="[Text]"/>
-      <dgm:spPr/>
+      <dgm:spPr>
+        <a:solidFill>
+          <a:schemeClr val="accent4">
+            <a:lumMod val="75000"/>
+          </a:schemeClr>
+        </a:solidFill>
+      </dgm:spPr>
       <dgm:t>
         <a:bodyPr/>
         <a:lstStyle/>
         <a:p>
           <a:r>
             <a:rPr lang="en-US" dirty="0" smtClean="0"/>
-            <a:t>Performance Tuning &amp; Optimization</a:t>
+            <a:t>Architecture Types</a:t>
           </a:r>
           <a:endParaRPr lang="en-US" dirty="0"/>
         </a:p>
       </dgm:t>
     </dgm:pt>
-    <dgm:pt modelId="{2B04B899-F92A-4B7D-B6D9-37AC8AECB0F8}" type="parTrans" cxnId="{688D9065-A997-4276-B416-D11290BB4F91}">
+    <dgm:pt modelId="{0AC13230-C2FA-45D4-A143-38F24ED7337E}" type="parTrans" cxnId="{088D288E-066C-4BE4-A6B8-B169CAB1CD22}">
       <dgm:prSet/>
       <dgm:spPr/>
       <dgm:t>
@@ -2077,7 +2090,7 @@
         </a:p>
       </dgm:t>
     </dgm:pt>
-    <dgm:pt modelId="{64CDA252-913C-481E-B920-7B7C9E26BC25}" type="sibTrans" cxnId="{688D9065-A997-4276-B416-D11290BB4F91}">
+    <dgm:pt modelId="{2AB09787-E261-4D13-BD0D-5165AB564DB0}" type="sibTrans" cxnId="{088D288E-066C-4BE4-A6B8-B169CAB1CD22}">
       <dgm:prSet/>
       <dgm:spPr/>
       <dgm:t>
@@ -2088,22 +2101,29 @@
         </a:p>
       </dgm:t>
     </dgm:pt>
-    <dgm:pt modelId="{FFEF30A8-63A5-407A-8370-0183C5BC74DE}">
+    <dgm:pt modelId="{C5C08844-57EC-4C95-B89D-F1125207E3A4}">
       <dgm:prSet phldrT="[Text]"/>
-      <dgm:spPr/>
+      <dgm:spPr>
+        <a:solidFill>
+          <a:schemeClr val="accent3">
+            <a:lumMod val="75000"/>
+            <a:lumOff val="25000"/>
+          </a:schemeClr>
+        </a:solidFill>
+      </dgm:spPr>
       <dgm:t>
         <a:bodyPr/>
         <a:lstStyle/>
         <a:p>
           <a:r>
             <a:rPr lang="en-US" dirty="0" smtClean="0"/>
-            <a:t>Maintenance</a:t>
+            <a:t>Thick Client Architecture</a:t>
           </a:r>
           <a:endParaRPr lang="en-US" dirty="0"/>
         </a:p>
       </dgm:t>
     </dgm:pt>
-    <dgm:pt modelId="{A2F14A6D-14C8-4363-AEF4-D62799412DBA}" type="parTrans" cxnId="{EC560231-6E85-45FD-8E4A-0F31FD71A93D}">
+    <dgm:pt modelId="{A7A9C494-D091-49C3-8316-4B48B2B4EBEA}" type="parTrans" cxnId="{378CC7EC-2D07-4B6F-83AD-36FD17EC0C90}">
       <dgm:prSet/>
       <dgm:spPr/>
       <dgm:t>
@@ -2114,7 +2134,7 @@
         </a:p>
       </dgm:t>
     </dgm:pt>
-    <dgm:pt modelId="{0FDB2A60-BBDE-4BD1-9DFD-DA8BA224E1B1}" type="sibTrans" cxnId="{EC560231-6E85-45FD-8E4A-0F31FD71A93D}">
+    <dgm:pt modelId="{2F38E44E-2118-4307-95FC-0C7D7FC9CABF}" type="sibTrans" cxnId="{378CC7EC-2D07-4B6F-83AD-36FD17EC0C90}">
       <dgm:prSet/>
       <dgm:spPr/>
       <dgm:t>
@@ -2125,22 +2145,28 @@
         </a:p>
       </dgm:t>
     </dgm:pt>
-    <dgm:pt modelId="{1A620685-73C3-432B-B1CD-82647EC35D13}">
+    <dgm:pt modelId="{B073B53D-A18B-4AF7-9036-323A64425C3A}">
       <dgm:prSet phldrT="[Text]"/>
-      <dgm:spPr/>
+      <dgm:spPr>
+        <a:solidFill>
+          <a:schemeClr val="accent6">
+            <a:lumMod val="50000"/>
+          </a:schemeClr>
+        </a:solidFill>
+      </dgm:spPr>
       <dgm:t>
         <a:bodyPr/>
         <a:lstStyle/>
         <a:p>
           <a:r>
             <a:rPr lang="en-US" dirty="0" smtClean="0"/>
-            <a:t>Crash Recovery</a:t>
+            <a:t>Thin Client Architecture</a:t>
           </a:r>
           <a:endParaRPr lang="en-US" dirty="0"/>
         </a:p>
       </dgm:t>
     </dgm:pt>
-    <dgm:pt modelId="{A54C5DC7-0882-46FF-99C2-19EFB37E4768}" type="parTrans" cxnId="{8CE3D8EB-7B6F-4C5E-B34E-4A4E490A745C}">
+    <dgm:pt modelId="{A2088FD8-7314-4228-99FE-E364881974A1}" type="parTrans" cxnId="{5A00E6B7-0E30-457D-8CB5-50C47CA68D12}">
       <dgm:prSet/>
       <dgm:spPr/>
       <dgm:t>
@@ -2151,7 +2177,7 @@
         </a:p>
       </dgm:t>
     </dgm:pt>
-    <dgm:pt modelId="{1018C219-72DF-4E62-B36B-158A593AED99}" type="sibTrans" cxnId="{8CE3D8EB-7B6F-4C5E-B34E-4A4E490A745C}">
+    <dgm:pt modelId="{30772E5B-07F4-4281-A931-832EA8CCEE71}" type="sibTrans" cxnId="{5A00E6B7-0E30-457D-8CB5-50C47CA68D12}">
       <dgm:prSet/>
       <dgm:spPr/>
       <dgm:t>
@@ -2162,7 +2188,7 @@
         </a:p>
       </dgm:t>
     </dgm:pt>
-    <dgm:pt modelId="{02AA00E1-79DB-4AF0-8C28-00D178DC6F73}">
+    <dgm:pt modelId="{292E5565-CFD9-468B-8F84-49F9E66669EC}">
       <dgm:prSet phldrT="[Text]"/>
       <dgm:spPr/>
       <dgm:t>
@@ -2171,13 +2197,13 @@
         <a:p>
           <a:r>
             <a:rPr lang="en-US" dirty="0" smtClean="0"/>
-            <a:t>Migration</a:t>
+            <a:t>Rich Internet Architecture</a:t>
           </a:r>
           <a:endParaRPr lang="en-US" dirty="0"/>
         </a:p>
       </dgm:t>
     </dgm:pt>
-    <dgm:pt modelId="{3060AABC-F41E-4A4B-8D22-92D1D559445A}" type="parTrans" cxnId="{C8620735-CBCB-421E-9AC5-DD7FD0CBD747}">
+    <dgm:pt modelId="{BEA43584-DC45-49E6-90DE-811558D5D0DA}" type="parTrans" cxnId="{80FBA0A7-DC36-4659-A308-998E33354617}">
       <dgm:prSet/>
       <dgm:spPr/>
       <dgm:t>
@@ -2188,7 +2214,7 @@
         </a:p>
       </dgm:t>
     </dgm:pt>
-    <dgm:pt modelId="{2A38C9BD-F648-489A-BC8F-50FD40650254}" type="sibTrans" cxnId="{C8620735-CBCB-421E-9AC5-DD7FD0CBD747}">
+    <dgm:pt modelId="{819F88E3-8FEA-4506-8973-2392FF55A9C5}" type="sibTrans" cxnId="{80FBA0A7-DC36-4659-A308-998E33354617}">
       <dgm:prSet/>
       <dgm:spPr/>
       <dgm:t>
@@ -2199,47 +2225,13 @@
         </a:p>
       </dgm:t>
     </dgm:pt>
-    <dgm:pt modelId="{2F53016C-E5CE-4848-B561-57865F2F63ED}">
-      <dgm:prSet phldrT="[Text]" custT="1"/>
-      <dgm:spPr/>
-      <dgm:t>
-        <a:bodyPr/>
-        <a:lstStyle/>
-        <a:p>
-          <a:r>
-            <a:rPr lang="en-US" sz="1100" dirty="0" smtClean="0"/>
-            <a:t>Deployment</a:t>
-          </a:r>
-          <a:endParaRPr lang="en-US" sz="1100" dirty="0"/>
-        </a:p>
-      </dgm:t>
-    </dgm:pt>
-    <dgm:pt modelId="{DB2FDE1F-DC13-4AE3-8BDE-1CF58BC96AAA}" type="parTrans" cxnId="{B68B2771-FA03-4E32-B1FB-B8B5BB7AD733}">
-      <dgm:prSet/>
-      <dgm:spPr/>
-      <dgm:t>
-        <a:bodyPr/>
-        <a:lstStyle/>
-        <a:p>
-          <a:endParaRPr lang="en-US"/>
-        </a:p>
-      </dgm:t>
-    </dgm:pt>
-    <dgm:pt modelId="{344C9950-D9AD-4603-9175-8F53258A9C04}" type="sibTrans" cxnId="{B68B2771-FA03-4E32-B1FB-B8B5BB7AD733}">
-      <dgm:prSet/>
-      <dgm:spPr/>
-      <dgm:t>
-        <a:bodyPr/>
-        <a:lstStyle/>
-        <a:p>
-          <a:endParaRPr lang="en-US"/>
-        </a:p>
-      </dgm:t>
-    </dgm:pt>
-    <dgm:pt modelId="{6C402AAA-1234-46F1-87B5-F57776CE35BA}" type="pres">
-      <dgm:prSet presAssocID="{937858F7-1096-4437-A648-AFAB143058EC}" presName="cycle" presStyleCnt="0">
+    <dgm:pt modelId="{26A747E9-F366-43EA-A0D8-DF99CD4CBC1C}" type="pres">
+      <dgm:prSet presAssocID="{FC071EDF-67B3-4744-8A9A-98D4C242250B}" presName="diagram" presStyleCnt="0">
         <dgm:presLayoutVars>
+          <dgm:chPref val="1"/>
           <dgm:dir/>
+          <dgm:animOne val="branch"/>
+          <dgm:animLvl val="lvl"/>
           <dgm:resizeHandles val="exact"/>
         </dgm:presLayoutVars>
       </dgm:prSet>
@@ -2252,10 +2244,14 @@
         </a:p>
       </dgm:t>
     </dgm:pt>
-    <dgm:pt modelId="{6B66CA00-28C5-418B-AF5A-0C5F4FC03107}" type="pres">
-      <dgm:prSet presAssocID="{BB0120F7-8E9E-4F52-B373-22844C82AB3A}" presName="node" presStyleLbl="node1" presStyleIdx="0" presStyleCnt="5">
+    <dgm:pt modelId="{6E8E8C06-4B6E-4A10-8404-3666CD2C5878}" type="pres">
+      <dgm:prSet presAssocID="{5A615995-9A2C-4359-8F92-6A1050AFD9CD}" presName="root1" presStyleCnt="0"/>
+      <dgm:spPr/>
+    </dgm:pt>
+    <dgm:pt modelId="{085C96F5-0EF5-4DF6-A18A-368C5BD7EF96}" type="pres">
+      <dgm:prSet presAssocID="{5A615995-9A2C-4359-8F92-6A1050AFD9CD}" presName="LevelOneTextNode" presStyleLbl="node0" presStyleIdx="0" presStyleCnt="1">
         <dgm:presLayoutVars>
-          <dgm:bulletEnabled val="1"/>
+          <dgm:chPref val="3"/>
         </dgm:presLayoutVars>
       </dgm:prSet>
       <dgm:spPr/>
@@ -2267,8 +2263,12 @@
         </a:p>
       </dgm:t>
     </dgm:pt>
-    <dgm:pt modelId="{830C98CC-58C4-418B-9916-182597BA2A66}" type="pres">
-      <dgm:prSet presAssocID="{64CDA252-913C-481E-B920-7B7C9E26BC25}" presName="sibTrans" presStyleLbl="sibTrans2D1" presStyleIdx="0" presStyleCnt="5"/>
+    <dgm:pt modelId="{EB4AD1F2-4050-4967-83A1-82371E86F763}" type="pres">
+      <dgm:prSet presAssocID="{5A615995-9A2C-4359-8F92-6A1050AFD9CD}" presName="level2hierChild" presStyleCnt="0"/>
+      <dgm:spPr/>
+    </dgm:pt>
+    <dgm:pt modelId="{0CF96643-79D9-44DB-9558-4F6D32E2EFB1}" type="pres">
+      <dgm:prSet presAssocID="{A7A9C494-D091-49C3-8316-4B48B2B4EBEA}" presName="conn2-1" presStyleLbl="parChTrans1D2" presStyleIdx="0" presStyleCnt="3"/>
       <dgm:spPr/>
       <dgm:t>
         <a:bodyPr/>
@@ -2278,8 +2278,8 @@
         </a:p>
       </dgm:t>
     </dgm:pt>
-    <dgm:pt modelId="{6CC2FF47-29B4-4AA4-9339-33B0487D40A3}" type="pres">
-      <dgm:prSet presAssocID="{64CDA252-913C-481E-B920-7B7C9E26BC25}" presName="connectorText" presStyleLbl="sibTrans2D1" presStyleIdx="0" presStyleCnt="5"/>
+    <dgm:pt modelId="{A55B0028-EF10-4DA7-BB3D-F4A2675FE83D}" type="pres">
+      <dgm:prSet presAssocID="{A7A9C494-D091-49C3-8316-4B48B2B4EBEA}" presName="connTx" presStyleLbl="parChTrans1D2" presStyleIdx="0" presStyleCnt="3"/>
       <dgm:spPr/>
       <dgm:t>
         <a:bodyPr/>
@@ -2289,10 +2289,14 @@
         </a:p>
       </dgm:t>
     </dgm:pt>
-    <dgm:pt modelId="{B63C28EA-D36D-4E65-A3C1-FDAE639B0308}" type="pres">
-      <dgm:prSet presAssocID="{FFEF30A8-63A5-407A-8370-0183C5BC74DE}" presName="node" presStyleLbl="node1" presStyleIdx="1" presStyleCnt="5">
+    <dgm:pt modelId="{3D05D626-3A97-4CE9-8482-1574C8A752E9}" type="pres">
+      <dgm:prSet presAssocID="{C5C08844-57EC-4C95-B89D-F1125207E3A4}" presName="root2" presStyleCnt="0"/>
+      <dgm:spPr/>
+    </dgm:pt>
+    <dgm:pt modelId="{6C4D0B60-DDC5-4ED3-B771-B14CD6B7D038}" type="pres">
+      <dgm:prSet presAssocID="{C5C08844-57EC-4C95-B89D-F1125207E3A4}" presName="LevelTwoTextNode" presStyleLbl="node2" presStyleIdx="0" presStyleCnt="3">
         <dgm:presLayoutVars>
-          <dgm:bulletEnabled val="1"/>
+          <dgm:chPref val="3"/>
         </dgm:presLayoutVars>
       </dgm:prSet>
       <dgm:spPr/>
@@ -2304,8 +2308,12 @@
         </a:p>
       </dgm:t>
     </dgm:pt>
-    <dgm:pt modelId="{4A6C48B4-82E7-43FC-AF56-8CC31DF59FA2}" type="pres">
-      <dgm:prSet presAssocID="{0FDB2A60-BBDE-4BD1-9DFD-DA8BA224E1B1}" presName="sibTrans" presStyleLbl="sibTrans2D1" presStyleIdx="1" presStyleCnt="5"/>
+    <dgm:pt modelId="{76BA83D6-4467-4D2A-B4EE-54349E336516}" type="pres">
+      <dgm:prSet presAssocID="{C5C08844-57EC-4C95-B89D-F1125207E3A4}" presName="level3hierChild" presStyleCnt="0"/>
+      <dgm:spPr/>
+    </dgm:pt>
+    <dgm:pt modelId="{819F15CE-4187-4411-9400-D069B9BAEFFD}" type="pres">
+      <dgm:prSet presAssocID="{A2088FD8-7314-4228-99FE-E364881974A1}" presName="conn2-1" presStyleLbl="parChTrans1D2" presStyleIdx="1" presStyleCnt="3"/>
       <dgm:spPr/>
       <dgm:t>
         <a:bodyPr/>
@@ -2315,8 +2323,8 @@
         </a:p>
       </dgm:t>
     </dgm:pt>
-    <dgm:pt modelId="{AD340F4F-2D75-4764-9EE8-0AA6C034BE65}" type="pres">
-      <dgm:prSet presAssocID="{0FDB2A60-BBDE-4BD1-9DFD-DA8BA224E1B1}" presName="connectorText" presStyleLbl="sibTrans2D1" presStyleIdx="1" presStyleCnt="5"/>
+    <dgm:pt modelId="{59CD7E77-2D58-4D1B-B3C8-9F0062409ABB}" type="pres">
+      <dgm:prSet presAssocID="{A2088FD8-7314-4228-99FE-E364881974A1}" presName="connTx" presStyleLbl="parChTrans1D2" presStyleIdx="1" presStyleCnt="3"/>
       <dgm:spPr/>
       <dgm:t>
         <a:bodyPr/>
@@ -2326,10 +2334,14 @@
         </a:p>
       </dgm:t>
     </dgm:pt>
-    <dgm:pt modelId="{20B48DBA-8848-4155-81A2-296CBEAF8CA8}" type="pres">
-      <dgm:prSet presAssocID="{1A620685-73C3-432B-B1CD-82647EC35D13}" presName="node" presStyleLbl="node1" presStyleIdx="2" presStyleCnt="5">
+    <dgm:pt modelId="{6CC4F016-DCF3-4F07-9012-0B2A4527CA9A}" type="pres">
+      <dgm:prSet presAssocID="{B073B53D-A18B-4AF7-9036-323A64425C3A}" presName="root2" presStyleCnt="0"/>
+      <dgm:spPr/>
+    </dgm:pt>
+    <dgm:pt modelId="{87196664-2939-4ECD-83CD-B3BD7708BF6C}" type="pres">
+      <dgm:prSet presAssocID="{B073B53D-A18B-4AF7-9036-323A64425C3A}" presName="LevelTwoTextNode" presStyleLbl="node2" presStyleIdx="1" presStyleCnt="3">
         <dgm:presLayoutVars>
-          <dgm:bulletEnabled val="1"/>
+          <dgm:chPref val="3"/>
         </dgm:presLayoutVars>
       </dgm:prSet>
       <dgm:spPr/>
@@ -2341,8 +2353,12 @@
         </a:p>
       </dgm:t>
     </dgm:pt>
-    <dgm:pt modelId="{F7D4DAC5-233C-4C57-B019-4D262C98CC03}" type="pres">
-      <dgm:prSet presAssocID="{1018C219-72DF-4E62-B36B-158A593AED99}" presName="sibTrans" presStyleLbl="sibTrans2D1" presStyleIdx="2" presStyleCnt="5"/>
+    <dgm:pt modelId="{9CC068F2-E3C5-4C0F-BFC6-F1F4D6632CBF}" type="pres">
+      <dgm:prSet presAssocID="{B073B53D-A18B-4AF7-9036-323A64425C3A}" presName="level3hierChild" presStyleCnt="0"/>
+      <dgm:spPr/>
+    </dgm:pt>
+    <dgm:pt modelId="{263E1DEE-3447-46F9-BB35-F4C9E0350603}" type="pres">
+      <dgm:prSet presAssocID="{BEA43584-DC45-49E6-90DE-811558D5D0DA}" presName="conn2-1" presStyleLbl="parChTrans1D2" presStyleIdx="2" presStyleCnt="3"/>
       <dgm:spPr/>
       <dgm:t>
         <a:bodyPr/>
@@ -2352,8 +2368,8 @@
         </a:p>
       </dgm:t>
     </dgm:pt>
-    <dgm:pt modelId="{DE2DF4E2-6EA9-4EF6-9EDD-271766420369}" type="pres">
-      <dgm:prSet presAssocID="{1018C219-72DF-4E62-B36B-158A593AED99}" presName="connectorText" presStyleLbl="sibTrans2D1" presStyleIdx="2" presStyleCnt="5"/>
+    <dgm:pt modelId="{29FE9E58-6B84-45D8-88E0-DC779C5D4DA1}" type="pres">
+      <dgm:prSet presAssocID="{BEA43584-DC45-49E6-90DE-811558D5D0DA}" presName="connTx" presStyleLbl="parChTrans1D2" presStyleIdx="2" presStyleCnt="3"/>
       <dgm:spPr/>
       <dgm:t>
         <a:bodyPr/>
@@ -2363,10 +2379,14 @@
         </a:p>
       </dgm:t>
     </dgm:pt>
-    <dgm:pt modelId="{5CF3C742-B90B-46E8-9876-E221BFD79FEE}" type="pres">
-      <dgm:prSet presAssocID="{02AA00E1-79DB-4AF0-8C28-00D178DC6F73}" presName="node" presStyleLbl="node1" presStyleIdx="3" presStyleCnt="5">
+    <dgm:pt modelId="{6E17CA44-64C9-4DB1-A7D9-D9AA0746A1BF}" type="pres">
+      <dgm:prSet presAssocID="{292E5565-CFD9-468B-8F84-49F9E66669EC}" presName="root2" presStyleCnt="0"/>
+      <dgm:spPr/>
+    </dgm:pt>
+    <dgm:pt modelId="{DC4B552B-2A28-4E10-A7E6-574A5DD05AA7}" type="pres">
+      <dgm:prSet presAssocID="{292E5565-CFD9-468B-8F84-49F9E66669EC}" presName="LevelTwoTextNode" presStyleLbl="node2" presStyleIdx="2" presStyleCnt="3">
         <dgm:presLayoutVars>
-          <dgm:bulletEnabled val="1"/>
+          <dgm:chPref val="3"/>
         </dgm:presLayoutVars>
       </dgm:prSet>
       <dgm:spPr/>
@@ -2378,109 +2398,51 @@
         </a:p>
       </dgm:t>
     </dgm:pt>
-    <dgm:pt modelId="{B2352221-8A92-4282-B34D-D158EF06DC62}" type="pres">
-      <dgm:prSet presAssocID="{2A38C9BD-F648-489A-BC8F-50FD40650254}" presName="sibTrans" presStyleLbl="sibTrans2D1" presStyleIdx="3" presStyleCnt="5"/>
+    <dgm:pt modelId="{20316066-4A0E-42F5-9367-582E00B32697}" type="pres">
+      <dgm:prSet presAssocID="{292E5565-CFD9-468B-8F84-49F9E66669EC}" presName="level3hierChild" presStyleCnt="0"/>
       <dgm:spPr/>
-      <dgm:t>
-        <a:bodyPr/>
-        <a:lstStyle/>
-        <a:p>
-          <a:endParaRPr lang="en-US"/>
-        </a:p>
-      </dgm:t>
-    </dgm:pt>
-    <dgm:pt modelId="{F1564D58-D94B-4425-B7C5-DDDB37848509}" type="pres">
-      <dgm:prSet presAssocID="{2A38C9BD-F648-489A-BC8F-50FD40650254}" presName="connectorText" presStyleLbl="sibTrans2D1" presStyleIdx="3" presStyleCnt="5"/>
-      <dgm:spPr/>
-      <dgm:t>
-        <a:bodyPr/>
-        <a:lstStyle/>
-        <a:p>
-          <a:endParaRPr lang="en-US"/>
-        </a:p>
-      </dgm:t>
-    </dgm:pt>
-    <dgm:pt modelId="{67D59E31-D7C0-48F9-9470-EDCD9F2B480D}" type="pres">
-      <dgm:prSet presAssocID="{2F53016C-E5CE-4848-B561-57865F2F63ED}" presName="node" presStyleLbl="node1" presStyleIdx="4" presStyleCnt="5">
-        <dgm:presLayoutVars>
-          <dgm:bulletEnabled val="1"/>
-        </dgm:presLayoutVars>
-      </dgm:prSet>
-      <dgm:spPr/>
-      <dgm:t>
-        <a:bodyPr/>
-        <a:lstStyle/>
-        <a:p>
-          <a:endParaRPr lang="en-US"/>
-        </a:p>
-      </dgm:t>
-    </dgm:pt>
-    <dgm:pt modelId="{80056625-FF6A-4BCD-9A0D-AB32137BD8E1}" type="pres">
-      <dgm:prSet presAssocID="{344C9950-D9AD-4603-9175-8F53258A9C04}" presName="sibTrans" presStyleLbl="sibTrans2D1" presStyleIdx="4" presStyleCnt="5"/>
-      <dgm:spPr/>
-      <dgm:t>
-        <a:bodyPr/>
-        <a:lstStyle/>
-        <a:p>
-          <a:endParaRPr lang="en-US"/>
-        </a:p>
-      </dgm:t>
-    </dgm:pt>
-    <dgm:pt modelId="{7CC446F1-1CB8-43FE-8875-A4EFF1361C69}" type="pres">
-      <dgm:prSet presAssocID="{344C9950-D9AD-4603-9175-8F53258A9C04}" presName="connectorText" presStyleLbl="sibTrans2D1" presStyleIdx="4" presStyleCnt="5"/>
-      <dgm:spPr/>
-      <dgm:t>
-        <a:bodyPr/>
-        <a:lstStyle/>
-        <a:p>
-          <a:endParaRPr lang="en-US"/>
-        </a:p>
-      </dgm:t>
     </dgm:pt>
   </dgm:ptLst>
   <dgm:cxnLst>
-    <dgm:cxn modelId="{CA68330F-4E77-44ED-8744-5A018028AAE5}" type="presOf" srcId="{1A620685-73C3-432B-B1CD-82647EC35D13}" destId="{20B48DBA-8848-4155-81A2-296CBEAF8CA8}" srcOrd="0" destOrd="0" presId="urn:microsoft.com/office/officeart/2005/8/layout/cycle2"/>
-    <dgm:cxn modelId="{05E493C8-BF2C-4386-A393-CC8B49ACFFEF}" type="presOf" srcId="{02AA00E1-79DB-4AF0-8C28-00D178DC6F73}" destId="{5CF3C742-B90B-46E8-9876-E221BFD79FEE}" srcOrd="0" destOrd="0" presId="urn:microsoft.com/office/officeart/2005/8/layout/cycle2"/>
-    <dgm:cxn modelId="{EC560231-6E85-45FD-8E4A-0F31FD71A93D}" srcId="{937858F7-1096-4437-A648-AFAB143058EC}" destId="{FFEF30A8-63A5-407A-8370-0183C5BC74DE}" srcOrd="1" destOrd="0" parTransId="{A2F14A6D-14C8-4363-AEF4-D62799412DBA}" sibTransId="{0FDB2A60-BBDE-4BD1-9DFD-DA8BA224E1B1}"/>
-    <dgm:cxn modelId="{6B6DDDB7-F3BE-494F-944E-CC5430A47F89}" type="presOf" srcId="{64CDA252-913C-481E-B920-7B7C9E26BC25}" destId="{6CC2FF47-29B4-4AA4-9339-33B0487D40A3}" srcOrd="1" destOrd="0" presId="urn:microsoft.com/office/officeart/2005/8/layout/cycle2"/>
-    <dgm:cxn modelId="{8C11AB21-AF97-4F36-8695-84EA62291D08}" type="presOf" srcId="{1018C219-72DF-4E62-B36B-158A593AED99}" destId="{DE2DF4E2-6EA9-4EF6-9EDD-271766420369}" srcOrd="1" destOrd="0" presId="urn:microsoft.com/office/officeart/2005/8/layout/cycle2"/>
-    <dgm:cxn modelId="{327BDF6F-26CD-44F6-8A81-43D886003092}" type="presOf" srcId="{FFEF30A8-63A5-407A-8370-0183C5BC74DE}" destId="{B63C28EA-D36D-4E65-A3C1-FDAE639B0308}" srcOrd="0" destOrd="0" presId="urn:microsoft.com/office/officeart/2005/8/layout/cycle2"/>
-    <dgm:cxn modelId="{A8317542-98AF-4365-8AB0-31C16B7405F8}" type="presOf" srcId="{937858F7-1096-4437-A648-AFAB143058EC}" destId="{6C402AAA-1234-46F1-87B5-F57776CE35BA}" srcOrd="0" destOrd="0" presId="urn:microsoft.com/office/officeart/2005/8/layout/cycle2"/>
-    <dgm:cxn modelId="{6175DCCF-677F-48B1-B465-C53835099CD7}" type="presOf" srcId="{0FDB2A60-BBDE-4BD1-9DFD-DA8BA224E1B1}" destId="{4A6C48B4-82E7-43FC-AF56-8CC31DF59FA2}" srcOrd="0" destOrd="0" presId="urn:microsoft.com/office/officeart/2005/8/layout/cycle2"/>
-    <dgm:cxn modelId="{688D9065-A997-4276-B416-D11290BB4F91}" srcId="{937858F7-1096-4437-A648-AFAB143058EC}" destId="{BB0120F7-8E9E-4F52-B373-22844C82AB3A}" srcOrd="0" destOrd="0" parTransId="{2B04B899-F92A-4B7D-B6D9-37AC8AECB0F8}" sibTransId="{64CDA252-913C-481E-B920-7B7C9E26BC25}"/>
-    <dgm:cxn modelId="{8CE3D8EB-7B6F-4C5E-B34E-4A4E490A745C}" srcId="{937858F7-1096-4437-A648-AFAB143058EC}" destId="{1A620685-73C3-432B-B1CD-82647EC35D13}" srcOrd="2" destOrd="0" parTransId="{A54C5DC7-0882-46FF-99C2-19EFB37E4768}" sibTransId="{1018C219-72DF-4E62-B36B-158A593AED99}"/>
-    <dgm:cxn modelId="{AE928DD0-E232-4CA8-83DD-144032E6E205}" type="presOf" srcId="{344C9950-D9AD-4603-9175-8F53258A9C04}" destId="{80056625-FF6A-4BCD-9A0D-AB32137BD8E1}" srcOrd="0" destOrd="0" presId="urn:microsoft.com/office/officeart/2005/8/layout/cycle2"/>
-    <dgm:cxn modelId="{AA8FDE5C-9D83-4C4C-9618-FB22E2C8F218}" type="presOf" srcId="{2A38C9BD-F648-489A-BC8F-50FD40650254}" destId="{F1564D58-D94B-4425-B7C5-DDDB37848509}" srcOrd="1" destOrd="0" presId="urn:microsoft.com/office/officeart/2005/8/layout/cycle2"/>
-    <dgm:cxn modelId="{46C10A59-2224-4BE4-AD1B-7C2CC150958D}" type="presOf" srcId="{2F53016C-E5CE-4848-B561-57865F2F63ED}" destId="{67D59E31-D7C0-48F9-9470-EDCD9F2B480D}" srcOrd="0" destOrd="0" presId="urn:microsoft.com/office/officeart/2005/8/layout/cycle2"/>
-    <dgm:cxn modelId="{4EBEF477-DD6A-41AC-9F82-03C9C6E58314}" type="presOf" srcId="{2A38C9BD-F648-489A-BC8F-50FD40650254}" destId="{B2352221-8A92-4282-B34D-D158EF06DC62}" srcOrd="0" destOrd="0" presId="urn:microsoft.com/office/officeart/2005/8/layout/cycle2"/>
-    <dgm:cxn modelId="{CB86D57C-D6D7-4DDF-90B7-F3D84CC1E3FA}" type="presOf" srcId="{1018C219-72DF-4E62-B36B-158A593AED99}" destId="{F7D4DAC5-233C-4C57-B019-4D262C98CC03}" srcOrd="0" destOrd="0" presId="urn:microsoft.com/office/officeart/2005/8/layout/cycle2"/>
-    <dgm:cxn modelId="{8CB3F8C7-C633-4CDB-AC85-D4265470FCAB}" type="presOf" srcId="{BB0120F7-8E9E-4F52-B373-22844C82AB3A}" destId="{6B66CA00-28C5-418B-AF5A-0C5F4FC03107}" srcOrd="0" destOrd="0" presId="urn:microsoft.com/office/officeart/2005/8/layout/cycle2"/>
-    <dgm:cxn modelId="{C8620735-CBCB-421E-9AC5-DD7FD0CBD747}" srcId="{937858F7-1096-4437-A648-AFAB143058EC}" destId="{02AA00E1-79DB-4AF0-8C28-00D178DC6F73}" srcOrd="3" destOrd="0" parTransId="{3060AABC-F41E-4A4B-8D22-92D1D559445A}" sibTransId="{2A38C9BD-F648-489A-BC8F-50FD40650254}"/>
-    <dgm:cxn modelId="{9819A4BE-753A-4524-A041-8673A1601E4F}" type="presOf" srcId="{344C9950-D9AD-4603-9175-8F53258A9C04}" destId="{7CC446F1-1CB8-43FE-8875-A4EFF1361C69}" srcOrd="1" destOrd="0" presId="urn:microsoft.com/office/officeart/2005/8/layout/cycle2"/>
-    <dgm:cxn modelId="{B68B2771-FA03-4E32-B1FB-B8B5BB7AD733}" srcId="{937858F7-1096-4437-A648-AFAB143058EC}" destId="{2F53016C-E5CE-4848-B561-57865F2F63ED}" srcOrd="4" destOrd="0" parTransId="{DB2FDE1F-DC13-4AE3-8BDE-1CF58BC96AAA}" sibTransId="{344C9950-D9AD-4603-9175-8F53258A9C04}"/>
-    <dgm:cxn modelId="{F696E3B9-F4FF-47F4-88BF-5D6193FF2F12}" type="presOf" srcId="{0FDB2A60-BBDE-4BD1-9DFD-DA8BA224E1B1}" destId="{AD340F4F-2D75-4764-9EE8-0AA6C034BE65}" srcOrd="1" destOrd="0" presId="urn:microsoft.com/office/officeart/2005/8/layout/cycle2"/>
-    <dgm:cxn modelId="{1A834BDB-9C22-43DC-AE52-9336C3A2B0AD}" type="presOf" srcId="{64CDA252-913C-481E-B920-7B7C9E26BC25}" destId="{830C98CC-58C4-418B-9916-182597BA2A66}" srcOrd="0" destOrd="0" presId="urn:microsoft.com/office/officeart/2005/8/layout/cycle2"/>
-    <dgm:cxn modelId="{DDF705AA-BCDE-40A2-8123-16C87CC8D367}" type="presParOf" srcId="{6C402AAA-1234-46F1-87B5-F57776CE35BA}" destId="{6B66CA00-28C5-418B-AF5A-0C5F4FC03107}" srcOrd="0" destOrd="0" presId="urn:microsoft.com/office/officeart/2005/8/layout/cycle2"/>
-    <dgm:cxn modelId="{3EF0B6AA-06D8-49AC-A265-61346DE112F8}" type="presParOf" srcId="{6C402AAA-1234-46F1-87B5-F57776CE35BA}" destId="{830C98CC-58C4-418B-9916-182597BA2A66}" srcOrd="1" destOrd="0" presId="urn:microsoft.com/office/officeart/2005/8/layout/cycle2"/>
-    <dgm:cxn modelId="{26526B1F-2E93-4837-8D3A-D72A53854E10}" type="presParOf" srcId="{830C98CC-58C4-418B-9916-182597BA2A66}" destId="{6CC2FF47-29B4-4AA4-9339-33B0487D40A3}" srcOrd="0" destOrd="0" presId="urn:microsoft.com/office/officeart/2005/8/layout/cycle2"/>
-    <dgm:cxn modelId="{C998ED46-A3A2-429F-8AD8-CB78C7924A43}" type="presParOf" srcId="{6C402AAA-1234-46F1-87B5-F57776CE35BA}" destId="{B63C28EA-D36D-4E65-A3C1-FDAE639B0308}" srcOrd="2" destOrd="0" presId="urn:microsoft.com/office/officeart/2005/8/layout/cycle2"/>
-    <dgm:cxn modelId="{CF372C7B-2A9C-4978-99EE-168EFD63C099}" type="presParOf" srcId="{6C402AAA-1234-46F1-87B5-F57776CE35BA}" destId="{4A6C48B4-82E7-43FC-AF56-8CC31DF59FA2}" srcOrd="3" destOrd="0" presId="urn:microsoft.com/office/officeart/2005/8/layout/cycle2"/>
-    <dgm:cxn modelId="{D31A2C21-D8C8-480F-833A-E8D3A480FF09}" type="presParOf" srcId="{4A6C48B4-82E7-43FC-AF56-8CC31DF59FA2}" destId="{AD340F4F-2D75-4764-9EE8-0AA6C034BE65}" srcOrd="0" destOrd="0" presId="urn:microsoft.com/office/officeart/2005/8/layout/cycle2"/>
-    <dgm:cxn modelId="{6B65E0C8-F938-411C-846B-CE69DBB8E329}" type="presParOf" srcId="{6C402AAA-1234-46F1-87B5-F57776CE35BA}" destId="{20B48DBA-8848-4155-81A2-296CBEAF8CA8}" srcOrd="4" destOrd="0" presId="urn:microsoft.com/office/officeart/2005/8/layout/cycle2"/>
-    <dgm:cxn modelId="{CAA12697-456B-459F-B67A-95EDDC129D2B}" type="presParOf" srcId="{6C402AAA-1234-46F1-87B5-F57776CE35BA}" destId="{F7D4DAC5-233C-4C57-B019-4D262C98CC03}" srcOrd="5" destOrd="0" presId="urn:microsoft.com/office/officeart/2005/8/layout/cycle2"/>
-    <dgm:cxn modelId="{4D6F063F-3472-4939-A5E1-D9D4F174ECE7}" type="presParOf" srcId="{F7D4DAC5-233C-4C57-B019-4D262C98CC03}" destId="{DE2DF4E2-6EA9-4EF6-9EDD-271766420369}" srcOrd="0" destOrd="0" presId="urn:microsoft.com/office/officeart/2005/8/layout/cycle2"/>
-    <dgm:cxn modelId="{CDCD7867-B2BE-4413-98B4-CEFB77A04B82}" type="presParOf" srcId="{6C402AAA-1234-46F1-87B5-F57776CE35BA}" destId="{5CF3C742-B90B-46E8-9876-E221BFD79FEE}" srcOrd="6" destOrd="0" presId="urn:microsoft.com/office/officeart/2005/8/layout/cycle2"/>
-    <dgm:cxn modelId="{7C071258-789B-4FF4-9EF2-BC46CD8FB58F}" type="presParOf" srcId="{6C402AAA-1234-46F1-87B5-F57776CE35BA}" destId="{B2352221-8A92-4282-B34D-D158EF06DC62}" srcOrd="7" destOrd="0" presId="urn:microsoft.com/office/officeart/2005/8/layout/cycle2"/>
-    <dgm:cxn modelId="{ECDEFAF7-EF71-4D5F-9712-24DCD740F876}" type="presParOf" srcId="{B2352221-8A92-4282-B34D-D158EF06DC62}" destId="{F1564D58-D94B-4425-B7C5-DDDB37848509}" srcOrd="0" destOrd="0" presId="urn:microsoft.com/office/officeart/2005/8/layout/cycle2"/>
-    <dgm:cxn modelId="{E9970BE3-1D3E-4F2B-A5B7-FB67341B38D6}" type="presParOf" srcId="{6C402AAA-1234-46F1-87B5-F57776CE35BA}" destId="{67D59E31-D7C0-48F9-9470-EDCD9F2B480D}" srcOrd="8" destOrd="0" presId="urn:microsoft.com/office/officeart/2005/8/layout/cycle2"/>
-    <dgm:cxn modelId="{907B1CDB-2BF1-4D70-A092-E5CD320B5CCD}" type="presParOf" srcId="{6C402AAA-1234-46F1-87B5-F57776CE35BA}" destId="{80056625-FF6A-4BCD-9A0D-AB32137BD8E1}" srcOrd="9" destOrd="0" presId="urn:microsoft.com/office/officeart/2005/8/layout/cycle2"/>
-    <dgm:cxn modelId="{29B22AA7-7092-41E3-8955-FA2CFC6E8A32}" type="presParOf" srcId="{80056625-FF6A-4BCD-9A0D-AB32137BD8E1}" destId="{7CC446F1-1CB8-43FE-8875-A4EFF1361C69}" srcOrd="0" destOrd="0" presId="urn:microsoft.com/office/officeart/2005/8/layout/cycle2"/>
+    <dgm:cxn modelId="{378CC7EC-2D07-4B6F-83AD-36FD17EC0C90}" srcId="{5A615995-9A2C-4359-8F92-6A1050AFD9CD}" destId="{C5C08844-57EC-4C95-B89D-F1125207E3A4}" srcOrd="0" destOrd="0" parTransId="{A7A9C494-D091-49C3-8316-4B48B2B4EBEA}" sibTransId="{2F38E44E-2118-4307-95FC-0C7D7FC9CABF}"/>
+    <dgm:cxn modelId="{088D288E-066C-4BE4-A6B8-B169CAB1CD22}" srcId="{FC071EDF-67B3-4744-8A9A-98D4C242250B}" destId="{5A615995-9A2C-4359-8F92-6A1050AFD9CD}" srcOrd="0" destOrd="0" parTransId="{0AC13230-C2FA-45D4-A143-38F24ED7337E}" sibTransId="{2AB09787-E261-4D13-BD0D-5165AB564DB0}"/>
+    <dgm:cxn modelId="{75AD02D5-C5F7-4F39-9F60-F0F64CC22F4D}" type="presOf" srcId="{FC071EDF-67B3-4744-8A9A-98D4C242250B}" destId="{26A747E9-F366-43EA-A0D8-DF99CD4CBC1C}" srcOrd="0" destOrd="0" presId="urn:microsoft.com/office/officeart/2005/8/layout/hierarchy2"/>
+    <dgm:cxn modelId="{4117A226-1AD9-437D-AE1E-BF7F0E2D5AE6}" type="presOf" srcId="{C5C08844-57EC-4C95-B89D-F1125207E3A4}" destId="{6C4D0B60-DDC5-4ED3-B771-B14CD6B7D038}" srcOrd="0" destOrd="0" presId="urn:microsoft.com/office/officeart/2005/8/layout/hierarchy2"/>
+    <dgm:cxn modelId="{D298FAD8-D505-4AC9-B837-BD424BEAE578}" type="presOf" srcId="{A2088FD8-7314-4228-99FE-E364881974A1}" destId="{59CD7E77-2D58-4D1B-B3C8-9F0062409ABB}" srcOrd="1" destOrd="0" presId="urn:microsoft.com/office/officeart/2005/8/layout/hierarchy2"/>
+    <dgm:cxn modelId="{F26A5D30-E2B9-4965-B800-E56CEE6752D9}" type="presOf" srcId="{B073B53D-A18B-4AF7-9036-323A64425C3A}" destId="{87196664-2939-4ECD-83CD-B3BD7708BF6C}" srcOrd="0" destOrd="0" presId="urn:microsoft.com/office/officeart/2005/8/layout/hierarchy2"/>
+    <dgm:cxn modelId="{F1181790-3A40-43C3-A5DE-68CDFE2F97B7}" type="presOf" srcId="{BEA43584-DC45-49E6-90DE-811558D5D0DA}" destId="{29FE9E58-6B84-45D8-88E0-DC779C5D4DA1}" srcOrd="1" destOrd="0" presId="urn:microsoft.com/office/officeart/2005/8/layout/hierarchy2"/>
+    <dgm:cxn modelId="{B743F1A0-C224-48B3-9EB1-88203B8F2FC5}" type="presOf" srcId="{5A615995-9A2C-4359-8F92-6A1050AFD9CD}" destId="{085C96F5-0EF5-4DF6-A18A-368C5BD7EF96}" srcOrd="0" destOrd="0" presId="urn:microsoft.com/office/officeart/2005/8/layout/hierarchy2"/>
+    <dgm:cxn modelId="{326135C1-F865-4F02-AA19-E9BDC00FBEFD}" type="presOf" srcId="{A2088FD8-7314-4228-99FE-E364881974A1}" destId="{819F15CE-4187-4411-9400-D069B9BAEFFD}" srcOrd="0" destOrd="0" presId="urn:microsoft.com/office/officeart/2005/8/layout/hierarchy2"/>
+    <dgm:cxn modelId="{5A00E6B7-0E30-457D-8CB5-50C47CA68D12}" srcId="{5A615995-9A2C-4359-8F92-6A1050AFD9CD}" destId="{B073B53D-A18B-4AF7-9036-323A64425C3A}" srcOrd="1" destOrd="0" parTransId="{A2088FD8-7314-4228-99FE-E364881974A1}" sibTransId="{30772E5B-07F4-4281-A931-832EA8CCEE71}"/>
+    <dgm:cxn modelId="{60847F3A-FD35-4502-9618-133C0BBC8902}" type="presOf" srcId="{BEA43584-DC45-49E6-90DE-811558D5D0DA}" destId="{263E1DEE-3447-46F9-BB35-F4C9E0350603}" srcOrd="0" destOrd="0" presId="urn:microsoft.com/office/officeart/2005/8/layout/hierarchy2"/>
+    <dgm:cxn modelId="{0E472DD5-1986-46CD-B3E2-6E517560D035}" type="presOf" srcId="{A7A9C494-D091-49C3-8316-4B48B2B4EBEA}" destId="{A55B0028-EF10-4DA7-BB3D-F4A2675FE83D}" srcOrd="1" destOrd="0" presId="urn:microsoft.com/office/officeart/2005/8/layout/hierarchy2"/>
+    <dgm:cxn modelId="{B7B65120-8ABA-4C0D-9FB0-3493E6DC81BF}" type="presOf" srcId="{292E5565-CFD9-468B-8F84-49F9E66669EC}" destId="{DC4B552B-2A28-4E10-A7E6-574A5DD05AA7}" srcOrd="0" destOrd="0" presId="urn:microsoft.com/office/officeart/2005/8/layout/hierarchy2"/>
+    <dgm:cxn modelId="{A5923CA3-98B5-42C9-8D52-A304EB43CD07}" type="presOf" srcId="{A7A9C494-D091-49C3-8316-4B48B2B4EBEA}" destId="{0CF96643-79D9-44DB-9558-4F6D32E2EFB1}" srcOrd="0" destOrd="0" presId="urn:microsoft.com/office/officeart/2005/8/layout/hierarchy2"/>
+    <dgm:cxn modelId="{80FBA0A7-DC36-4659-A308-998E33354617}" srcId="{5A615995-9A2C-4359-8F92-6A1050AFD9CD}" destId="{292E5565-CFD9-468B-8F84-49F9E66669EC}" srcOrd="2" destOrd="0" parTransId="{BEA43584-DC45-49E6-90DE-811558D5D0DA}" sibTransId="{819F88E3-8FEA-4506-8973-2392FF55A9C5}"/>
+    <dgm:cxn modelId="{460FF651-B017-438E-92E4-A4917ABAA10A}" type="presParOf" srcId="{26A747E9-F366-43EA-A0D8-DF99CD4CBC1C}" destId="{6E8E8C06-4B6E-4A10-8404-3666CD2C5878}" srcOrd="0" destOrd="0" presId="urn:microsoft.com/office/officeart/2005/8/layout/hierarchy2"/>
+    <dgm:cxn modelId="{C9351DD1-D5FC-4829-BD5A-2BE8C618F070}" type="presParOf" srcId="{6E8E8C06-4B6E-4A10-8404-3666CD2C5878}" destId="{085C96F5-0EF5-4DF6-A18A-368C5BD7EF96}" srcOrd="0" destOrd="0" presId="urn:microsoft.com/office/officeart/2005/8/layout/hierarchy2"/>
+    <dgm:cxn modelId="{ADAA90CB-E41B-4A1E-BD27-59AD0161E7B7}" type="presParOf" srcId="{6E8E8C06-4B6E-4A10-8404-3666CD2C5878}" destId="{EB4AD1F2-4050-4967-83A1-82371E86F763}" srcOrd="1" destOrd="0" presId="urn:microsoft.com/office/officeart/2005/8/layout/hierarchy2"/>
+    <dgm:cxn modelId="{55910CAD-7A61-41CA-94BD-5A45F17450CD}" type="presParOf" srcId="{EB4AD1F2-4050-4967-83A1-82371E86F763}" destId="{0CF96643-79D9-44DB-9558-4F6D32E2EFB1}" srcOrd="0" destOrd="0" presId="urn:microsoft.com/office/officeart/2005/8/layout/hierarchy2"/>
+    <dgm:cxn modelId="{047248F7-0960-48A3-9F18-F377C1B9A51B}" type="presParOf" srcId="{0CF96643-79D9-44DB-9558-4F6D32E2EFB1}" destId="{A55B0028-EF10-4DA7-BB3D-F4A2675FE83D}" srcOrd="0" destOrd="0" presId="urn:microsoft.com/office/officeart/2005/8/layout/hierarchy2"/>
+    <dgm:cxn modelId="{4A57D6A4-4795-417E-8187-732DE8483725}" type="presParOf" srcId="{EB4AD1F2-4050-4967-83A1-82371E86F763}" destId="{3D05D626-3A97-4CE9-8482-1574C8A752E9}" srcOrd="1" destOrd="0" presId="urn:microsoft.com/office/officeart/2005/8/layout/hierarchy2"/>
+    <dgm:cxn modelId="{5C52C97F-3DB5-4DE6-9E36-781B5385F83D}" type="presParOf" srcId="{3D05D626-3A97-4CE9-8482-1574C8A752E9}" destId="{6C4D0B60-DDC5-4ED3-B771-B14CD6B7D038}" srcOrd="0" destOrd="0" presId="urn:microsoft.com/office/officeart/2005/8/layout/hierarchy2"/>
+    <dgm:cxn modelId="{6799D1B1-D311-4EDF-8091-E6299A51F417}" type="presParOf" srcId="{3D05D626-3A97-4CE9-8482-1574C8A752E9}" destId="{76BA83D6-4467-4D2A-B4EE-54349E336516}" srcOrd="1" destOrd="0" presId="urn:microsoft.com/office/officeart/2005/8/layout/hierarchy2"/>
+    <dgm:cxn modelId="{1942BD57-7ED0-4108-BF63-E3900739EC84}" type="presParOf" srcId="{EB4AD1F2-4050-4967-83A1-82371E86F763}" destId="{819F15CE-4187-4411-9400-D069B9BAEFFD}" srcOrd="2" destOrd="0" presId="urn:microsoft.com/office/officeart/2005/8/layout/hierarchy2"/>
+    <dgm:cxn modelId="{8528D379-9946-4E63-BEA6-58A8EF3CA331}" type="presParOf" srcId="{819F15CE-4187-4411-9400-D069B9BAEFFD}" destId="{59CD7E77-2D58-4D1B-B3C8-9F0062409ABB}" srcOrd="0" destOrd="0" presId="urn:microsoft.com/office/officeart/2005/8/layout/hierarchy2"/>
+    <dgm:cxn modelId="{506C633C-3D85-4B0C-9AF2-B7FAA87EB77F}" type="presParOf" srcId="{EB4AD1F2-4050-4967-83A1-82371E86F763}" destId="{6CC4F016-DCF3-4F07-9012-0B2A4527CA9A}" srcOrd="3" destOrd="0" presId="urn:microsoft.com/office/officeart/2005/8/layout/hierarchy2"/>
+    <dgm:cxn modelId="{032EB64F-EE11-4611-AD40-1C1C62EED995}" type="presParOf" srcId="{6CC4F016-DCF3-4F07-9012-0B2A4527CA9A}" destId="{87196664-2939-4ECD-83CD-B3BD7708BF6C}" srcOrd="0" destOrd="0" presId="urn:microsoft.com/office/officeart/2005/8/layout/hierarchy2"/>
+    <dgm:cxn modelId="{3CE977A9-D7FE-459F-AAA5-82113A98699F}" type="presParOf" srcId="{6CC4F016-DCF3-4F07-9012-0B2A4527CA9A}" destId="{9CC068F2-E3C5-4C0F-BFC6-F1F4D6632CBF}" srcOrd="1" destOrd="0" presId="urn:microsoft.com/office/officeart/2005/8/layout/hierarchy2"/>
+    <dgm:cxn modelId="{7B5ECC7C-1B21-4270-9325-7B531A962550}" type="presParOf" srcId="{EB4AD1F2-4050-4967-83A1-82371E86F763}" destId="{263E1DEE-3447-46F9-BB35-F4C9E0350603}" srcOrd="4" destOrd="0" presId="urn:microsoft.com/office/officeart/2005/8/layout/hierarchy2"/>
+    <dgm:cxn modelId="{F51D85E5-50F2-4A27-ABAC-E5258E856378}" type="presParOf" srcId="{263E1DEE-3447-46F9-BB35-F4C9E0350603}" destId="{29FE9E58-6B84-45D8-88E0-DC779C5D4DA1}" srcOrd="0" destOrd="0" presId="urn:microsoft.com/office/officeart/2005/8/layout/hierarchy2"/>
+    <dgm:cxn modelId="{C4A9073B-85B5-4E9E-8611-222B56546172}" type="presParOf" srcId="{EB4AD1F2-4050-4967-83A1-82371E86F763}" destId="{6E17CA44-64C9-4DB1-A7D9-D9AA0746A1BF}" srcOrd="5" destOrd="0" presId="urn:microsoft.com/office/officeart/2005/8/layout/hierarchy2"/>
+    <dgm:cxn modelId="{34B0C1EC-83B8-40BE-B859-D403205129D7}" type="presParOf" srcId="{6E17CA44-64C9-4DB1-A7D9-D9AA0746A1BF}" destId="{DC4B552B-2A28-4E10-A7E6-574A5DD05AA7}" srcOrd="0" destOrd="0" presId="urn:microsoft.com/office/officeart/2005/8/layout/hierarchy2"/>
+    <dgm:cxn modelId="{8565903E-6127-4AF2-AA5E-48C5078121FE}" type="presParOf" srcId="{6E17CA44-64C9-4DB1-A7D9-D9AA0746A1BF}" destId="{20316066-4A0E-42F5-9367-582E00B32697}" srcOrd="1" destOrd="0" presId="urn:microsoft.com/office/officeart/2005/8/layout/hierarchy2"/>
   </dgm:cxnLst>
   <dgm:bg/>
   <dgm:whole/>
   <dgm:extLst>
     <a:ext uri="http://schemas.microsoft.com/office/drawing/2008/diagram">
-      <dsp:dataModelExt xmlns:dsp="http://schemas.microsoft.com/office/drawing/2008/diagram" relId="rId11" minVer="http://schemas.openxmlformats.org/drawingml/2006/diagram"/>
+      <dsp:dataModelExt xmlns:dsp="http://schemas.microsoft.com/office/drawing/2008/diagram" relId="rId6" minVer="http://schemas.openxmlformats.org/drawingml/2006/diagram"/>
     </a:ext>
   </dgm:extLst>
 </dgm:dataModel>
@@ -2923,21 +2885,495 @@
       <dsp:cNvGrpSpPr/>
     </dsp:nvGrpSpPr>
     <dsp:grpSpPr/>
-    <dsp:sp modelId="{6B66CA00-28C5-418B-AF5A-0C5F4FC03107}">
+    <dsp:sp modelId="{085C96F5-0EF5-4DF6-A18A-368C5BD7EF96}">
       <dsp:nvSpPr>
         <dsp:cNvPr id="0" name=""/>
         <dsp:cNvSpPr/>
       </dsp:nvSpPr>
       <dsp:spPr>
         <a:xfrm>
-          <a:off x="4001674" y="1142"/>
-          <a:ext cx="1341496" cy="1341496"/>
+          <a:off x="776400" y="1043945"/>
+          <a:ext cx="1813013" cy="906506"/>
         </a:xfrm>
-        <a:prstGeom prst="ellipse">
+        <a:prstGeom prst="roundRect">
+          <a:avLst>
+            <a:gd name="adj" fmla="val 10000"/>
+          </a:avLst>
+        </a:prstGeom>
+        <a:solidFill>
+          <a:schemeClr val="accent4">
+            <a:lumMod val="75000"/>
+          </a:schemeClr>
+        </a:solidFill>
+        <a:ln w="12700" cap="flat" cmpd="sng" algn="ctr">
+          <a:solidFill>
+            <a:schemeClr val="lt1">
+              <a:hueOff val="0"/>
+              <a:satOff val="0"/>
+              <a:lumOff val="0"/>
+              <a:alphaOff val="0"/>
+            </a:schemeClr>
+          </a:solidFill>
+          <a:prstDash val="solid"/>
+          <a:miter lim="800000"/>
+        </a:ln>
+        <a:effectLst/>
+      </dsp:spPr>
+      <dsp:style>
+        <a:lnRef idx="2">
+          <a:scrgbClr r="0" g="0" b="0"/>
+        </a:lnRef>
+        <a:fillRef idx="1">
+          <a:scrgbClr r="0" g="0" b="0"/>
+        </a:fillRef>
+        <a:effectRef idx="0">
+          <a:scrgbClr r="0" g="0" b="0"/>
+        </a:effectRef>
+        <a:fontRef idx="minor">
+          <a:schemeClr val="lt1"/>
+        </a:fontRef>
+      </dsp:style>
+      <dsp:txBody>
+        <a:bodyPr spcFirstLastPara="0" vert="horz" wrap="square" lIns="12700" tIns="12700" rIns="12700" bIns="12700" numCol="1" spcCol="1270" anchor="ctr" anchorCtr="0">
+          <a:noAutofit/>
+        </a:bodyPr>
+        <a:lstStyle/>
+        <a:p>
+          <a:pPr lvl="0" algn="ctr" defTabSz="889000">
+            <a:lnSpc>
+              <a:spcPct val="90000"/>
+            </a:lnSpc>
+            <a:spcBef>
+              <a:spcPct val="0"/>
+            </a:spcBef>
+            <a:spcAft>
+              <a:spcPct val="35000"/>
+            </a:spcAft>
+          </a:pPr>
+          <a:r>
+            <a:rPr lang="en-US" sz="2000" kern="1200" dirty="0" smtClean="0"/>
+            <a:t>Architecture Types</a:t>
+          </a:r>
+          <a:endParaRPr lang="en-US" sz="2000" kern="1200" dirty="0"/>
+        </a:p>
+      </dsp:txBody>
+      <dsp:txXfrm>
+        <a:off x="802951" y="1070496"/>
+        <a:ext cx="1759911" cy="853404"/>
+      </dsp:txXfrm>
+    </dsp:sp>
+    <dsp:sp modelId="{0CF96643-79D9-44DB-9558-4F6D32E2EFB1}">
+      <dsp:nvSpPr>
+        <dsp:cNvPr id="0" name=""/>
+        <dsp:cNvSpPr/>
+      </dsp:nvSpPr>
+      <dsp:spPr>
+        <a:xfrm rot="18289469">
+          <a:off x="2317058" y="948710"/>
+          <a:ext cx="1269918" cy="54492"/>
+        </a:xfrm>
+        <a:custGeom>
           <a:avLst/>
+          <a:gdLst/>
+          <a:ahLst/>
+          <a:cxnLst/>
+          <a:rect l="0" t="0" r="0" b="0"/>
+          <a:pathLst>
+            <a:path>
+              <a:moveTo>
+                <a:pt x="0" y="27246"/>
+              </a:moveTo>
+              <a:lnTo>
+                <a:pt x="1269918" y="27246"/>
+              </a:lnTo>
+            </a:path>
+          </a:pathLst>
+        </a:custGeom>
+        <a:noFill/>
+        <a:ln w="12700" cap="flat" cmpd="sng" algn="ctr">
+          <a:solidFill>
+            <a:schemeClr val="accent1">
+              <a:shade val="60000"/>
+              <a:hueOff val="0"/>
+              <a:satOff val="0"/>
+              <a:lumOff val="0"/>
+              <a:alphaOff val="0"/>
+            </a:schemeClr>
+          </a:solidFill>
+          <a:prstDash val="solid"/>
+          <a:miter lim="800000"/>
+        </a:ln>
+        <a:effectLst/>
+      </dsp:spPr>
+      <dsp:style>
+        <a:lnRef idx="2">
+          <a:scrgbClr r="0" g="0" b="0"/>
+        </a:lnRef>
+        <a:fillRef idx="0">
+          <a:scrgbClr r="0" g="0" b="0"/>
+        </a:fillRef>
+        <a:effectRef idx="0">
+          <a:scrgbClr r="0" g="0" b="0"/>
+        </a:effectRef>
+        <a:fontRef idx="minor"/>
+      </dsp:style>
+      <dsp:txBody>
+        <a:bodyPr spcFirstLastPara="0" vert="horz" wrap="square" lIns="12700" tIns="0" rIns="12700" bIns="0" numCol="1" spcCol="1270" anchor="ctr" anchorCtr="0">
+          <a:noAutofit/>
+        </a:bodyPr>
+        <a:lstStyle/>
+        <a:p>
+          <a:pPr lvl="0" algn="ctr" defTabSz="222250">
+            <a:lnSpc>
+              <a:spcPct val="90000"/>
+            </a:lnSpc>
+            <a:spcBef>
+              <a:spcPct val="0"/>
+            </a:spcBef>
+            <a:spcAft>
+              <a:spcPct val="35000"/>
+            </a:spcAft>
+          </a:pPr>
+          <a:endParaRPr lang="en-US" sz="500" kern="1200"/>
+        </a:p>
+      </dsp:txBody>
+      <dsp:txXfrm>
+        <a:off x="2920269" y="944209"/>
+        <a:ext cx="63495" cy="63495"/>
+      </dsp:txXfrm>
+    </dsp:sp>
+    <dsp:sp modelId="{6C4D0B60-DDC5-4ED3-B771-B14CD6B7D038}">
+      <dsp:nvSpPr>
+        <dsp:cNvPr id="0" name=""/>
+        <dsp:cNvSpPr/>
+      </dsp:nvSpPr>
+      <dsp:spPr>
+        <a:xfrm>
+          <a:off x="3314620" y="1462"/>
+          <a:ext cx="1813013" cy="906506"/>
+        </a:xfrm>
+        <a:prstGeom prst="roundRect">
+          <a:avLst>
+            <a:gd name="adj" fmla="val 10000"/>
+          </a:avLst>
         </a:prstGeom>
         <a:solidFill>
           <a:schemeClr val="accent3">
+            <a:lumMod val="75000"/>
+            <a:lumOff val="25000"/>
+          </a:schemeClr>
+        </a:solidFill>
+        <a:ln w="12700" cap="flat" cmpd="sng" algn="ctr">
+          <a:solidFill>
+            <a:schemeClr val="lt1">
+              <a:hueOff val="0"/>
+              <a:satOff val="0"/>
+              <a:lumOff val="0"/>
+              <a:alphaOff val="0"/>
+            </a:schemeClr>
+          </a:solidFill>
+          <a:prstDash val="solid"/>
+          <a:miter lim="800000"/>
+        </a:ln>
+        <a:effectLst/>
+      </dsp:spPr>
+      <dsp:style>
+        <a:lnRef idx="2">
+          <a:scrgbClr r="0" g="0" b="0"/>
+        </a:lnRef>
+        <a:fillRef idx="1">
+          <a:scrgbClr r="0" g="0" b="0"/>
+        </a:fillRef>
+        <a:effectRef idx="0">
+          <a:scrgbClr r="0" g="0" b="0"/>
+        </a:effectRef>
+        <a:fontRef idx="minor">
+          <a:schemeClr val="lt1"/>
+        </a:fontRef>
+      </dsp:style>
+      <dsp:txBody>
+        <a:bodyPr spcFirstLastPara="0" vert="horz" wrap="square" lIns="12700" tIns="12700" rIns="12700" bIns="12700" numCol="1" spcCol="1270" anchor="ctr" anchorCtr="0">
+          <a:noAutofit/>
+        </a:bodyPr>
+        <a:lstStyle/>
+        <a:p>
+          <a:pPr lvl="0" algn="ctr" defTabSz="889000">
+            <a:lnSpc>
+              <a:spcPct val="90000"/>
+            </a:lnSpc>
+            <a:spcBef>
+              <a:spcPct val="0"/>
+            </a:spcBef>
+            <a:spcAft>
+              <a:spcPct val="35000"/>
+            </a:spcAft>
+          </a:pPr>
+          <a:r>
+            <a:rPr lang="en-US" sz="2000" kern="1200" dirty="0" smtClean="0"/>
+            <a:t>Thick Client Architecture</a:t>
+          </a:r>
+          <a:endParaRPr lang="en-US" sz="2000" kern="1200" dirty="0"/>
+        </a:p>
+      </dsp:txBody>
+      <dsp:txXfrm>
+        <a:off x="3341171" y="28013"/>
+        <a:ext cx="1759911" cy="853404"/>
+      </dsp:txXfrm>
+    </dsp:sp>
+    <dsp:sp modelId="{819F15CE-4187-4411-9400-D069B9BAEFFD}">
+      <dsp:nvSpPr>
+        <dsp:cNvPr id="0" name=""/>
+        <dsp:cNvSpPr/>
+      </dsp:nvSpPr>
+      <dsp:spPr>
+        <a:xfrm>
+          <a:off x="2589414" y="1469952"/>
+          <a:ext cx="725205" cy="54492"/>
+        </a:xfrm>
+        <a:custGeom>
+          <a:avLst/>
+          <a:gdLst/>
+          <a:ahLst/>
+          <a:cxnLst/>
+          <a:rect l="0" t="0" r="0" b="0"/>
+          <a:pathLst>
+            <a:path>
+              <a:moveTo>
+                <a:pt x="0" y="27246"/>
+              </a:moveTo>
+              <a:lnTo>
+                <a:pt x="725205" y="27246"/>
+              </a:lnTo>
+            </a:path>
+          </a:pathLst>
+        </a:custGeom>
+        <a:noFill/>
+        <a:ln w="12700" cap="flat" cmpd="sng" algn="ctr">
+          <a:solidFill>
+            <a:schemeClr val="accent1">
+              <a:shade val="60000"/>
+              <a:hueOff val="0"/>
+              <a:satOff val="0"/>
+              <a:lumOff val="0"/>
+              <a:alphaOff val="0"/>
+            </a:schemeClr>
+          </a:solidFill>
+          <a:prstDash val="solid"/>
+          <a:miter lim="800000"/>
+        </a:ln>
+        <a:effectLst/>
+      </dsp:spPr>
+      <dsp:style>
+        <a:lnRef idx="2">
+          <a:scrgbClr r="0" g="0" b="0"/>
+        </a:lnRef>
+        <a:fillRef idx="0">
+          <a:scrgbClr r="0" g="0" b="0"/>
+        </a:fillRef>
+        <a:effectRef idx="0">
+          <a:scrgbClr r="0" g="0" b="0"/>
+        </a:effectRef>
+        <a:fontRef idx="minor"/>
+      </dsp:style>
+      <dsp:txBody>
+        <a:bodyPr spcFirstLastPara="0" vert="horz" wrap="square" lIns="12700" tIns="0" rIns="12700" bIns="0" numCol="1" spcCol="1270" anchor="ctr" anchorCtr="0">
+          <a:noAutofit/>
+        </a:bodyPr>
+        <a:lstStyle/>
+        <a:p>
+          <a:pPr lvl="0" algn="ctr" defTabSz="222250">
+            <a:lnSpc>
+              <a:spcPct val="90000"/>
+            </a:lnSpc>
+            <a:spcBef>
+              <a:spcPct val="0"/>
+            </a:spcBef>
+            <a:spcAft>
+              <a:spcPct val="35000"/>
+            </a:spcAft>
+          </a:pPr>
+          <a:endParaRPr lang="en-US" sz="500" kern="1200"/>
+        </a:p>
+      </dsp:txBody>
+      <dsp:txXfrm>
+        <a:off x="2933887" y="1479068"/>
+        <a:ext cx="36260" cy="36260"/>
+      </dsp:txXfrm>
+    </dsp:sp>
+    <dsp:sp modelId="{87196664-2939-4ECD-83CD-B3BD7708BF6C}">
+      <dsp:nvSpPr>
+        <dsp:cNvPr id="0" name=""/>
+        <dsp:cNvSpPr/>
+      </dsp:nvSpPr>
+      <dsp:spPr>
+        <a:xfrm>
+          <a:off x="3314620" y="1043945"/>
+          <a:ext cx="1813013" cy="906506"/>
+        </a:xfrm>
+        <a:prstGeom prst="roundRect">
+          <a:avLst>
+            <a:gd name="adj" fmla="val 10000"/>
+          </a:avLst>
+        </a:prstGeom>
+        <a:solidFill>
+          <a:schemeClr val="accent6">
+            <a:lumMod val="50000"/>
+          </a:schemeClr>
+        </a:solidFill>
+        <a:ln w="12700" cap="flat" cmpd="sng" algn="ctr">
+          <a:solidFill>
+            <a:schemeClr val="lt1">
+              <a:hueOff val="0"/>
+              <a:satOff val="0"/>
+              <a:lumOff val="0"/>
+              <a:alphaOff val="0"/>
+            </a:schemeClr>
+          </a:solidFill>
+          <a:prstDash val="solid"/>
+          <a:miter lim="800000"/>
+        </a:ln>
+        <a:effectLst/>
+      </dsp:spPr>
+      <dsp:style>
+        <a:lnRef idx="2">
+          <a:scrgbClr r="0" g="0" b="0"/>
+        </a:lnRef>
+        <a:fillRef idx="1">
+          <a:scrgbClr r="0" g="0" b="0"/>
+        </a:fillRef>
+        <a:effectRef idx="0">
+          <a:scrgbClr r="0" g="0" b="0"/>
+        </a:effectRef>
+        <a:fontRef idx="minor">
+          <a:schemeClr val="lt1"/>
+        </a:fontRef>
+      </dsp:style>
+      <dsp:txBody>
+        <a:bodyPr spcFirstLastPara="0" vert="horz" wrap="square" lIns="12700" tIns="12700" rIns="12700" bIns="12700" numCol="1" spcCol="1270" anchor="ctr" anchorCtr="0">
+          <a:noAutofit/>
+        </a:bodyPr>
+        <a:lstStyle/>
+        <a:p>
+          <a:pPr lvl="0" algn="ctr" defTabSz="889000">
+            <a:lnSpc>
+              <a:spcPct val="90000"/>
+            </a:lnSpc>
+            <a:spcBef>
+              <a:spcPct val="0"/>
+            </a:spcBef>
+            <a:spcAft>
+              <a:spcPct val="35000"/>
+            </a:spcAft>
+          </a:pPr>
+          <a:r>
+            <a:rPr lang="en-US" sz="2000" kern="1200" dirty="0" smtClean="0"/>
+            <a:t>Thin Client Architecture</a:t>
+          </a:r>
+          <a:endParaRPr lang="en-US" sz="2000" kern="1200" dirty="0"/>
+        </a:p>
+      </dsp:txBody>
+      <dsp:txXfrm>
+        <a:off x="3341171" y="1070496"/>
+        <a:ext cx="1759911" cy="853404"/>
+      </dsp:txXfrm>
+    </dsp:sp>
+    <dsp:sp modelId="{263E1DEE-3447-46F9-BB35-F4C9E0350603}">
+      <dsp:nvSpPr>
+        <dsp:cNvPr id="0" name=""/>
+        <dsp:cNvSpPr/>
+      </dsp:nvSpPr>
+      <dsp:spPr>
+        <a:xfrm rot="3310531">
+          <a:off x="2317058" y="1991193"/>
+          <a:ext cx="1269918" cy="54492"/>
+        </a:xfrm>
+        <a:custGeom>
+          <a:avLst/>
+          <a:gdLst/>
+          <a:ahLst/>
+          <a:cxnLst/>
+          <a:rect l="0" t="0" r="0" b="0"/>
+          <a:pathLst>
+            <a:path>
+              <a:moveTo>
+                <a:pt x="0" y="27246"/>
+              </a:moveTo>
+              <a:lnTo>
+                <a:pt x="1269918" y="27246"/>
+              </a:lnTo>
+            </a:path>
+          </a:pathLst>
+        </a:custGeom>
+        <a:noFill/>
+        <a:ln w="12700" cap="flat" cmpd="sng" algn="ctr">
+          <a:solidFill>
+            <a:schemeClr val="accent1">
+              <a:shade val="60000"/>
+              <a:hueOff val="0"/>
+              <a:satOff val="0"/>
+              <a:lumOff val="0"/>
+              <a:alphaOff val="0"/>
+            </a:schemeClr>
+          </a:solidFill>
+          <a:prstDash val="solid"/>
+          <a:miter lim="800000"/>
+        </a:ln>
+        <a:effectLst/>
+      </dsp:spPr>
+      <dsp:style>
+        <a:lnRef idx="2">
+          <a:scrgbClr r="0" g="0" b="0"/>
+        </a:lnRef>
+        <a:fillRef idx="0">
+          <a:scrgbClr r="0" g="0" b="0"/>
+        </a:fillRef>
+        <a:effectRef idx="0">
+          <a:scrgbClr r="0" g="0" b="0"/>
+        </a:effectRef>
+        <a:fontRef idx="minor"/>
+      </dsp:style>
+      <dsp:txBody>
+        <a:bodyPr spcFirstLastPara="0" vert="horz" wrap="square" lIns="12700" tIns="0" rIns="12700" bIns="0" numCol="1" spcCol="1270" anchor="ctr" anchorCtr="0">
+          <a:noAutofit/>
+        </a:bodyPr>
+        <a:lstStyle/>
+        <a:p>
+          <a:pPr lvl="0" algn="ctr" defTabSz="222250">
+            <a:lnSpc>
+              <a:spcPct val="90000"/>
+            </a:lnSpc>
+            <a:spcBef>
+              <a:spcPct val="0"/>
+            </a:spcBef>
+            <a:spcAft>
+              <a:spcPct val="35000"/>
+            </a:spcAft>
+          </a:pPr>
+          <a:endParaRPr lang="en-US" sz="500" kern="1200"/>
+        </a:p>
+      </dsp:txBody>
+      <dsp:txXfrm>
+        <a:off x="2920269" y="1986692"/>
+        <a:ext cx="63495" cy="63495"/>
+      </dsp:txXfrm>
+    </dsp:sp>
+    <dsp:sp modelId="{DC4B552B-2A28-4E10-A7E6-574A5DD05AA7}">
+      <dsp:nvSpPr>
+        <dsp:cNvPr id="0" name=""/>
+        <dsp:cNvSpPr/>
+      </dsp:nvSpPr>
+      <dsp:spPr>
+        <a:xfrm>
+          <a:off x="3314620" y="2086427"/>
+          <a:ext cx="1813013" cy="906506"/>
+        </a:xfrm>
+        <a:prstGeom prst="roundRect">
+          <a:avLst>
+            <a:gd name="adj" fmla="val 10000"/>
+          </a:avLst>
+        </a:prstGeom>
+        <a:solidFill>
+          <a:schemeClr val="accent1">
             <a:hueOff val="0"/>
             <a:satOff val="0"/>
             <a:lumOff val="0"/>
@@ -2973,12 +3409,12 @@
         </a:fontRef>
       </dsp:style>
       <dsp:txBody>
-        <a:bodyPr spcFirstLastPara="0" vert="horz" wrap="square" lIns="13970" tIns="13970" rIns="13970" bIns="13970" numCol="1" spcCol="1270" anchor="ctr" anchorCtr="0">
+        <a:bodyPr spcFirstLastPara="0" vert="horz" wrap="square" lIns="12700" tIns="12700" rIns="12700" bIns="12700" numCol="1" spcCol="1270" anchor="ctr" anchorCtr="0">
           <a:noAutofit/>
         </a:bodyPr>
         <a:lstStyle/>
         <a:p>
-          <a:pPr lvl="0" algn="ctr" defTabSz="488950">
+          <a:pPr lvl="0" algn="ctr" defTabSz="889000">
             <a:lnSpc>
               <a:spcPct val="90000"/>
             </a:lnSpc>
@@ -2990,667 +3426,15 @@
             </a:spcAft>
           </a:pPr>
           <a:r>
-            <a:rPr lang="en-US" sz="1100" kern="1200" dirty="0" smtClean="0"/>
-            <a:t>Performance Tuning &amp; Optimization</a:t>
+            <a:rPr lang="en-US" sz="2000" kern="1200" dirty="0" smtClean="0"/>
+            <a:t>Rich Internet Architecture</a:t>
           </a:r>
-          <a:endParaRPr lang="en-US" sz="1100" kern="1200" dirty="0"/>
+          <a:endParaRPr lang="en-US" sz="2000" kern="1200" dirty="0"/>
         </a:p>
       </dsp:txBody>
       <dsp:txXfrm>
-        <a:off x="4198132" y="197600"/>
-        <a:ext cx="948580" cy="948580"/>
-      </dsp:txXfrm>
-    </dsp:sp>
-    <dsp:sp modelId="{830C98CC-58C4-418B-9916-182597BA2A66}">
-      <dsp:nvSpPr>
-        <dsp:cNvPr id="0" name=""/>
-        <dsp:cNvSpPr/>
-      </dsp:nvSpPr>
-      <dsp:spPr>
-        <a:xfrm rot="2160000">
-          <a:off x="5300562" y="1031112"/>
-          <a:ext cx="355736" cy="452755"/>
-        </a:xfrm>
-        <a:prstGeom prst="rightArrow">
-          <a:avLst>
-            <a:gd name="adj1" fmla="val 60000"/>
-            <a:gd name="adj2" fmla="val 50000"/>
-          </a:avLst>
-        </a:prstGeom>
-        <a:solidFill>
-          <a:schemeClr val="accent3">
-            <a:hueOff val="0"/>
-            <a:satOff val="0"/>
-            <a:lumOff val="0"/>
-            <a:alphaOff val="0"/>
-          </a:schemeClr>
-        </a:solidFill>
-        <a:ln>
-          <a:noFill/>
-        </a:ln>
-        <a:effectLst/>
-      </dsp:spPr>
-      <dsp:style>
-        <a:lnRef idx="0">
-          <a:scrgbClr r="0" g="0" b="0"/>
-        </a:lnRef>
-        <a:fillRef idx="1">
-          <a:scrgbClr r="0" g="0" b="0"/>
-        </a:fillRef>
-        <a:effectRef idx="0">
-          <a:scrgbClr r="0" g="0" b="0"/>
-        </a:effectRef>
-        <a:fontRef idx="minor">
-          <a:schemeClr val="lt1"/>
-        </a:fontRef>
-      </dsp:style>
-      <dsp:txBody>
-        <a:bodyPr spcFirstLastPara="0" vert="horz" wrap="square" lIns="0" tIns="0" rIns="0" bIns="0" numCol="1" spcCol="1270" anchor="ctr" anchorCtr="0">
-          <a:noAutofit/>
-        </a:bodyPr>
-        <a:lstStyle/>
-        <a:p>
-          <a:pPr lvl="0" algn="ctr" defTabSz="400050">
-            <a:lnSpc>
-              <a:spcPct val="90000"/>
-            </a:lnSpc>
-            <a:spcBef>
-              <a:spcPct val="0"/>
-            </a:spcBef>
-            <a:spcAft>
-              <a:spcPct val="35000"/>
-            </a:spcAft>
-          </a:pPr>
-          <a:endParaRPr lang="en-US" sz="900" kern="1200"/>
-        </a:p>
-      </dsp:txBody>
-      <dsp:txXfrm>
-        <a:off x="5310753" y="1090298"/>
-        <a:ext cx="249015" cy="271653"/>
-      </dsp:txXfrm>
-    </dsp:sp>
-    <dsp:sp modelId="{B63C28EA-D36D-4E65-A3C1-FDAE639B0308}">
-      <dsp:nvSpPr>
-        <dsp:cNvPr id="0" name=""/>
-        <dsp:cNvSpPr/>
-      </dsp:nvSpPr>
-      <dsp:spPr>
-        <a:xfrm>
-          <a:off x="5629981" y="1184176"/>
-          <a:ext cx="1341496" cy="1341496"/>
-        </a:xfrm>
-        <a:prstGeom prst="ellipse">
-          <a:avLst/>
-        </a:prstGeom>
-        <a:solidFill>
-          <a:schemeClr val="accent3">
-            <a:hueOff val="1096016"/>
-            <a:satOff val="7051"/>
-            <a:lumOff val="11372"/>
-            <a:alphaOff val="0"/>
-          </a:schemeClr>
-        </a:solidFill>
-        <a:ln w="12700" cap="flat" cmpd="sng" algn="ctr">
-          <a:solidFill>
-            <a:schemeClr val="lt1">
-              <a:hueOff val="0"/>
-              <a:satOff val="0"/>
-              <a:lumOff val="0"/>
-              <a:alphaOff val="0"/>
-            </a:schemeClr>
-          </a:solidFill>
-          <a:prstDash val="solid"/>
-          <a:miter lim="800000"/>
-        </a:ln>
-        <a:effectLst/>
-      </dsp:spPr>
-      <dsp:style>
-        <a:lnRef idx="2">
-          <a:scrgbClr r="0" g="0" b="0"/>
-        </a:lnRef>
-        <a:fillRef idx="1">
-          <a:scrgbClr r="0" g="0" b="0"/>
-        </a:fillRef>
-        <a:effectRef idx="0">
-          <a:scrgbClr r="0" g="0" b="0"/>
-        </a:effectRef>
-        <a:fontRef idx="minor">
-          <a:schemeClr val="lt1"/>
-        </a:fontRef>
-      </dsp:style>
-      <dsp:txBody>
-        <a:bodyPr spcFirstLastPara="0" vert="horz" wrap="square" lIns="13970" tIns="13970" rIns="13970" bIns="13970" numCol="1" spcCol="1270" anchor="ctr" anchorCtr="0">
-          <a:noAutofit/>
-        </a:bodyPr>
-        <a:lstStyle/>
-        <a:p>
-          <a:pPr lvl="0" algn="ctr" defTabSz="488950">
-            <a:lnSpc>
-              <a:spcPct val="90000"/>
-            </a:lnSpc>
-            <a:spcBef>
-              <a:spcPct val="0"/>
-            </a:spcBef>
-            <a:spcAft>
-              <a:spcPct val="35000"/>
-            </a:spcAft>
-          </a:pPr>
-          <a:r>
-            <a:rPr lang="en-US" sz="1100" kern="1200" dirty="0" smtClean="0"/>
-            <a:t>Maintenance</a:t>
-          </a:r>
-          <a:endParaRPr lang="en-US" sz="1100" kern="1200" dirty="0"/>
-        </a:p>
-      </dsp:txBody>
-      <dsp:txXfrm>
-        <a:off x="5826439" y="1380634"/>
-        <a:ext cx="948580" cy="948580"/>
-      </dsp:txXfrm>
-    </dsp:sp>
-    <dsp:sp modelId="{4A6C48B4-82E7-43FC-AF56-8CC31DF59FA2}">
-      <dsp:nvSpPr>
-        <dsp:cNvPr id="0" name=""/>
-        <dsp:cNvSpPr/>
-      </dsp:nvSpPr>
-      <dsp:spPr>
-        <a:xfrm rot="6480000">
-          <a:off x="5814993" y="2576066"/>
-          <a:ext cx="355736" cy="452755"/>
-        </a:xfrm>
-        <a:prstGeom prst="rightArrow">
-          <a:avLst>
-            <a:gd name="adj1" fmla="val 60000"/>
-            <a:gd name="adj2" fmla="val 50000"/>
-          </a:avLst>
-        </a:prstGeom>
-        <a:solidFill>
-          <a:schemeClr val="accent3">
-            <a:hueOff val="1096016"/>
-            <a:satOff val="7051"/>
-            <a:lumOff val="11372"/>
-            <a:alphaOff val="0"/>
-          </a:schemeClr>
-        </a:solidFill>
-        <a:ln>
-          <a:noFill/>
-        </a:ln>
-        <a:effectLst/>
-      </dsp:spPr>
-      <dsp:style>
-        <a:lnRef idx="0">
-          <a:scrgbClr r="0" g="0" b="0"/>
-        </a:lnRef>
-        <a:fillRef idx="1">
-          <a:scrgbClr r="0" g="0" b="0"/>
-        </a:fillRef>
-        <a:effectRef idx="0">
-          <a:scrgbClr r="0" g="0" b="0"/>
-        </a:effectRef>
-        <a:fontRef idx="minor">
-          <a:schemeClr val="lt1"/>
-        </a:fontRef>
-      </dsp:style>
-      <dsp:txBody>
-        <a:bodyPr spcFirstLastPara="0" vert="horz" wrap="square" lIns="0" tIns="0" rIns="0" bIns="0" numCol="1" spcCol="1270" anchor="ctr" anchorCtr="0">
-          <a:noAutofit/>
-        </a:bodyPr>
-        <a:lstStyle/>
-        <a:p>
-          <a:pPr lvl="0" algn="ctr" defTabSz="400050">
-            <a:lnSpc>
-              <a:spcPct val="90000"/>
-            </a:lnSpc>
-            <a:spcBef>
-              <a:spcPct val="0"/>
-            </a:spcBef>
-            <a:spcAft>
-              <a:spcPct val="35000"/>
-            </a:spcAft>
-          </a:pPr>
-          <a:endParaRPr lang="en-US" sz="900" kern="1200"/>
-        </a:p>
-      </dsp:txBody>
-      <dsp:txXfrm rot="10800000">
-        <a:off x="5884843" y="2615868"/>
-        <a:ext cx="249015" cy="271653"/>
-      </dsp:txXfrm>
-    </dsp:sp>
-    <dsp:sp modelId="{20B48DBA-8848-4155-81A2-296CBEAF8CA8}">
-      <dsp:nvSpPr>
-        <dsp:cNvPr id="0" name=""/>
-        <dsp:cNvSpPr/>
-      </dsp:nvSpPr>
-      <dsp:spPr>
-        <a:xfrm>
-          <a:off x="5008023" y="3098365"/>
-          <a:ext cx="1341496" cy="1341496"/>
-        </a:xfrm>
-        <a:prstGeom prst="ellipse">
-          <a:avLst/>
-        </a:prstGeom>
-        <a:solidFill>
-          <a:schemeClr val="accent3">
-            <a:hueOff val="2192032"/>
-            <a:satOff val="14103"/>
-            <a:lumOff val="22744"/>
-            <a:alphaOff val="0"/>
-          </a:schemeClr>
-        </a:solidFill>
-        <a:ln w="12700" cap="flat" cmpd="sng" algn="ctr">
-          <a:solidFill>
-            <a:schemeClr val="lt1">
-              <a:hueOff val="0"/>
-              <a:satOff val="0"/>
-              <a:lumOff val="0"/>
-              <a:alphaOff val="0"/>
-            </a:schemeClr>
-          </a:solidFill>
-          <a:prstDash val="solid"/>
-          <a:miter lim="800000"/>
-        </a:ln>
-        <a:effectLst/>
-      </dsp:spPr>
-      <dsp:style>
-        <a:lnRef idx="2">
-          <a:scrgbClr r="0" g="0" b="0"/>
-        </a:lnRef>
-        <a:fillRef idx="1">
-          <a:scrgbClr r="0" g="0" b="0"/>
-        </a:fillRef>
-        <a:effectRef idx="0">
-          <a:scrgbClr r="0" g="0" b="0"/>
-        </a:effectRef>
-        <a:fontRef idx="minor">
-          <a:schemeClr val="lt1"/>
-        </a:fontRef>
-      </dsp:style>
-      <dsp:txBody>
-        <a:bodyPr spcFirstLastPara="0" vert="horz" wrap="square" lIns="13970" tIns="13970" rIns="13970" bIns="13970" numCol="1" spcCol="1270" anchor="ctr" anchorCtr="0">
-          <a:noAutofit/>
-        </a:bodyPr>
-        <a:lstStyle/>
-        <a:p>
-          <a:pPr lvl="0" algn="ctr" defTabSz="488950">
-            <a:lnSpc>
-              <a:spcPct val="90000"/>
-            </a:lnSpc>
-            <a:spcBef>
-              <a:spcPct val="0"/>
-            </a:spcBef>
-            <a:spcAft>
-              <a:spcPct val="35000"/>
-            </a:spcAft>
-          </a:pPr>
-          <a:r>
-            <a:rPr lang="en-US" sz="1100" kern="1200" dirty="0" smtClean="0"/>
-            <a:t>Crash Recovery</a:t>
-          </a:r>
-          <a:endParaRPr lang="en-US" sz="1100" kern="1200" dirty="0"/>
-        </a:p>
-      </dsp:txBody>
-      <dsp:txXfrm>
-        <a:off x="5204481" y="3294823"/>
-        <a:ext cx="948580" cy="948580"/>
-      </dsp:txXfrm>
-    </dsp:sp>
-    <dsp:sp modelId="{F7D4DAC5-233C-4C57-B019-4D262C98CC03}">
-      <dsp:nvSpPr>
-        <dsp:cNvPr id="0" name=""/>
-        <dsp:cNvSpPr/>
-      </dsp:nvSpPr>
-      <dsp:spPr>
-        <a:xfrm rot="10800000">
-          <a:off x="4504622" y="3542735"/>
-          <a:ext cx="355736" cy="452755"/>
-        </a:xfrm>
-        <a:prstGeom prst="rightArrow">
-          <a:avLst>
-            <a:gd name="adj1" fmla="val 60000"/>
-            <a:gd name="adj2" fmla="val 50000"/>
-          </a:avLst>
-        </a:prstGeom>
-        <a:solidFill>
-          <a:schemeClr val="accent3">
-            <a:hueOff val="2192032"/>
-            <a:satOff val="14103"/>
-            <a:lumOff val="22744"/>
-            <a:alphaOff val="0"/>
-          </a:schemeClr>
-        </a:solidFill>
-        <a:ln>
-          <a:noFill/>
-        </a:ln>
-        <a:effectLst/>
-      </dsp:spPr>
-      <dsp:style>
-        <a:lnRef idx="0">
-          <a:scrgbClr r="0" g="0" b="0"/>
-        </a:lnRef>
-        <a:fillRef idx="1">
-          <a:scrgbClr r="0" g="0" b="0"/>
-        </a:fillRef>
-        <a:effectRef idx="0">
-          <a:scrgbClr r="0" g="0" b="0"/>
-        </a:effectRef>
-        <a:fontRef idx="minor">
-          <a:schemeClr val="lt1"/>
-        </a:fontRef>
-      </dsp:style>
-      <dsp:txBody>
-        <a:bodyPr spcFirstLastPara="0" vert="horz" wrap="square" lIns="0" tIns="0" rIns="0" bIns="0" numCol="1" spcCol="1270" anchor="ctr" anchorCtr="0">
-          <a:noAutofit/>
-        </a:bodyPr>
-        <a:lstStyle/>
-        <a:p>
-          <a:pPr lvl="0" algn="ctr" defTabSz="400050">
-            <a:lnSpc>
-              <a:spcPct val="90000"/>
-            </a:lnSpc>
-            <a:spcBef>
-              <a:spcPct val="0"/>
-            </a:spcBef>
-            <a:spcAft>
-              <a:spcPct val="35000"/>
-            </a:spcAft>
-          </a:pPr>
-          <a:endParaRPr lang="en-US" sz="900" kern="1200"/>
-        </a:p>
-      </dsp:txBody>
-      <dsp:txXfrm rot="10800000">
-        <a:off x="4611343" y="3633286"/>
-        <a:ext cx="249015" cy="271653"/>
-      </dsp:txXfrm>
-    </dsp:sp>
-    <dsp:sp modelId="{5CF3C742-B90B-46E8-9876-E221BFD79FEE}">
-      <dsp:nvSpPr>
-        <dsp:cNvPr id="0" name=""/>
-        <dsp:cNvSpPr/>
-      </dsp:nvSpPr>
-      <dsp:spPr>
-        <a:xfrm>
-          <a:off x="2995326" y="3098365"/>
-          <a:ext cx="1341496" cy="1341496"/>
-        </a:xfrm>
-        <a:prstGeom prst="ellipse">
-          <a:avLst/>
-        </a:prstGeom>
-        <a:solidFill>
-          <a:schemeClr val="accent3">
-            <a:hueOff val="3288049"/>
-            <a:satOff val="21154"/>
-            <a:lumOff val="34115"/>
-            <a:alphaOff val="0"/>
-          </a:schemeClr>
-        </a:solidFill>
-        <a:ln w="12700" cap="flat" cmpd="sng" algn="ctr">
-          <a:solidFill>
-            <a:schemeClr val="lt1">
-              <a:hueOff val="0"/>
-              <a:satOff val="0"/>
-              <a:lumOff val="0"/>
-              <a:alphaOff val="0"/>
-            </a:schemeClr>
-          </a:solidFill>
-          <a:prstDash val="solid"/>
-          <a:miter lim="800000"/>
-        </a:ln>
-        <a:effectLst/>
-      </dsp:spPr>
-      <dsp:style>
-        <a:lnRef idx="2">
-          <a:scrgbClr r="0" g="0" b="0"/>
-        </a:lnRef>
-        <a:fillRef idx="1">
-          <a:scrgbClr r="0" g="0" b="0"/>
-        </a:fillRef>
-        <a:effectRef idx="0">
-          <a:scrgbClr r="0" g="0" b="0"/>
-        </a:effectRef>
-        <a:fontRef idx="minor">
-          <a:schemeClr val="lt1"/>
-        </a:fontRef>
-      </dsp:style>
-      <dsp:txBody>
-        <a:bodyPr spcFirstLastPara="0" vert="horz" wrap="square" lIns="13970" tIns="13970" rIns="13970" bIns="13970" numCol="1" spcCol="1270" anchor="ctr" anchorCtr="0">
-          <a:noAutofit/>
-        </a:bodyPr>
-        <a:lstStyle/>
-        <a:p>
-          <a:pPr lvl="0" algn="ctr" defTabSz="488950">
-            <a:lnSpc>
-              <a:spcPct val="90000"/>
-            </a:lnSpc>
-            <a:spcBef>
-              <a:spcPct val="0"/>
-            </a:spcBef>
-            <a:spcAft>
-              <a:spcPct val="35000"/>
-            </a:spcAft>
-          </a:pPr>
-          <a:r>
-            <a:rPr lang="en-US" sz="1100" kern="1200" dirty="0" smtClean="0"/>
-            <a:t>Migration</a:t>
-          </a:r>
-          <a:endParaRPr lang="en-US" sz="1100" kern="1200" dirty="0"/>
-        </a:p>
-      </dsp:txBody>
-      <dsp:txXfrm>
-        <a:off x="3191784" y="3294823"/>
-        <a:ext cx="948580" cy="948580"/>
-      </dsp:txXfrm>
-    </dsp:sp>
-    <dsp:sp modelId="{B2352221-8A92-4282-B34D-D158EF06DC62}">
-      <dsp:nvSpPr>
-        <dsp:cNvPr id="0" name=""/>
-        <dsp:cNvSpPr/>
-      </dsp:nvSpPr>
-      <dsp:spPr>
-        <a:xfrm rot="15120000">
-          <a:off x="3180338" y="2595216"/>
-          <a:ext cx="355736" cy="452755"/>
-        </a:xfrm>
-        <a:prstGeom prst="rightArrow">
-          <a:avLst>
-            <a:gd name="adj1" fmla="val 60000"/>
-            <a:gd name="adj2" fmla="val 50000"/>
-          </a:avLst>
-        </a:prstGeom>
-        <a:solidFill>
-          <a:schemeClr val="accent3">
-            <a:hueOff val="3288049"/>
-            <a:satOff val="21154"/>
-            <a:lumOff val="34115"/>
-            <a:alphaOff val="0"/>
-          </a:schemeClr>
-        </a:solidFill>
-        <a:ln>
-          <a:noFill/>
-        </a:ln>
-        <a:effectLst/>
-      </dsp:spPr>
-      <dsp:style>
-        <a:lnRef idx="0">
-          <a:scrgbClr r="0" g="0" b="0"/>
-        </a:lnRef>
-        <a:fillRef idx="1">
-          <a:scrgbClr r="0" g="0" b="0"/>
-        </a:fillRef>
-        <a:effectRef idx="0">
-          <a:scrgbClr r="0" g="0" b="0"/>
-        </a:effectRef>
-        <a:fontRef idx="minor">
-          <a:schemeClr val="lt1"/>
-        </a:fontRef>
-      </dsp:style>
-      <dsp:txBody>
-        <a:bodyPr spcFirstLastPara="0" vert="horz" wrap="square" lIns="0" tIns="0" rIns="0" bIns="0" numCol="1" spcCol="1270" anchor="ctr" anchorCtr="0">
-          <a:noAutofit/>
-        </a:bodyPr>
-        <a:lstStyle/>
-        <a:p>
-          <a:pPr lvl="0" algn="ctr" defTabSz="400050">
-            <a:lnSpc>
-              <a:spcPct val="90000"/>
-            </a:lnSpc>
-            <a:spcBef>
-              <a:spcPct val="0"/>
-            </a:spcBef>
-            <a:spcAft>
-              <a:spcPct val="35000"/>
-            </a:spcAft>
-          </a:pPr>
-          <a:endParaRPr lang="en-US" sz="900" kern="1200"/>
-        </a:p>
-      </dsp:txBody>
-      <dsp:txXfrm rot="10800000">
-        <a:off x="3250188" y="2736516"/>
-        <a:ext cx="249015" cy="271653"/>
-      </dsp:txXfrm>
-    </dsp:sp>
-    <dsp:sp modelId="{67D59E31-D7C0-48F9-9470-EDCD9F2B480D}">
-      <dsp:nvSpPr>
-        <dsp:cNvPr id="0" name=""/>
-        <dsp:cNvSpPr/>
-      </dsp:nvSpPr>
-      <dsp:spPr>
-        <a:xfrm>
-          <a:off x="2373368" y="1184176"/>
-          <a:ext cx="1341496" cy="1341496"/>
-        </a:xfrm>
-        <a:prstGeom prst="ellipse">
-          <a:avLst/>
-        </a:prstGeom>
-        <a:solidFill>
-          <a:schemeClr val="accent3">
-            <a:hueOff val="4384065"/>
-            <a:satOff val="28205"/>
-            <a:lumOff val="45487"/>
-            <a:alphaOff val="0"/>
-          </a:schemeClr>
-        </a:solidFill>
-        <a:ln w="12700" cap="flat" cmpd="sng" algn="ctr">
-          <a:solidFill>
-            <a:schemeClr val="lt1">
-              <a:hueOff val="0"/>
-              <a:satOff val="0"/>
-              <a:lumOff val="0"/>
-              <a:alphaOff val="0"/>
-            </a:schemeClr>
-          </a:solidFill>
-          <a:prstDash val="solid"/>
-          <a:miter lim="800000"/>
-        </a:ln>
-        <a:effectLst/>
-      </dsp:spPr>
-      <dsp:style>
-        <a:lnRef idx="2">
-          <a:scrgbClr r="0" g="0" b="0"/>
-        </a:lnRef>
-        <a:fillRef idx="1">
-          <a:scrgbClr r="0" g="0" b="0"/>
-        </a:fillRef>
-        <a:effectRef idx="0">
-          <a:scrgbClr r="0" g="0" b="0"/>
-        </a:effectRef>
-        <a:fontRef idx="minor">
-          <a:schemeClr val="lt1"/>
-        </a:fontRef>
-      </dsp:style>
-      <dsp:txBody>
-        <a:bodyPr spcFirstLastPara="0" vert="horz" wrap="square" lIns="13970" tIns="13970" rIns="13970" bIns="13970" numCol="1" spcCol="1270" anchor="ctr" anchorCtr="0">
-          <a:noAutofit/>
-        </a:bodyPr>
-        <a:lstStyle/>
-        <a:p>
-          <a:pPr lvl="0" algn="ctr" defTabSz="488950">
-            <a:lnSpc>
-              <a:spcPct val="90000"/>
-            </a:lnSpc>
-            <a:spcBef>
-              <a:spcPct val="0"/>
-            </a:spcBef>
-            <a:spcAft>
-              <a:spcPct val="35000"/>
-            </a:spcAft>
-          </a:pPr>
-          <a:r>
-            <a:rPr lang="en-US" sz="1100" kern="1200" dirty="0" smtClean="0"/>
-            <a:t>Deployment</a:t>
-          </a:r>
-          <a:endParaRPr lang="en-US" sz="1100" kern="1200" dirty="0"/>
-        </a:p>
-      </dsp:txBody>
-      <dsp:txXfrm>
-        <a:off x="2569826" y="1380634"/>
-        <a:ext cx="948580" cy="948580"/>
-      </dsp:txXfrm>
-    </dsp:sp>
-    <dsp:sp modelId="{80056625-FF6A-4BCD-9A0D-AB32137BD8E1}">
-      <dsp:nvSpPr>
-        <dsp:cNvPr id="0" name=""/>
-        <dsp:cNvSpPr/>
-      </dsp:nvSpPr>
-      <dsp:spPr>
-        <a:xfrm rot="19440000">
-          <a:off x="3672256" y="1042947"/>
-          <a:ext cx="355736" cy="452755"/>
-        </a:xfrm>
-        <a:prstGeom prst="rightArrow">
-          <a:avLst>
-            <a:gd name="adj1" fmla="val 60000"/>
-            <a:gd name="adj2" fmla="val 50000"/>
-          </a:avLst>
-        </a:prstGeom>
-        <a:solidFill>
-          <a:schemeClr val="accent3">
-            <a:hueOff val="4384065"/>
-            <a:satOff val="28205"/>
-            <a:lumOff val="45487"/>
-            <a:alphaOff val="0"/>
-          </a:schemeClr>
-        </a:solidFill>
-        <a:ln>
-          <a:noFill/>
-        </a:ln>
-        <a:effectLst/>
-      </dsp:spPr>
-      <dsp:style>
-        <a:lnRef idx="0">
-          <a:scrgbClr r="0" g="0" b="0"/>
-        </a:lnRef>
-        <a:fillRef idx="1">
-          <a:scrgbClr r="0" g="0" b="0"/>
-        </a:fillRef>
-        <a:effectRef idx="0">
-          <a:scrgbClr r="0" g="0" b="0"/>
-        </a:effectRef>
-        <a:fontRef idx="minor">
-          <a:schemeClr val="lt1"/>
-        </a:fontRef>
-      </dsp:style>
-      <dsp:txBody>
-        <a:bodyPr spcFirstLastPara="0" vert="horz" wrap="square" lIns="0" tIns="0" rIns="0" bIns="0" numCol="1" spcCol="1270" anchor="ctr" anchorCtr="0">
-          <a:noAutofit/>
-        </a:bodyPr>
-        <a:lstStyle/>
-        <a:p>
-          <a:pPr lvl="0" algn="ctr" defTabSz="400050">
-            <a:lnSpc>
-              <a:spcPct val="90000"/>
-            </a:lnSpc>
-            <a:spcBef>
-              <a:spcPct val="0"/>
-            </a:spcBef>
-            <a:spcAft>
-              <a:spcPct val="35000"/>
-            </a:spcAft>
-          </a:pPr>
-          <a:endParaRPr lang="en-US" sz="900" kern="1200"/>
-        </a:p>
-      </dsp:txBody>
-      <dsp:txXfrm>
-        <a:off x="3682447" y="1164863"/>
-        <a:ext cx="249015" cy="271653"/>
+        <a:off x="3341171" y="2112978"/>
+        <a:ext cx="1759911" cy="853404"/>
       </dsp:txXfrm>
     </dsp:sp>
   </dsp:spTree>
@@ -3825,12 +3609,11 @@
 </file>
 
 <file path=ppt/diagrams/layout2.xml><?xml version="1.0" encoding="utf-8"?>
-<dgm:layoutDef xmlns:dgm="http://schemas.openxmlformats.org/drawingml/2006/diagram" xmlns:a="http://schemas.openxmlformats.org/drawingml/2006/main" uniqueId="urn:microsoft.com/office/officeart/2005/8/layout/cycle2">
+<dgm:layoutDef xmlns:dgm="http://schemas.openxmlformats.org/drawingml/2006/diagram" xmlns:a="http://schemas.openxmlformats.org/drawingml/2006/main" uniqueId="urn:microsoft.com/office/officeart/2005/8/layout/hierarchy2">
   <dgm:title val=""/>
   <dgm:desc val=""/>
   <dgm:catLst>
-    <dgm:cat type="cycle" pri="1000"/>
-    <dgm:cat type="convert" pri="10000"/>
+    <dgm:cat type="hierarchy" pri="5000"/>
   </dgm:catLst>
   <dgm:sampData>
     <dgm:dataModel>
@@ -3842,22 +3625,26 @@
         <dgm:pt modelId="2">
           <dgm:prSet phldr="1"/>
         </dgm:pt>
+        <dgm:pt modelId="21">
+          <dgm:prSet phldr="1"/>
+        </dgm:pt>
+        <dgm:pt modelId="22">
+          <dgm:prSet phldr="1"/>
+        </dgm:pt>
         <dgm:pt modelId="3">
           <dgm:prSet phldr="1"/>
         </dgm:pt>
-        <dgm:pt modelId="4">
-          <dgm:prSet phldr="1"/>
-        </dgm:pt>
-        <dgm:pt modelId="5">
+        <dgm:pt modelId="31">
           <dgm:prSet phldr="1"/>
         </dgm:pt>
       </dgm:ptLst>
       <dgm:cxnLst>
-        <dgm:cxn modelId="6" srcId="0" destId="1" srcOrd="0" destOrd="0"/>
-        <dgm:cxn modelId="7" srcId="0" destId="2" srcOrd="1" destOrd="0"/>
-        <dgm:cxn modelId="8" srcId="0" destId="3" srcOrd="2" destOrd="0"/>
-        <dgm:cxn modelId="9" srcId="0" destId="4" srcOrd="3" destOrd="0"/>
-        <dgm:cxn modelId="10" srcId="0" destId="5" srcOrd="4" destOrd="0"/>
+        <dgm:cxn modelId="4" srcId="0" destId="1" srcOrd="0" destOrd="0"/>
+        <dgm:cxn modelId="5" srcId="1" destId="2" srcOrd="0" destOrd="0"/>
+        <dgm:cxn modelId="6" srcId="1" destId="3" srcOrd="1" destOrd="0"/>
+        <dgm:cxn modelId="23" srcId="2" destId="21" srcOrd="0" destOrd="0"/>
+        <dgm:cxn modelId="24" srcId="2" destId="22" srcOrd="1" destOrd="0"/>
+        <dgm:cxn modelId="33" srcId="3" destId="31" srcOrd="0" destOrd="0"/>
       </dgm:cxnLst>
       <dgm:bg/>
       <dgm:whole/>
@@ -3868,13 +3655,13 @@
       <dgm:ptLst>
         <dgm:pt modelId="0" type="doc"/>
         <dgm:pt modelId="1"/>
-        <dgm:pt modelId="2"/>
-        <dgm:pt modelId="3"/>
+        <dgm:pt modelId="11"/>
+        <dgm:pt modelId="12"/>
       </dgm:ptLst>
       <dgm:cxnLst>
-        <dgm:cxn modelId="4" srcId="0" destId="1" srcOrd="0" destOrd="0"/>
-        <dgm:cxn modelId="5" srcId="0" destId="2" srcOrd="1" destOrd="0"/>
-        <dgm:cxn modelId="6" srcId="0" destId="3" srcOrd="2" destOrd="0"/>
+        <dgm:cxn modelId="2" srcId="0" destId="1" srcOrd="0" destOrd="0"/>
+        <dgm:cxn modelId="13" srcId="1" destId="11" srcOrd="0" destOrd="0"/>
+        <dgm:cxn modelId="14" srcId="1" destId="12" srcOrd="1" destOrd="0"/>
       </dgm:cxnLst>
       <dgm:bg/>
       <dgm:whole/>
@@ -3886,60 +3673,45 @@
         <dgm:pt modelId="0" type="doc"/>
         <dgm:pt modelId="1"/>
         <dgm:pt modelId="2"/>
+        <dgm:pt modelId="21"/>
+        <dgm:pt modelId="211"/>
         <dgm:pt modelId="3"/>
-        <dgm:pt modelId="4"/>
-        <dgm:pt modelId="5"/>
-        <dgm:pt modelId="6"/>
+        <dgm:pt modelId="31"/>
+        <dgm:pt modelId="311"/>
       </dgm:ptLst>
       <dgm:cxnLst>
-        <dgm:cxn modelId="7" srcId="0" destId="1" srcOrd="0" destOrd="0"/>
-        <dgm:cxn modelId="8" srcId="0" destId="2" srcOrd="1" destOrd="0"/>
-        <dgm:cxn modelId="9" srcId="0" destId="3" srcOrd="2" destOrd="0"/>
-        <dgm:cxn modelId="10" srcId="0" destId="4" srcOrd="3" destOrd="0"/>
-        <dgm:cxn modelId="11" srcId="0" destId="5" srcOrd="4" destOrd="0"/>
-        <dgm:cxn modelId="12" srcId="0" destId="6" srcOrd="5" destOrd="0"/>
+        <dgm:cxn modelId="4" srcId="0" destId="1" srcOrd="0" destOrd="0"/>
+        <dgm:cxn modelId="5" srcId="1" destId="2" srcOrd="0" destOrd="0"/>
+        <dgm:cxn modelId="6" srcId="1" destId="3" srcOrd="1" destOrd="0"/>
+        <dgm:cxn modelId="23" srcId="2" destId="21" srcOrd="0" destOrd="0"/>
+        <dgm:cxn modelId="24" srcId="21" destId="211" srcOrd="0" destOrd="0"/>
+        <dgm:cxn modelId="33" srcId="3" destId="31" srcOrd="0" destOrd="0"/>
+        <dgm:cxn modelId="34" srcId="31" destId="311" srcOrd="0" destOrd="0"/>
       </dgm:cxnLst>
       <dgm:bg/>
       <dgm:whole/>
     </dgm:dataModel>
   </dgm:clrData>
-  <dgm:layoutNode name="cycle">
+  <dgm:layoutNode name="diagram">
     <dgm:varLst>
+      <dgm:chPref val="1"/>
       <dgm:dir/>
+      <dgm:animOne val="branch"/>
+      <dgm:animLvl val="lvl"/>
       <dgm:resizeHandles val="exact"/>
     </dgm:varLst>
     <dgm:choose name="Name0">
       <dgm:if name="Name1" func="var" arg="dir" op="equ" val="norm">
-        <dgm:choose name="Name2">
-          <dgm:if name="Name3" axis="ch" ptType="node" func="cnt" op="gt" val="2">
-            <dgm:alg type="cycle">
-              <dgm:param type="stAng" val="0"/>
-              <dgm:param type="spanAng" val="360"/>
-            </dgm:alg>
-          </dgm:if>
-          <dgm:else name="Name4">
-            <dgm:alg type="cycle">
-              <dgm:param type="stAng" val="-90"/>
-              <dgm:param type="spanAng" val="360"/>
-            </dgm:alg>
-          </dgm:else>
-        </dgm:choose>
+        <dgm:alg type="hierChild">
+          <dgm:param type="linDir" val="fromT"/>
+          <dgm:param type="chAlign" val="l"/>
+        </dgm:alg>
       </dgm:if>
-      <dgm:else name="Name5">
-        <dgm:choose name="Name6">
-          <dgm:if name="Name7" axis="ch" ptType="node" func="cnt" op="gt" val="2">
-            <dgm:alg type="cycle">
-              <dgm:param type="stAng" val="0"/>
-              <dgm:param type="spanAng" val="-360"/>
-            </dgm:alg>
-          </dgm:if>
-          <dgm:else name="Name8">
-            <dgm:alg type="cycle">
-              <dgm:param type="stAng" val="90"/>
-              <dgm:param type="spanAng" val="-360"/>
-            </dgm:alg>
-          </dgm:else>
-        </dgm:choose>
+      <dgm:else name="Name2">
+        <dgm:alg type="hierChild">
+          <dgm:param type="linDir" val="fromT"/>
+          <dgm:param type="chAlign" val="r"/>
+        </dgm:alg>
       </dgm:else>
     </dgm:choose>
     <dgm:shape xmlns:r="http://schemas.openxmlformats.org/officeDocument/2006/relationships" r:blip="">
@@ -3947,89 +3719,210 @@
     </dgm:shape>
     <dgm:presOf/>
     <dgm:constrLst>
-      <dgm:constr type="w" for="ch" ptType="node" refType="w"/>
-      <dgm:constr type="w" for="ch" ptType="sibTrans" refType="w" refFor="ch" refPtType="node" op="equ" fact="0.25"/>
-      <dgm:constr type="sibSp" refType="w" refFor="ch" refPtType="node" fact="0.5"/>
-      <dgm:constr type="primFontSz" for="ch" ptType="node" op="equ" val="65"/>
-      <dgm:constr type="primFontSz" for="des" forName="connectorText" op="equ" val="55"/>
-      <dgm:constr type="primFontSz" for="des" forName="connectorText" refType="primFontSz" refFor="ch" refPtType="node" op="lte" fact="0.8"/>
+      <dgm:constr type="h" for="des" ptType="node" refType="h"/>
+      <dgm:constr type="w" for="des" ptType="node" refType="h" refFor="des" refPtType="node" fact="2"/>
+      <dgm:constr type="sibSp" refType="h" refFor="des" refPtType="node" op="equ" fact="0.15"/>
+      <dgm:constr type="sibSp" for="des" forName="level2hierChild" refType="h" refFor="des" refPtType="node" op="equ" fact="0.15"/>
+      <dgm:constr type="sibSp" for="des" forName="level3hierChild" refType="h" refFor="des" refPtType="node" op="equ" fact="0.15"/>
+      <dgm:constr type="sp" for="des" forName="root1" refType="w" refFor="des" refPtType="node" fact="0.4"/>
+      <dgm:constr type="sp" for="des" forName="root2" refType="sp" refFor="des" refForName="root1" op="equ"/>
+      <dgm:constr type="primFontSz" for="des" ptType="node" op="equ" val="65"/>
+      <dgm:constr type="primFontSz" for="des" forName="connTx" op="equ" val="55"/>
+      <dgm:constr type="primFontSz" for="des" forName="connTx" refType="primFontSz" refFor="des" refPtType="node" op="lte" fact="0.8"/>
     </dgm:constrLst>
     <dgm:ruleLst/>
-    <dgm:forEach name="nodesForEach" axis="ch" ptType="node">
-      <dgm:layoutNode name="node">
-        <dgm:varLst>
-          <dgm:bulletEnabled val="1"/>
-        </dgm:varLst>
-        <dgm:alg type="tx">
-          <dgm:param type="txAnchorVertCh" val="mid"/>
-        </dgm:alg>
-        <dgm:shape xmlns:r="http://schemas.openxmlformats.org/officeDocument/2006/relationships" type="ellipse" r:blip="">
-          <dgm:adjLst/>
-        </dgm:shape>
-        <dgm:presOf axis="desOrSelf" ptType="node"/>
-        <dgm:constrLst>
-          <dgm:constr type="h" refType="w"/>
-          <dgm:constr type="lMarg" refType="primFontSz" fact="0.1"/>
-          <dgm:constr type="rMarg" refType="primFontSz" fact="0.1"/>
-          <dgm:constr type="tMarg" refType="primFontSz" fact="0.1"/>
-          <dgm:constr type="bMarg" refType="primFontSz" fact="0.1"/>
-        </dgm:constrLst>
-        <dgm:ruleLst>
-          <dgm:rule type="primFontSz" val="5" fact="NaN" max="NaN"/>
-        </dgm:ruleLst>
-      </dgm:layoutNode>
-      <dgm:choose name="Name9">
-        <dgm:if name="Name10" axis="par ch" ptType="doc node" func="cnt" op="gt" val="1">
-          <dgm:forEach name="sibTransForEach" axis="followSib" ptType="sibTrans" hideLastTrans="0" cnt="1">
-            <dgm:layoutNode name="sibTrans">
-              <dgm:choose name="Name11">
-                <dgm:if name="Name12" axis="par ch" ptType="doc node" func="cnt" op="lt" val="3">
-                  <dgm:alg type="conn">
-                    <dgm:param type="begPts" val="radial"/>
-                    <dgm:param type="endPts" val="radial"/>
-                  </dgm:alg>
-                </dgm:if>
-                <dgm:else name="Name13">
-                  <dgm:alg type="conn">
-                    <dgm:param type="begPts" val="auto"/>
-                    <dgm:param type="endPts" val="auto"/>
-                  </dgm:alg>
-                </dgm:else>
-              </dgm:choose>
-              <dgm:shape xmlns:r="http://schemas.openxmlformats.org/officeDocument/2006/relationships" type="conn" r:blip="">
-                <dgm:adjLst/>
-              </dgm:shape>
-              <dgm:presOf axis="self"/>
-              <dgm:constrLst>
-                <dgm:constr type="h" refType="w" fact="1.35"/>
-                <dgm:constr type="connDist"/>
-                <dgm:constr type="w" for="ch" refType="connDist" fact="0.45"/>
-                <dgm:constr type="h" for="ch" refType="h"/>
-              </dgm:constrLst>
-              <dgm:ruleLst/>
-              <dgm:layoutNode name="connectorText">
-                <dgm:alg type="tx">
-                  <dgm:param type="autoTxRot" val="grav"/>
+    <dgm:forEach name="Name3" axis="ch">
+      <dgm:forEach name="Name4" axis="self" ptType="node">
+        <dgm:layoutNode name="root1">
+          <dgm:choose name="Name5">
+            <dgm:if name="Name6" func="var" arg="dir" op="equ" val="norm">
+              <dgm:alg type="hierRoot">
+                <dgm:param type="hierAlign" val="lCtrCh"/>
+              </dgm:alg>
+            </dgm:if>
+            <dgm:else name="Name7">
+              <dgm:alg type="hierRoot">
+                <dgm:param type="hierAlign" val="rCtrCh"/>
+              </dgm:alg>
+            </dgm:else>
+          </dgm:choose>
+          <dgm:shape xmlns:r="http://schemas.openxmlformats.org/officeDocument/2006/relationships" r:blip="">
+            <dgm:adjLst/>
+          </dgm:shape>
+          <dgm:presOf/>
+          <dgm:constrLst/>
+          <dgm:ruleLst/>
+          <dgm:layoutNode name="LevelOneTextNode" styleLbl="node0">
+            <dgm:varLst>
+              <dgm:chPref val="3"/>
+            </dgm:varLst>
+            <dgm:alg type="tx"/>
+            <dgm:shape xmlns:r="http://schemas.openxmlformats.org/officeDocument/2006/relationships" type="roundRect" r:blip="">
+              <dgm:adjLst>
+                <dgm:adj idx="1" val="0.1"/>
+              </dgm:adjLst>
+            </dgm:shape>
+            <dgm:presOf axis="self"/>
+            <dgm:constrLst>
+              <dgm:constr type="tMarg" refType="primFontSz" fact="0.05"/>
+              <dgm:constr type="bMarg" refType="primFontSz" fact="0.05"/>
+              <dgm:constr type="lMarg" refType="primFontSz" fact="0.05"/>
+              <dgm:constr type="rMarg" refType="primFontSz" fact="0.05"/>
+            </dgm:constrLst>
+            <dgm:ruleLst>
+              <dgm:rule type="primFontSz" val="5" fact="NaN" max="NaN"/>
+            </dgm:ruleLst>
+          </dgm:layoutNode>
+          <dgm:layoutNode name="level2hierChild">
+            <dgm:choose name="Name8">
+              <dgm:if name="Name9" func="var" arg="dir" op="equ" val="norm">
+                <dgm:alg type="hierChild">
+                  <dgm:param type="linDir" val="fromT"/>
+                  <dgm:param type="chAlign" val="l"/>
                 </dgm:alg>
-                <dgm:shape xmlns:r="http://schemas.openxmlformats.org/officeDocument/2006/relationships" type="conn" r:blip="" hideGeom="1">
-                  <dgm:adjLst/>
-                </dgm:shape>
-                <dgm:presOf axis="self"/>
-                <dgm:constrLst>
-                  <dgm:constr type="lMarg"/>
-                  <dgm:constr type="rMarg"/>
-                  <dgm:constr type="tMarg"/>
-                  <dgm:constr type="bMarg"/>
-                </dgm:constrLst>
-                <dgm:ruleLst>
-                  <dgm:rule type="primFontSz" val="5" fact="NaN" max="NaN"/>
-                </dgm:ruleLst>
-              </dgm:layoutNode>
-            </dgm:layoutNode>
-          </dgm:forEach>
-        </dgm:if>
-        <dgm:else name="Name14"/>
-      </dgm:choose>
+              </dgm:if>
+              <dgm:else name="Name10">
+                <dgm:alg type="hierChild">
+                  <dgm:param type="linDir" val="fromT"/>
+                  <dgm:param type="chAlign" val="r"/>
+                </dgm:alg>
+              </dgm:else>
+            </dgm:choose>
+            <dgm:shape xmlns:r="http://schemas.openxmlformats.org/officeDocument/2006/relationships" r:blip="">
+              <dgm:adjLst/>
+            </dgm:shape>
+            <dgm:presOf/>
+            <dgm:constrLst/>
+            <dgm:ruleLst/>
+            <dgm:forEach name="repeat" axis="ch">
+              <dgm:forEach name="Name11" axis="self" ptType="parTrans" cnt="1">
+                <dgm:layoutNode name="conn2-1">
+                  <dgm:choose name="Name12">
+                    <dgm:if name="Name13" func="var" arg="dir" op="equ" val="norm">
+                      <dgm:alg type="conn">
+                        <dgm:param type="dim" val="1D"/>
+                        <dgm:param type="begPts" val="midR"/>
+                        <dgm:param type="endPts" val="midL"/>
+                        <dgm:param type="endSty" val="noArr"/>
+                      </dgm:alg>
+                    </dgm:if>
+                    <dgm:else name="Name14">
+                      <dgm:alg type="conn">
+                        <dgm:param type="dim" val="1D"/>
+                        <dgm:param type="begPts" val="midL"/>
+                        <dgm:param type="endPts" val="midR"/>
+                        <dgm:param type="endSty" val="noArr"/>
+                      </dgm:alg>
+                    </dgm:else>
+                  </dgm:choose>
+                  <dgm:shape xmlns:r="http://schemas.openxmlformats.org/officeDocument/2006/relationships" type="conn" r:blip="">
+                    <dgm:adjLst/>
+                  </dgm:shape>
+                  <dgm:presOf axis="self"/>
+                  <dgm:constrLst>
+                    <dgm:constr type="w" val="1"/>
+                    <dgm:constr type="h" val="5"/>
+                    <dgm:constr type="connDist"/>
+                    <dgm:constr type="begPad"/>
+                    <dgm:constr type="endPad"/>
+                    <dgm:constr type="userA" for="ch" refType="connDist"/>
+                  </dgm:constrLst>
+                  <dgm:ruleLst/>
+                  <dgm:layoutNode name="connTx">
+                    <dgm:alg type="tx">
+                      <dgm:param type="autoTxRot" val="grav"/>
+                    </dgm:alg>
+                    <dgm:shape xmlns:r="http://schemas.openxmlformats.org/officeDocument/2006/relationships" type="rect" r:blip="" hideGeom="1">
+                      <dgm:adjLst/>
+                    </dgm:shape>
+                    <dgm:presOf axis="self"/>
+                    <dgm:constrLst>
+                      <dgm:constr type="userA"/>
+                      <dgm:constr type="w" refType="userA" fact="0.05"/>
+                      <dgm:constr type="h" refType="userA" fact="0.05"/>
+                      <dgm:constr type="lMarg" val="1"/>
+                      <dgm:constr type="rMarg" val="1"/>
+                      <dgm:constr type="tMarg"/>
+                      <dgm:constr type="bMarg"/>
+                    </dgm:constrLst>
+                    <dgm:ruleLst>
+                      <dgm:rule type="h" val="NaN" fact="0.25" max="NaN"/>
+                      <dgm:rule type="w" val="NaN" fact="0.8" max="NaN"/>
+                      <dgm:rule type="primFontSz" val="5" fact="NaN" max="NaN"/>
+                    </dgm:ruleLst>
+                  </dgm:layoutNode>
+                </dgm:layoutNode>
+              </dgm:forEach>
+              <dgm:forEach name="Name15" axis="self" ptType="node">
+                <dgm:layoutNode name="root2">
+                  <dgm:choose name="Name16">
+                    <dgm:if name="Name17" func="var" arg="dir" op="equ" val="norm">
+                      <dgm:alg type="hierRoot">
+                        <dgm:param type="hierAlign" val="lCtrCh"/>
+                      </dgm:alg>
+                    </dgm:if>
+                    <dgm:else name="Name18">
+                      <dgm:alg type="hierRoot">
+                        <dgm:param type="hierAlign" val="rCtrCh"/>
+                      </dgm:alg>
+                    </dgm:else>
+                  </dgm:choose>
+                  <dgm:shape xmlns:r="http://schemas.openxmlformats.org/officeDocument/2006/relationships" r:blip="">
+                    <dgm:adjLst/>
+                  </dgm:shape>
+                  <dgm:presOf/>
+                  <dgm:constrLst/>
+                  <dgm:ruleLst/>
+                  <dgm:layoutNode name="LevelTwoTextNode">
+                    <dgm:varLst>
+                      <dgm:chPref val="3"/>
+                    </dgm:varLst>
+                    <dgm:alg type="tx"/>
+                    <dgm:shape xmlns:r="http://schemas.openxmlformats.org/officeDocument/2006/relationships" type="roundRect" r:blip="">
+                      <dgm:adjLst>
+                        <dgm:adj idx="1" val="0.1"/>
+                      </dgm:adjLst>
+                    </dgm:shape>
+                    <dgm:presOf axis="self"/>
+                    <dgm:constrLst>
+                      <dgm:constr type="tMarg" refType="primFontSz" fact="0.05"/>
+                      <dgm:constr type="bMarg" refType="primFontSz" fact="0.05"/>
+                      <dgm:constr type="lMarg" refType="primFontSz" fact="0.05"/>
+                      <dgm:constr type="rMarg" refType="primFontSz" fact="0.05"/>
+                    </dgm:constrLst>
+                    <dgm:ruleLst>
+                      <dgm:rule type="primFontSz" val="5" fact="NaN" max="NaN"/>
+                    </dgm:ruleLst>
+                  </dgm:layoutNode>
+                  <dgm:layoutNode name="level3hierChild">
+                    <dgm:choose name="Name19">
+                      <dgm:if name="Name20" func="var" arg="dir" op="equ" val="norm">
+                        <dgm:alg type="hierChild">
+                          <dgm:param type="linDir" val="fromT"/>
+                          <dgm:param type="chAlign" val="l"/>
+                        </dgm:alg>
+                      </dgm:if>
+                      <dgm:else name="Name21">
+                        <dgm:alg type="hierChild">
+                          <dgm:param type="linDir" val="fromT"/>
+                          <dgm:param type="chAlign" val="r"/>
+                        </dgm:alg>
+                      </dgm:else>
+                    </dgm:choose>
+                    <dgm:shape xmlns:r="http://schemas.openxmlformats.org/officeDocument/2006/relationships" r:blip="">
+                      <dgm:adjLst/>
+                    </dgm:shape>
+                    <dgm:presOf/>
+                    <dgm:constrLst/>
+                    <dgm:ruleLst/>
+                    <dgm:forEach name="Name22" ref="repeat"/>
+                  </dgm:layoutNode>
+                </dgm:layoutNode>
+              </dgm:forEach>
+            </dgm:forEach>
+          </dgm:layoutNode>
+        </dgm:layoutNode>
+      </dgm:forEach>
     </dgm:forEach>
   </dgm:layoutNode>
 </dgm:layoutDef>
@@ -6130,7 +6023,7 @@
           <p:cNvPr id="2" name="Header Placeholder 1">
             <a:extLst>
               <a:ext uri="{FF2B5EF4-FFF2-40B4-BE49-F238E27FC236}">
-                <a16:creationId xmlns="" xmlns:a16="http://schemas.microsoft.com/office/drawing/2014/main" id="{ED8B6225-3E94-4525-8747-A8CEEE07C472}"/>
+                <a16:creationId xmlns:a16="http://schemas.microsoft.com/office/drawing/2014/main" xmlns="" id="{ED8B6225-3E94-4525-8747-A8CEEE07C472}"/>
               </a:ext>
             </a:extLst>
           </p:cNvPr>
@@ -6167,7 +6060,7 @@
           <p:cNvPr id="3" name="Date Placeholder 2">
             <a:extLst>
               <a:ext uri="{FF2B5EF4-FFF2-40B4-BE49-F238E27FC236}">
-                <a16:creationId xmlns="" xmlns:a16="http://schemas.microsoft.com/office/drawing/2014/main" id="{1EE33FD8-B984-44FE-83F0-5C989EE62491}"/>
+                <a16:creationId xmlns:a16="http://schemas.microsoft.com/office/drawing/2014/main" xmlns="" id="{1EE33FD8-B984-44FE-83F0-5C989EE62491}"/>
               </a:ext>
             </a:extLst>
           </p:cNvPr>
@@ -6198,7 +6091,7 @@
             <a:fld id="{86C988DC-9DE3-4390-97AB-D61B85DACE57}" type="datetimeFigureOut">
               <a:rPr lang="pt-PT" smtClean="0"/>
               <a:pPr/>
-              <a:t>07/04/2018</a:t>
+              <a:t>09/04/2018</a:t>
             </a:fld>
             <a:endParaRPr lang="pt-PT"/>
           </a:p>
@@ -6209,7 +6102,7 @@
           <p:cNvPr id="4" name="Footer Placeholder 3">
             <a:extLst>
               <a:ext uri="{FF2B5EF4-FFF2-40B4-BE49-F238E27FC236}">
-                <a16:creationId xmlns="" xmlns:a16="http://schemas.microsoft.com/office/drawing/2014/main" id="{88AD1E4F-EFF7-4551-A0B7-35D2A74F4F4D}"/>
+                <a16:creationId xmlns:a16="http://schemas.microsoft.com/office/drawing/2014/main" xmlns="" id="{88AD1E4F-EFF7-4551-A0B7-35D2A74F4F4D}"/>
               </a:ext>
             </a:extLst>
           </p:cNvPr>
@@ -6246,7 +6139,7 @@
           <p:cNvPr id="5" name="Slide Number Placeholder 4">
             <a:extLst>
               <a:ext uri="{FF2B5EF4-FFF2-40B4-BE49-F238E27FC236}">
-                <a16:creationId xmlns="" xmlns:a16="http://schemas.microsoft.com/office/drawing/2014/main" id="{5C3F35C8-35E9-48DD-971F-B2366CC5B7DE}"/>
+                <a16:creationId xmlns:a16="http://schemas.microsoft.com/office/drawing/2014/main" xmlns="" id="{5C3F35C8-35E9-48DD-971F-B2366CC5B7DE}"/>
               </a:ext>
             </a:extLst>
           </p:cNvPr>
@@ -6377,7 +6270,7 @@
             <a:fld id="{0835B8F7-DAC4-4931-8AED-4356A8B2FD64}" type="datetimeFigureOut">
               <a:rPr lang="pt-BR" smtClean="0"/>
               <a:pPr/>
-              <a:t>07/04/2018</a:t>
+              <a:t>09/04/2018</a:t>
             </a:fld>
             <a:endParaRPr lang="pt-BR"/>
           </a:p>
@@ -6799,7 +6692,7 @@
           <p:cNvPr id="6" name="Graphic 17">
             <a:extLst>
               <a:ext uri="{FF2B5EF4-FFF2-40B4-BE49-F238E27FC236}">
-                <a16:creationId xmlns="" xmlns:a16="http://schemas.microsoft.com/office/drawing/2014/main" id="{829BBBD1-ECF6-4131-A3B0-11EFC39DB482}"/>
+                <a16:creationId xmlns:a16="http://schemas.microsoft.com/office/drawing/2014/main" xmlns="" id="{829BBBD1-ECF6-4131-A3B0-11EFC39DB482}"/>
               </a:ext>
             </a:extLst>
           </p:cNvPr>
@@ -6812,7 +6705,7 @@
           <a:blip r:embed="rId2" cstate="print">
             <a:extLst>
               <a:ext uri="{96DAC541-7B7A-43D3-8B79-37D633B846F1}">
-                <asvg:svgBlip xmlns="" xmlns:asvg="http://schemas.microsoft.com/office/drawing/2016/SVG/main" r:embed="rId3"/>
+                <asvg:svgBlip xmlns:asvg="http://schemas.microsoft.com/office/drawing/2016/SVG/main" xmlns="" r:embed="rId3"/>
               </a:ext>
             </a:extLst>
           </a:blip>
@@ -6834,7 +6727,7 @@
           <p:cNvPr id="5" name="Graphic 9">
             <a:extLst>
               <a:ext uri="{FF2B5EF4-FFF2-40B4-BE49-F238E27FC236}">
-                <a16:creationId xmlns="" xmlns:a16="http://schemas.microsoft.com/office/drawing/2014/main" id="{C3D2EC56-D17C-4A75-8178-C69397BC7353}"/>
+                <a16:creationId xmlns:a16="http://schemas.microsoft.com/office/drawing/2014/main" xmlns="" id="{C3D2EC56-D17C-4A75-8178-C69397BC7353}"/>
               </a:ext>
             </a:extLst>
           </p:cNvPr>
@@ -6847,7 +6740,7 @@
           <a:blip r:embed="rId4" cstate="print">
             <a:extLst>
               <a:ext uri="{96DAC541-7B7A-43D3-8B79-37D633B846F1}">
-                <asvg:svgBlip xmlns="" xmlns:asvg="http://schemas.microsoft.com/office/drawing/2016/SVG/main" r:embed="rId5"/>
+                <asvg:svgBlip xmlns:asvg="http://schemas.microsoft.com/office/drawing/2016/SVG/main" xmlns="" r:embed="rId5"/>
               </a:ext>
             </a:extLst>
           </a:blip>
@@ -6870,7 +6763,7 @@
           <p:cNvPr id="14" name="Text Placeholder 13">
             <a:extLst>
               <a:ext uri="{FF2B5EF4-FFF2-40B4-BE49-F238E27FC236}">
-                <a16:creationId xmlns="" xmlns:a16="http://schemas.microsoft.com/office/drawing/2014/main" id="{4252348C-45B4-48E3-B74B-8E834575C8AA}"/>
+                <a16:creationId xmlns:a16="http://schemas.microsoft.com/office/drawing/2014/main" xmlns="" id="{4252348C-45B4-48E3-B74B-8E834575C8AA}"/>
               </a:ext>
             </a:extLst>
           </p:cNvPr>
@@ -6917,7 +6810,7 @@
           <p:cNvPr id="15" name="Text Placeholder 13">
             <a:extLst>
               <a:ext uri="{FF2B5EF4-FFF2-40B4-BE49-F238E27FC236}">
-                <a16:creationId xmlns="" xmlns:a16="http://schemas.microsoft.com/office/drawing/2014/main" id="{97620309-84FF-4D53-AD39-936B55216B4B}"/>
+                <a16:creationId xmlns:a16="http://schemas.microsoft.com/office/drawing/2014/main" xmlns="" id="{97620309-84FF-4D53-AD39-936B55216B4B}"/>
               </a:ext>
             </a:extLst>
           </p:cNvPr>
@@ -6999,7 +6892,7 @@
           <p:cNvPr id="21" name="Text Placeholder 4">
             <a:extLst>
               <a:ext uri="{FF2B5EF4-FFF2-40B4-BE49-F238E27FC236}">
-                <a16:creationId xmlns="" xmlns:a16="http://schemas.microsoft.com/office/drawing/2014/main" id="{7B710EB7-4E56-449A-B5D4-12A5A50A258D}"/>
+                <a16:creationId xmlns:a16="http://schemas.microsoft.com/office/drawing/2014/main" xmlns="" id="{7B710EB7-4E56-449A-B5D4-12A5A50A258D}"/>
               </a:ext>
             </a:extLst>
           </p:cNvPr>
@@ -7062,7 +6955,7 @@
           <p:cNvPr id="17" name="Chart Placeholder 16">
             <a:extLst>
               <a:ext uri="{FF2B5EF4-FFF2-40B4-BE49-F238E27FC236}">
-                <a16:creationId xmlns="" xmlns:a16="http://schemas.microsoft.com/office/drawing/2014/main" id="{6093AB2F-A9E2-4259-8D2A-0E33C88FF1BC}"/>
+                <a16:creationId xmlns:a16="http://schemas.microsoft.com/office/drawing/2014/main" xmlns="" id="{6093AB2F-A9E2-4259-8D2A-0E33C88FF1BC}"/>
               </a:ext>
             </a:extLst>
           </p:cNvPr>
@@ -7099,7 +6992,7 @@
           <p:cNvPr id="18" name="Chart Placeholder 16">
             <a:extLst>
               <a:ext uri="{FF2B5EF4-FFF2-40B4-BE49-F238E27FC236}">
-                <a16:creationId xmlns="" xmlns:a16="http://schemas.microsoft.com/office/drawing/2014/main" id="{FFC514B9-95FB-485B-B1AD-4193B2310907}"/>
+                <a16:creationId xmlns:a16="http://schemas.microsoft.com/office/drawing/2014/main" xmlns="" id="{FFC514B9-95FB-485B-B1AD-4193B2310907}"/>
               </a:ext>
             </a:extLst>
           </p:cNvPr>
@@ -7136,7 +7029,7 @@
           <p:cNvPr id="22" name="Text Placeholder 4">
             <a:extLst>
               <a:ext uri="{FF2B5EF4-FFF2-40B4-BE49-F238E27FC236}">
-                <a16:creationId xmlns="" xmlns:a16="http://schemas.microsoft.com/office/drawing/2014/main" id="{212267A8-F086-40EB-BC5F-D9FE81725052}"/>
+                <a16:creationId xmlns:a16="http://schemas.microsoft.com/office/drawing/2014/main" xmlns="" id="{212267A8-F086-40EB-BC5F-D9FE81725052}"/>
               </a:ext>
             </a:extLst>
           </p:cNvPr>
@@ -7199,7 +7092,7 @@
           <p:cNvPr id="12" name="Retângulo 43">
             <a:extLst>
               <a:ext uri="{FF2B5EF4-FFF2-40B4-BE49-F238E27FC236}">
-                <a16:creationId xmlns="" xmlns:a16="http://schemas.microsoft.com/office/drawing/2014/main" id="{25FC8637-25BD-4C09-AF25-56B4243DAB3D}"/>
+                <a16:creationId xmlns:a16="http://schemas.microsoft.com/office/drawing/2014/main" xmlns="" id="{25FC8637-25BD-4C09-AF25-56B4243DAB3D}"/>
               </a:ext>
             </a:extLst>
           </p:cNvPr>
@@ -7252,7 +7145,7 @@
           <p:cNvPr id="13" name="Conector reto 49">
             <a:extLst>
               <a:ext uri="{FF2B5EF4-FFF2-40B4-BE49-F238E27FC236}">
-                <a16:creationId xmlns="" xmlns:a16="http://schemas.microsoft.com/office/drawing/2014/main" id="{6B6D7F6B-C184-4C2B-8EB7-067E0C1E8DF2}"/>
+                <a16:creationId xmlns:a16="http://schemas.microsoft.com/office/drawing/2014/main" xmlns="" id="{6B6D7F6B-C184-4C2B-8EB7-067E0C1E8DF2}"/>
               </a:ext>
             </a:extLst>
           </p:cNvPr>
@@ -7300,7 +7193,7 @@
             <a:hlinkClick r:id="rId2"/>
             <a:extLst>
               <a:ext uri="{FF2B5EF4-FFF2-40B4-BE49-F238E27FC236}">
-                <a16:creationId xmlns="" xmlns:a16="http://schemas.microsoft.com/office/drawing/2014/main" id="{F376ABD1-4930-42EB-9A73-9A9C7C6BF2D3}"/>
+                <a16:creationId xmlns:a16="http://schemas.microsoft.com/office/drawing/2014/main" xmlns="" id="{F376ABD1-4930-42EB-9A73-9A9C7C6BF2D3}"/>
               </a:ext>
             </a:extLst>
           </p:cNvPr>
@@ -7346,7 +7239,7 @@
           <p:cNvPr id="16" name="Title Placeholder 1">
             <a:extLst>
               <a:ext uri="{FF2B5EF4-FFF2-40B4-BE49-F238E27FC236}">
-                <a16:creationId xmlns="" xmlns:a16="http://schemas.microsoft.com/office/drawing/2014/main" id="{552BBB0A-405D-419D-8BD5-EC8D9F84B795}"/>
+                <a16:creationId xmlns:a16="http://schemas.microsoft.com/office/drawing/2014/main" xmlns="" id="{552BBB0A-405D-419D-8BD5-EC8D9F84B795}"/>
               </a:ext>
             </a:extLst>
           </p:cNvPr>
@@ -7394,7 +7287,7 @@
           <p:cNvPr id="25" name="Text Placeholder 4">
             <a:extLst>
               <a:ext uri="{FF2B5EF4-FFF2-40B4-BE49-F238E27FC236}">
-                <a16:creationId xmlns="" xmlns:a16="http://schemas.microsoft.com/office/drawing/2014/main" id="{7B710EB7-4E56-449A-B5D4-12A5A50A258D}"/>
+                <a16:creationId xmlns:a16="http://schemas.microsoft.com/office/drawing/2014/main" xmlns="" id="{7B710EB7-4E56-449A-B5D4-12A5A50A258D}"/>
               </a:ext>
             </a:extLst>
           </p:cNvPr>
@@ -7457,7 +7350,7 @@
           <p:cNvPr id="26" name="Chart Placeholder 16">
             <a:extLst>
               <a:ext uri="{FF2B5EF4-FFF2-40B4-BE49-F238E27FC236}">
-                <a16:creationId xmlns="" xmlns:a16="http://schemas.microsoft.com/office/drawing/2014/main" id="{6093AB2F-A9E2-4259-8D2A-0E33C88FF1BC}"/>
+                <a16:creationId xmlns:a16="http://schemas.microsoft.com/office/drawing/2014/main" xmlns="" id="{6093AB2F-A9E2-4259-8D2A-0E33C88FF1BC}"/>
               </a:ext>
             </a:extLst>
           </p:cNvPr>
@@ -7494,7 +7387,7 @@
           <p:cNvPr id="27" name="Chart Placeholder 16">
             <a:extLst>
               <a:ext uri="{FF2B5EF4-FFF2-40B4-BE49-F238E27FC236}">
-                <a16:creationId xmlns="" xmlns:a16="http://schemas.microsoft.com/office/drawing/2014/main" id="{FFC514B9-95FB-485B-B1AD-4193B2310907}"/>
+                <a16:creationId xmlns:a16="http://schemas.microsoft.com/office/drawing/2014/main" xmlns="" id="{FFC514B9-95FB-485B-B1AD-4193B2310907}"/>
               </a:ext>
             </a:extLst>
           </p:cNvPr>
@@ -7531,7 +7424,7 @@
           <p:cNvPr id="28" name="Text Placeholder 4">
             <a:extLst>
               <a:ext uri="{FF2B5EF4-FFF2-40B4-BE49-F238E27FC236}">
-                <a16:creationId xmlns="" xmlns:a16="http://schemas.microsoft.com/office/drawing/2014/main" id="{212267A8-F086-40EB-BC5F-D9FE81725052}"/>
+                <a16:creationId xmlns:a16="http://schemas.microsoft.com/office/drawing/2014/main" xmlns="" id="{212267A8-F086-40EB-BC5F-D9FE81725052}"/>
               </a:ext>
             </a:extLst>
           </p:cNvPr>
@@ -7594,7 +7487,7 @@
           <p:cNvPr id="29" name="Retângulo 43">
             <a:extLst>
               <a:ext uri="{FF2B5EF4-FFF2-40B4-BE49-F238E27FC236}">
-                <a16:creationId xmlns="" xmlns:a16="http://schemas.microsoft.com/office/drawing/2014/main" id="{834ADCB4-BFB1-450D-8F6D-64217F4CD92C}"/>
+                <a16:creationId xmlns:a16="http://schemas.microsoft.com/office/drawing/2014/main" xmlns="" id="{834ADCB4-BFB1-450D-8F6D-64217F4CD92C}"/>
               </a:ext>
             </a:extLst>
           </p:cNvPr>
@@ -7666,7 +7559,7 @@
           <p:cNvPr id="12" name="Graphic 11">
             <a:extLst>
               <a:ext uri="{FF2B5EF4-FFF2-40B4-BE49-F238E27FC236}">
-                <a16:creationId xmlns="" xmlns:a16="http://schemas.microsoft.com/office/drawing/2014/main" id="{10113F8D-52D8-4246-B9BC-1A6D3EF8C72C}"/>
+                <a16:creationId xmlns:a16="http://schemas.microsoft.com/office/drawing/2014/main" xmlns="" id="{10113F8D-52D8-4246-B9BC-1A6D3EF8C72C}"/>
               </a:ext>
             </a:extLst>
           </p:cNvPr>
@@ -7679,7 +7572,7 @@
           <a:blip r:embed="rId2" cstate="print">
             <a:extLst>
               <a:ext uri="{96DAC541-7B7A-43D3-8B79-37D633B846F1}">
-                <asvg:svgBlip xmlns="" xmlns:asvg="http://schemas.microsoft.com/office/drawing/2016/SVG/main" r:embed="rId3"/>
+                <asvg:svgBlip xmlns:asvg="http://schemas.microsoft.com/office/drawing/2016/SVG/main" xmlns="" r:embed="rId3"/>
               </a:ext>
             </a:extLst>
           </a:blip>
@@ -7746,7 +7639,7 @@
           <p:cNvPr id="39" name="Text Placeholder 7">
             <a:extLst>
               <a:ext uri="{FF2B5EF4-FFF2-40B4-BE49-F238E27FC236}">
-                <a16:creationId xmlns="" xmlns:a16="http://schemas.microsoft.com/office/drawing/2014/main" id="{3E908611-FBB7-4987-BE0F-F09EAF1FFC80}"/>
+                <a16:creationId xmlns:a16="http://schemas.microsoft.com/office/drawing/2014/main" xmlns="" id="{3E908611-FBB7-4987-BE0F-F09EAF1FFC80}"/>
               </a:ext>
             </a:extLst>
           </p:cNvPr>
@@ -7826,7 +7719,7 @@
           <p:cNvPr id="40" name="Text Placeholder 7">
             <a:extLst>
               <a:ext uri="{FF2B5EF4-FFF2-40B4-BE49-F238E27FC236}">
-                <a16:creationId xmlns="" xmlns:a16="http://schemas.microsoft.com/office/drawing/2014/main" id="{306025B9-0362-4974-8920-7C764289CBA0}"/>
+                <a16:creationId xmlns:a16="http://schemas.microsoft.com/office/drawing/2014/main" xmlns="" id="{306025B9-0362-4974-8920-7C764289CBA0}"/>
               </a:ext>
             </a:extLst>
           </p:cNvPr>
@@ -7927,7 +7820,7 @@
           <p:cNvPr id="41" name="Text Placeholder 7">
             <a:extLst>
               <a:ext uri="{FF2B5EF4-FFF2-40B4-BE49-F238E27FC236}">
-                <a16:creationId xmlns="" xmlns:a16="http://schemas.microsoft.com/office/drawing/2014/main" id="{257644F2-F28D-4087-B791-1E7F26C4AD1C}"/>
+                <a16:creationId xmlns:a16="http://schemas.microsoft.com/office/drawing/2014/main" xmlns="" id="{257644F2-F28D-4087-B791-1E7F26C4AD1C}"/>
               </a:ext>
             </a:extLst>
           </p:cNvPr>
@@ -8007,7 +7900,7 @@
           <p:cNvPr id="42" name="Text Placeholder 7">
             <a:extLst>
               <a:ext uri="{FF2B5EF4-FFF2-40B4-BE49-F238E27FC236}">
-                <a16:creationId xmlns="" xmlns:a16="http://schemas.microsoft.com/office/drawing/2014/main" id="{25F62A33-F672-4099-9B72-9B2267F22ACF}"/>
+                <a16:creationId xmlns:a16="http://schemas.microsoft.com/office/drawing/2014/main" xmlns="" id="{25F62A33-F672-4099-9B72-9B2267F22ACF}"/>
               </a:ext>
             </a:extLst>
           </p:cNvPr>
@@ -8087,7 +7980,7 @@
           <p:cNvPr id="43" name="Text Placeholder 7">
             <a:extLst>
               <a:ext uri="{FF2B5EF4-FFF2-40B4-BE49-F238E27FC236}">
-                <a16:creationId xmlns="" xmlns:a16="http://schemas.microsoft.com/office/drawing/2014/main" id="{72FF6EE1-C46D-4DEB-A508-49B5101CF26E}"/>
+                <a16:creationId xmlns:a16="http://schemas.microsoft.com/office/drawing/2014/main" xmlns="" id="{72FF6EE1-C46D-4DEB-A508-49B5101CF26E}"/>
               </a:ext>
             </a:extLst>
           </p:cNvPr>
@@ -8167,7 +8060,7 @@
           <p:cNvPr id="44" name="Text Placeholder 7">
             <a:extLst>
               <a:ext uri="{FF2B5EF4-FFF2-40B4-BE49-F238E27FC236}">
-                <a16:creationId xmlns="" xmlns:a16="http://schemas.microsoft.com/office/drawing/2014/main" id="{931D06D9-EA9B-42A0-81EE-D669D6CA5F33}"/>
+                <a16:creationId xmlns:a16="http://schemas.microsoft.com/office/drawing/2014/main" xmlns="" id="{931D06D9-EA9B-42A0-81EE-D669D6CA5F33}"/>
               </a:ext>
             </a:extLst>
           </p:cNvPr>
@@ -8247,7 +8140,7 @@
           <p:cNvPr id="45" name="Text Placeholder 7">
             <a:extLst>
               <a:ext uri="{FF2B5EF4-FFF2-40B4-BE49-F238E27FC236}">
-                <a16:creationId xmlns="" xmlns:a16="http://schemas.microsoft.com/office/drawing/2014/main" id="{EFEA829A-6217-4965-B7BD-6BC37F7849AB}"/>
+                <a16:creationId xmlns:a16="http://schemas.microsoft.com/office/drawing/2014/main" xmlns="" id="{EFEA829A-6217-4965-B7BD-6BC37F7849AB}"/>
               </a:ext>
             </a:extLst>
           </p:cNvPr>
@@ -8327,7 +8220,7 @@
           <p:cNvPr id="46" name="Text Placeholder 7">
             <a:extLst>
               <a:ext uri="{FF2B5EF4-FFF2-40B4-BE49-F238E27FC236}">
-                <a16:creationId xmlns="" xmlns:a16="http://schemas.microsoft.com/office/drawing/2014/main" id="{E05DDB93-91CA-4BAF-9D63-E4134B435D8F}"/>
+                <a16:creationId xmlns:a16="http://schemas.microsoft.com/office/drawing/2014/main" xmlns="" id="{E05DDB93-91CA-4BAF-9D63-E4134B435D8F}"/>
               </a:ext>
             </a:extLst>
           </p:cNvPr>
@@ -8407,7 +8300,7 @@
           <p:cNvPr id="48" name="Picture Placeholder 47">
             <a:extLst>
               <a:ext uri="{FF2B5EF4-FFF2-40B4-BE49-F238E27FC236}">
-                <a16:creationId xmlns="" xmlns:a16="http://schemas.microsoft.com/office/drawing/2014/main" id="{51CA337D-4B25-44C1-847A-AC0D74277B60}"/>
+                <a16:creationId xmlns:a16="http://schemas.microsoft.com/office/drawing/2014/main" xmlns="" id="{51CA337D-4B25-44C1-847A-AC0D74277B60}"/>
               </a:ext>
             </a:extLst>
           </p:cNvPr>
@@ -8444,7 +8337,7 @@
           <p:cNvPr id="13" name="Title Placeholder 1">
             <a:extLst>
               <a:ext uri="{FF2B5EF4-FFF2-40B4-BE49-F238E27FC236}">
-                <a16:creationId xmlns="" xmlns:a16="http://schemas.microsoft.com/office/drawing/2014/main" id="{552BBB0A-405D-419D-8BD5-EC8D9F84B795}"/>
+                <a16:creationId xmlns:a16="http://schemas.microsoft.com/office/drawing/2014/main" xmlns="" id="{552BBB0A-405D-419D-8BD5-EC8D9F84B795}"/>
               </a:ext>
             </a:extLst>
           </p:cNvPr>
@@ -8496,7 +8389,7 @@
           <p:cNvPr id="15" name="Retângulo 43">
             <a:extLst>
               <a:ext uri="{FF2B5EF4-FFF2-40B4-BE49-F238E27FC236}">
-                <a16:creationId xmlns="" xmlns:a16="http://schemas.microsoft.com/office/drawing/2014/main" id="{25FC8637-25BD-4C09-AF25-56B4243DAB3D}"/>
+                <a16:creationId xmlns:a16="http://schemas.microsoft.com/office/drawing/2014/main" xmlns="" id="{25FC8637-25BD-4C09-AF25-56B4243DAB3D}"/>
               </a:ext>
             </a:extLst>
           </p:cNvPr>
@@ -8549,7 +8442,7 @@
           <p:cNvPr id="16" name="Conector reto 49">
             <a:extLst>
               <a:ext uri="{FF2B5EF4-FFF2-40B4-BE49-F238E27FC236}">
-                <a16:creationId xmlns="" xmlns:a16="http://schemas.microsoft.com/office/drawing/2014/main" id="{6B6D7F6B-C184-4C2B-8EB7-067E0C1E8DF2}"/>
+                <a16:creationId xmlns:a16="http://schemas.microsoft.com/office/drawing/2014/main" xmlns="" id="{6B6D7F6B-C184-4C2B-8EB7-067E0C1E8DF2}"/>
               </a:ext>
             </a:extLst>
           </p:cNvPr>
@@ -8599,7 +8492,7 @@
             <a:hlinkClick r:id="rId4"/>
             <a:extLst>
               <a:ext uri="{FF2B5EF4-FFF2-40B4-BE49-F238E27FC236}">
-                <a16:creationId xmlns="" xmlns:a16="http://schemas.microsoft.com/office/drawing/2014/main" id="{F376ABD1-4930-42EB-9A73-9A9C7C6BF2D3}"/>
+                <a16:creationId xmlns:a16="http://schemas.microsoft.com/office/drawing/2014/main" xmlns="" id="{F376ABD1-4930-42EB-9A73-9A9C7C6BF2D3}"/>
               </a:ext>
             </a:extLst>
           </p:cNvPr>
@@ -8645,7 +8538,7 @@
           <p:cNvPr id="18" name="Retângulo 43">
             <a:extLst>
               <a:ext uri="{FF2B5EF4-FFF2-40B4-BE49-F238E27FC236}">
-                <a16:creationId xmlns="" xmlns:a16="http://schemas.microsoft.com/office/drawing/2014/main" id="{834ADCB4-BFB1-450D-8F6D-64217F4CD92C}"/>
+                <a16:creationId xmlns:a16="http://schemas.microsoft.com/office/drawing/2014/main" xmlns="" id="{834ADCB4-BFB1-450D-8F6D-64217F4CD92C}"/>
               </a:ext>
             </a:extLst>
           </p:cNvPr>
@@ -8715,7 +8608,7 @@
           <p:cNvPr id="8" name="Text Placeholder 7">
             <a:extLst>
               <a:ext uri="{FF2B5EF4-FFF2-40B4-BE49-F238E27FC236}">
-                <a16:creationId xmlns="" xmlns:a16="http://schemas.microsoft.com/office/drawing/2014/main" id="{27CE2609-37DA-4C4C-BF45-E56CE85AA41D}"/>
+                <a16:creationId xmlns:a16="http://schemas.microsoft.com/office/drawing/2014/main" xmlns="" id="{27CE2609-37DA-4C4C-BF45-E56CE85AA41D}"/>
               </a:ext>
             </a:extLst>
           </p:cNvPr>
@@ -8789,7 +8682,7 @@
           <p:cNvPr id="11" name="Text Placeholder 7">
             <a:extLst>
               <a:ext uri="{FF2B5EF4-FFF2-40B4-BE49-F238E27FC236}">
-                <a16:creationId xmlns="" xmlns:a16="http://schemas.microsoft.com/office/drawing/2014/main" id="{4F279807-494A-45DD-A5C6-24F625316B92}"/>
+                <a16:creationId xmlns:a16="http://schemas.microsoft.com/office/drawing/2014/main" xmlns="" id="{4F279807-494A-45DD-A5C6-24F625316B92}"/>
               </a:ext>
             </a:extLst>
           </p:cNvPr>
@@ -8863,7 +8756,7 @@
           <p:cNvPr id="13" name="Text Placeholder 7">
             <a:extLst>
               <a:ext uri="{FF2B5EF4-FFF2-40B4-BE49-F238E27FC236}">
-                <a16:creationId xmlns="" xmlns:a16="http://schemas.microsoft.com/office/drawing/2014/main" id="{D8D7F005-BA7C-423E-87B0-6782D88233F6}"/>
+                <a16:creationId xmlns:a16="http://schemas.microsoft.com/office/drawing/2014/main" xmlns="" id="{D8D7F005-BA7C-423E-87B0-6782D88233F6}"/>
               </a:ext>
             </a:extLst>
           </p:cNvPr>
@@ -8937,7 +8830,7 @@
           <p:cNvPr id="14" name="Text Placeholder 7">
             <a:extLst>
               <a:ext uri="{FF2B5EF4-FFF2-40B4-BE49-F238E27FC236}">
-                <a16:creationId xmlns="" xmlns:a16="http://schemas.microsoft.com/office/drawing/2014/main" id="{47BDC0DA-1585-454D-9E74-41D2AFC0FEE5}"/>
+                <a16:creationId xmlns:a16="http://schemas.microsoft.com/office/drawing/2014/main" xmlns="" id="{47BDC0DA-1585-454D-9E74-41D2AFC0FEE5}"/>
               </a:ext>
             </a:extLst>
           </p:cNvPr>
@@ -9011,7 +8904,7 @@
           <p:cNvPr id="9" name="Title Placeholder 1">
             <a:extLst>
               <a:ext uri="{FF2B5EF4-FFF2-40B4-BE49-F238E27FC236}">
-                <a16:creationId xmlns="" xmlns:a16="http://schemas.microsoft.com/office/drawing/2014/main" id="{6733E381-C11A-4F10-88ED-DDEA4B9167E2}"/>
+                <a16:creationId xmlns:a16="http://schemas.microsoft.com/office/drawing/2014/main" xmlns="" id="{6733E381-C11A-4F10-88ED-DDEA4B9167E2}"/>
               </a:ext>
             </a:extLst>
           </p:cNvPr>
@@ -9063,7 +8956,7 @@
           <p:cNvPr id="16" name="Retângulo 43">
             <a:extLst>
               <a:ext uri="{FF2B5EF4-FFF2-40B4-BE49-F238E27FC236}">
-                <a16:creationId xmlns="" xmlns:a16="http://schemas.microsoft.com/office/drawing/2014/main" id="{25FC8637-25BD-4C09-AF25-56B4243DAB3D}"/>
+                <a16:creationId xmlns:a16="http://schemas.microsoft.com/office/drawing/2014/main" xmlns="" id="{25FC8637-25BD-4C09-AF25-56B4243DAB3D}"/>
               </a:ext>
             </a:extLst>
           </p:cNvPr>
@@ -9116,7 +9009,7 @@
           <p:cNvPr id="20" name="Conector reto 49">
             <a:extLst>
               <a:ext uri="{FF2B5EF4-FFF2-40B4-BE49-F238E27FC236}">
-                <a16:creationId xmlns="" xmlns:a16="http://schemas.microsoft.com/office/drawing/2014/main" id="{6B6D7F6B-C184-4C2B-8EB7-067E0C1E8DF2}"/>
+                <a16:creationId xmlns:a16="http://schemas.microsoft.com/office/drawing/2014/main" xmlns="" id="{6B6D7F6B-C184-4C2B-8EB7-067E0C1E8DF2}"/>
               </a:ext>
             </a:extLst>
           </p:cNvPr>
@@ -9164,7 +9057,7 @@
             <a:hlinkClick r:id="rId2"/>
             <a:extLst>
               <a:ext uri="{FF2B5EF4-FFF2-40B4-BE49-F238E27FC236}">
-                <a16:creationId xmlns="" xmlns:a16="http://schemas.microsoft.com/office/drawing/2014/main" id="{F376ABD1-4930-42EB-9A73-9A9C7C6BF2D3}"/>
+                <a16:creationId xmlns:a16="http://schemas.microsoft.com/office/drawing/2014/main" xmlns="" id="{F376ABD1-4930-42EB-9A73-9A9C7C6BF2D3}"/>
               </a:ext>
             </a:extLst>
           </p:cNvPr>
@@ -9210,7 +9103,7 @@
           <p:cNvPr id="22" name="Retângulo 43">
             <a:extLst>
               <a:ext uri="{FF2B5EF4-FFF2-40B4-BE49-F238E27FC236}">
-                <a16:creationId xmlns="" xmlns:a16="http://schemas.microsoft.com/office/drawing/2014/main" id="{834ADCB4-BFB1-450D-8F6D-64217F4CD92C}"/>
+                <a16:creationId xmlns:a16="http://schemas.microsoft.com/office/drawing/2014/main" xmlns="" id="{834ADCB4-BFB1-450D-8F6D-64217F4CD92C}"/>
               </a:ext>
             </a:extLst>
           </p:cNvPr>
@@ -9290,7 +9183,7 @@
           <p:cNvPr id="13" name="Rectangle 12">
             <a:extLst>
               <a:ext uri="{FF2B5EF4-FFF2-40B4-BE49-F238E27FC236}">
-                <a16:creationId xmlns="" xmlns:a16="http://schemas.microsoft.com/office/drawing/2014/main" id="{279F1DAD-5BB1-4142-B838-01DB99370135}"/>
+                <a16:creationId xmlns:a16="http://schemas.microsoft.com/office/drawing/2014/main" xmlns="" id="{279F1DAD-5BB1-4142-B838-01DB99370135}"/>
               </a:ext>
             </a:extLst>
           </p:cNvPr>
@@ -9342,7 +9235,7 @@
           <p:cNvPr id="9" name="Text Placeholder 4">
             <a:extLst>
               <a:ext uri="{FF2B5EF4-FFF2-40B4-BE49-F238E27FC236}">
-                <a16:creationId xmlns="" xmlns:a16="http://schemas.microsoft.com/office/drawing/2014/main" id="{04C1CAD0-39C3-4CE2-A9E9-8CA99EFF5357}"/>
+                <a16:creationId xmlns:a16="http://schemas.microsoft.com/office/drawing/2014/main" xmlns="" id="{04C1CAD0-39C3-4CE2-A9E9-8CA99EFF5357}"/>
               </a:ext>
             </a:extLst>
           </p:cNvPr>
@@ -9402,7 +9295,7 @@
           <p:cNvPr id="37" name="Text Placeholder 4">
             <a:extLst>
               <a:ext uri="{FF2B5EF4-FFF2-40B4-BE49-F238E27FC236}">
-                <a16:creationId xmlns="" xmlns:a16="http://schemas.microsoft.com/office/drawing/2014/main" id="{8D6FD04F-776D-4BC2-9828-DC149A95B778}"/>
+                <a16:creationId xmlns:a16="http://schemas.microsoft.com/office/drawing/2014/main" xmlns="" id="{8D6FD04F-776D-4BC2-9828-DC149A95B778}"/>
               </a:ext>
             </a:extLst>
           </p:cNvPr>
@@ -9462,7 +9355,7 @@
           <p:cNvPr id="39" name="Text Placeholder 4">
             <a:extLst>
               <a:ext uri="{FF2B5EF4-FFF2-40B4-BE49-F238E27FC236}">
-                <a16:creationId xmlns="" xmlns:a16="http://schemas.microsoft.com/office/drawing/2014/main" id="{5A2CDF95-9D29-4775-8BEF-90BC5372B782}"/>
+                <a16:creationId xmlns:a16="http://schemas.microsoft.com/office/drawing/2014/main" xmlns="" id="{5A2CDF95-9D29-4775-8BEF-90BC5372B782}"/>
               </a:ext>
             </a:extLst>
           </p:cNvPr>
@@ -9522,7 +9415,7 @@
           <p:cNvPr id="41" name="Text Placeholder 4">
             <a:extLst>
               <a:ext uri="{FF2B5EF4-FFF2-40B4-BE49-F238E27FC236}">
-                <a16:creationId xmlns="" xmlns:a16="http://schemas.microsoft.com/office/drawing/2014/main" id="{6012FFDA-311F-429E-998E-F6E6B0A7186E}"/>
+                <a16:creationId xmlns:a16="http://schemas.microsoft.com/office/drawing/2014/main" xmlns="" id="{6012FFDA-311F-429E-998E-F6E6B0A7186E}"/>
               </a:ext>
             </a:extLst>
           </p:cNvPr>
@@ -9570,7 +9463,7 @@
           <p:cNvPr id="42" name="Text Placeholder 7">
             <a:extLst>
               <a:ext uri="{FF2B5EF4-FFF2-40B4-BE49-F238E27FC236}">
-                <a16:creationId xmlns="" xmlns:a16="http://schemas.microsoft.com/office/drawing/2014/main" id="{9228FC83-C11D-47F2-8BDE-B10D125E5E87}"/>
+                <a16:creationId xmlns:a16="http://schemas.microsoft.com/office/drawing/2014/main" xmlns="" id="{9228FC83-C11D-47F2-8BDE-B10D125E5E87}"/>
               </a:ext>
             </a:extLst>
           </p:cNvPr>
@@ -9681,7 +9574,7 @@
           <p:cNvPr id="18" name="Retângulo 43">
             <a:extLst>
               <a:ext uri="{FF2B5EF4-FFF2-40B4-BE49-F238E27FC236}">
-                <a16:creationId xmlns="" xmlns:a16="http://schemas.microsoft.com/office/drawing/2014/main" id="{25FC8637-25BD-4C09-AF25-56B4243DAB3D}"/>
+                <a16:creationId xmlns:a16="http://schemas.microsoft.com/office/drawing/2014/main" xmlns="" id="{25FC8637-25BD-4C09-AF25-56B4243DAB3D}"/>
               </a:ext>
             </a:extLst>
           </p:cNvPr>
@@ -9734,7 +9627,7 @@
           <p:cNvPr id="19" name="Conector reto 49">
             <a:extLst>
               <a:ext uri="{FF2B5EF4-FFF2-40B4-BE49-F238E27FC236}">
-                <a16:creationId xmlns="" xmlns:a16="http://schemas.microsoft.com/office/drawing/2014/main" id="{6B6D7F6B-C184-4C2B-8EB7-067E0C1E8DF2}"/>
+                <a16:creationId xmlns:a16="http://schemas.microsoft.com/office/drawing/2014/main" xmlns="" id="{6B6D7F6B-C184-4C2B-8EB7-067E0C1E8DF2}"/>
               </a:ext>
             </a:extLst>
           </p:cNvPr>
@@ -9782,7 +9675,7 @@
             <a:hlinkClick r:id="rId2"/>
             <a:extLst>
               <a:ext uri="{FF2B5EF4-FFF2-40B4-BE49-F238E27FC236}">
-                <a16:creationId xmlns="" xmlns:a16="http://schemas.microsoft.com/office/drawing/2014/main" id="{F376ABD1-4930-42EB-9A73-9A9C7C6BF2D3}"/>
+                <a16:creationId xmlns:a16="http://schemas.microsoft.com/office/drawing/2014/main" xmlns="" id="{F376ABD1-4930-42EB-9A73-9A9C7C6BF2D3}"/>
               </a:ext>
             </a:extLst>
           </p:cNvPr>
@@ -9828,7 +9721,7 @@
           <p:cNvPr id="21" name="Retângulo 43">
             <a:extLst>
               <a:ext uri="{FF2B5EF4-FFF2-40B4-BE49-F238E27FC236}">
-                <a16:creationId xmlns="" xmlns:a16="http://schemas.microsoft.com/office/drawing/2014/main" id="{834ADCB4-BFB1-450D-8F6D-64217F4CD92C}"/>
+                <a16:creationId xmlns:a16="http://schemas.microsoft.com/office/drawing/2014/main" xmlns="" id="{834ADCB4-BFB1-450D-8F6D-64217F4CD92C}"/>
               </a:ext>
             </a:extLst>
           </p:cNvPr>
@@ -9870,7 +9763,7 @@
           <p:cNvPr id="23" name="Title Placeholder 1">
             <a:extLst>
               <a:ext uri="{FF2B5EF4-FFF2-40B4-BE49-F238E27FC236}">
-                <a16:creationId xmlns="" xmlns:a16="http://schemas.microsoft.com/office/drawing/2014/main" id="{552BBB0A-405D-419D-8BD5-EC8D9F84B795}"/>
+                <a16:creationId xmlns:a16="http://schemas.microsoft.com/office/drawing/2014/main" xmlns="" id="{552BBB0A-405D-419D-8BD5-EC8D9F84B795}"/>
               </a:ext>
             </a:extLst>
           </p:cNvPr>
@@ -9918,7 +9811,7 @@
           <p:cNvPr id="24" name="Text Placeholder 7">
             <a:extLst>
               <a:ext uri="{FF2B5EF4-FFF2-40B4-BE49-F238E27FC236}">
-                <a16:creationId xmlns="" xmlns:a16="http://schemas.microsoft.com/office/drawing/2014/main" id="{9228FC83-C11D-47F2-8BDE-B10D125E5E87}"/>
+                <a16:creationId xmlns:a16="http://schemas.microsoft.com/office/drawing/2014/main" xmlns="" id="{9228FC83-C11D-47F2-8BDE-B10D125E5E87}"/>
               </a:ext>
             </a:extLst>
           </p:cNvPr>
@@ -10029,7 +9922,7 @@
           <p:cNvPr id="25" name="Text Placeholder 7">
             <a:extLst>
               <a:ext uri="{FF2B5EF4-FFF2-40B4-BE49-F238E27FC236}">
-                <a16:creationId xmlns="" xmlns:a16="http://schemas.microsoft.com/office/drawing/2014/main" id="{9228FC83-C11D-47F2-8BDE-B10D125E5E87}"/>
+                <a16:creationId xmlns:a16="http://schemas.microsoft.com/office/drawing/2014/main" xmlns="" id="{9228FC83-C11D-47F2-8BDE-B10D125E5E87}"/>
               </a:ext>
             </a:extLst>
           </p:cNvPr>
@@ -10140,7 +10033,7 @@
           <p:cNvPr id="26" name="Text Placeholder 7">
             <a:extLst>
               <a:ext uri="{FF2B5EF4-FFF2-40B4-BE49-F238E27FC236}">
-                <a16:creationId xmlns="" xmlns:a16="http://schemas.microsoft.com/office/drawing/2014/main" id="{9228FC83-C11D-47F2-8BDE-B10D125E5E87}"/>
+                <a16:creationId xmlns:a16="http://schemas.microsoft.com/office/drawing/2014/main" xmlns="" id="{9228FC83-C11D-47F2-8BDE-B10D125E5E87}"/>
               </a:ext>
             </a:extLst>
           </p:cNvPr>
@@ -10388,7 +10281,7 @@
           <p:cNvPr id="10" name="Text Placeholder 13">
             <a:extLst>
               <a:ext uri="{FF2B5EF4-FFF2-40B4-BE49-F238E27FC236}">
-                <a16:creationId xmlns="" xmlns:a16="http://schemas.microsoft.com/office/drawing/2014/main" id="{7D1DC75A-C7A4-44A4-B19C-D445335545B0}"/>
+                <a16:creationId xmlns:a16="http://schemas.microsoft.com/office/drawing/2014/main" xmlns="" id="{7D1DC75A-C7A4-44A4-B19C-D445335545B0}"/>
               </a:ext>
             </a:extLst>
           </p:cNvPr>
@@ -10443,7 +10336,7 @@
           <p:cNvPr id="11" name="Text Placeholder 13">
             <a:extLst>
               <a:ext uri="{FF2B5EF4-FFF2-40B4-BE49-F238E27FC236}">
-                <a16:creationId xmlns="" xmlns:a16="http://schemas.microsoft.com/office/drawing/2014/main" id="{563879A0-0979-491A-8758-371BB7AD935B}"/>
+                <a16:creationId xmlns:a16="http://schemas.microsoft.com/office/drawing/2014/main" xmlns="" id="{563879A0-0979-491A-8758-371BB7AD935B}"/>
               </a:ext>
             </a:extLst>
           </p:cNvPr>
@@ -10590,7 +10483,7 @@
           <p:cNvPr id="9" name="Graphic 9">
             <a:extLst>
               <a:ext uri="{FF2B5EF4-FFF2-40B4-BE49-F238E27FC236}">
-                <a16:creationId xmlns="" xmlns:a16="http://schemas.microsoft.com/office/drawing/2014/main" id="{C3D2EC56-D17C-4A75-8178-C69397BC7353}"/>
+                <a16:creationId xmlns:a16="http://schemas.microsoft.com/office/drawing/2014/main" xmlns="" id="{C3D2EC56-D17C-4A75-8178-C69397BC7353}"/>
               </a:ext>
             </a:extLst>
           </p:cNvPr>
@@ -10603,7 +10496,7 @@
           <a:blip r:embed="rId2" cstate="print">
             <a:extLst>
               <a:ext uri="{96DAC541-7B7A-43D3-8B79-37D633B846F1}">
-                <asvg:svgBlip xmlns="" xmlns:asvg="http://schemas.microsoft.com/office/drawing/2016/SVG/main" r:embed="rId3"/>
+                <asvg:svgBlip xmlns:asvg="http://schemas.microsoft.com/office/drawing/2016/SVG/main" xmlns="" r:embed="rId3"/>
               </a:ext>
             </a:extLst>
           </a:blip>
@@ -10710,7 +10603,7 @@
           <p:cNvPr id="12" name="Picture Placeholder 11">
             <a:extLst>
               <a:ext uri="{FF2B5EF4-FFF2-40B4-BE49-F238E27FC236}">
-                <a16:creationId xmlns="" xmlns:a16="http://schemas.microsoft.com/office/drawing/2014/main" id="{25D6B527-14EF-4F30-9C9C-691EC4327EE7}"/>
+                <a16:creationId xmlns:a16="http://schemas.microsoft.com/office/drawing/2014/main" xmlns="" id="{25D6B527-14EF-4F30-9C9C-691EC4327EE7}"/>
               </a:ext>
             </a:extLst>
           </p:cNvPr>
@@ -10748,7 +10641,7 @@
           <p:cNvPr id="14" name="Text Placeholder 13">
             <a:extLst>
               <a:ext uri="{FF2B5EF4-FFF2-40B4-BE49-F238E27FC236}">
-                <a16:creationId xmlns="" xmlns:a16="http://schemas.microsoft.com/office/drawing/2014/main" id="{B83CBA49-BBF9-4CF0-9E0B-FF67BA149660}"/>
+                <a16:creationId xmlns:a16="http://schemas.microsoft.com/office/drawing/2014/main" xmlns="" id="{B83CBA49-BBF9-4CF0-9E0B-FF67BA149660}"/>
               </a:ext>
             </a:extLst>
           </p:cNvPr>
@@ -10803,7 +10696,7 @@
           <p:cNvPr id="15" name="Text Placeholder 13">
             <a:extLst>
               <a:ext uri="{FF2B5EF4-FFF2-40B4-BE49-F238E27FC236}">
-                <a16:creationId xmlns="" xmlns:a16="http://schemas.microsoft.com/office/drawing/2014/main" id="{F4C94DDB-5E07-4F17-ABAA-3E9C5E8683A1}"/>
+                <a16:creationId xmlns:a16="http://schemas.microsoft.com/office/drawing/2014/main" xmlns="" id="{F4C94DDB-5E07-4F17-ABAA-3E9C5E8683A1}"/>
               </a:ext>
             </a:extLst>
           </p:cNvPr>
@@ -10858,7 +10751,7 @@
           <p:cNvPr id="9" name="Graphic 9">
             <a:extLst>
               <a:ext uri="{FF2B5EF4-FFF2-40B4-BE49-F238E27FC236}">
-                <a16:creationId xmlns="" xmlns:a16="http://schemas.microsoft.com/office/drawing/2014/main" id="{C3D2EC56-D17C-4A75-8178-C69397BC7353}"/>
+                <a16:creationId xmlns:a16="http://schemas.microsoft.com/office/drawing/2014/main" xmlns="" id="{C3D2EC56-D17C-4A75-8178-C69397BC7353}"/>
               </a:ext>
             </a:extLst>
           </p:cNvPr>
@@ -10871,7 +10764,7 @@
           <a:blip r:embed="rId2" cstate="print">
             <a:extLst>
               <a:ext uri="{96DAC541-7B7A-43D3-8B79-37D633B846F1}">
-                <asvg:svgBlip xmlns="" xmlns:asvg="http://schemas.microsoft.com/office/drawing/2016/SVG/main" r:embed="rId3"/>
+                <asvg:svgBlip xmlns:asvg="http://schemas.microsoft.com/office/drawing/2016/SVG/main" xmlns="" r:embed="rId3"/>
               </a:ext>
             </a:extLst>
           </a:blip>
@@ -10925,7 +10818,7 @@
   </p:clrMapOvr>
   <p:extLst mod="1">
     <p:ext uri="{DCECCB84-F9BA-43D5-87BE-67443E8EF086}">
-      <p15:sldGuideLst xmlns:p15="http://schemas.microsoft.com/office/powerpoint/2012/main">
+      <p15:sldGuideLst xmlns:p15="http://schemas.microsoft.com/office/powerpoint/2012/main" xmlns="">
         <p15:guide id="1" orient="horz" pos="2160" userDrawn="1">
           <p15:clr>
             <a:srgbClr val="FBAE40"/>
@@ -11132,7 +11025,7 @@
           <p:cNvPr id="7" name="Text Placeholder 13">
             <a:extLst>
               <a:ext uri="{FF2B5EF4-FFF2-40B4-BE49-F238E27FC236}">
-                <a16:creationId xmlns="" xmlns:a16="http://schemas.microsoft.com/office/drawing/2014/main" id="{5C674D03-4995-4743-8CE4-61CF32CFBDDE}"/>
+                <a16:creationId xmlns:a16="http://schemas.microsoft.com/office/drawing/2014/main" xmlns="" id="{5C674D03-4995-4743-8CE4-61CF32CFBDDE}"/>
               </a:ext>
             </a:extLst>
           </p:cNvPr>
@@ -11192,7 +11085,7 @@
           <p:cNvPr id="11" name="Graphic 4">
             <a:extLst>
               <a:ext uri="{FF2B5EF4-FFF2-40B4-BE49-F238E27FC236}">
-                <a16:creationId xmlns="" xmlns:a16="http://schemas.microsoft.com/office/drawing/2014/main" id="{25EEA1D4-3AF7-42D7-AE97-AE404AECFAEB}"/>
+                <a16:creationId xmlns:a16="http://schemas.microsoft.com/office/drawing/2014/main" xmlns="" id="{25EEA1D4-3AF7-42D7-AE97-AE404AECFAEB}"/>
               </a:ext>
             </a:extLst>
           </p:cNvPr>
@@ -11205,7 +11098,7 @@
           <a:blip r:embed="rId2" cstate="print">
             <a:extLst>
               <a:ext uri="{96DAC541-7B7A-43D3-8B79-37D633B846F1}">
-                <asvg:svgBlip xmlns="" xmlns:asvg="http://schemas.microsoft.com/office/drawing/2016/SVG/main" r:embed="rId3"/>
+                <asvg:svgBlip xmlns:asvg="http://schemas.microsoft.com/office/drawing/2016/SVG/main" xmlns="" r:embed="rId3"/>
               </a:ext>
             </a:extLst>
           </a:blip>
@@ -11262,7 +11155,7 @@
           <p:cNvPr id="8" name="Graphic 7">
             <a:extLst>
               <a:ext uri="{FF2B5EF4-FFF2-40B4-BE49-F238E27FC236}">
-                <a16:creationId xmlns="" xmlns:a16="http://schemas.microsoft.com/office/drawing/2014/main" id="{E94103CC-22C5-4F38-9B77-3524E8A553F9}"/>
+                <a16:creationId xmlns:a16="http://schemas.microsoft.com/office/drawing/2014/main" xmlns="" id="{E94103CC-22C5-4F38-9B77-3524E8A553F9}"/>
               </a:ext>
             </a:extLst>
           </p:cNvPr>
@@ -11275,7 +11168,7 @@
           <a:blip r:embed="rId2" cstate="print">
             <a:extLst>
               <a:ext uri="{96DAC541-7B7A-43D3-8B79-37D633B846F1}">
-                <asvg:svgBlip xmlns="" xmlns:asvg="http://schemas.microsoft.com/office/drawing/2016/SVG/main" r:embed="rId3"/>
+                <asvg:svgBlip xmlns:asvg="http://schemas.microsoft.com/office/drawing/2016/SVG/main" xmlns="" r:embed="rId3"/>
               </a:ext>
             </a:extLst>
           </a:blip>
@@ -11297,7 +11190,7 @@
           <p:cNvPr id="50" name="Text Placeholder 7">
             <a:extLst>
               <a:ext uri="{FF2B5EF4-FFF2-40B4-BE49-F238E27FC236}">
-                <a16:creationId xmlns="" xmlns:a16="http://schemas.microsoft.com/office/drawing/2014/main" id="{4E956B68-B273-4648-AC4B-C9A05A745160}"/>
+                <a16:creationId xmlns:a16="http://schemas.microsoft.com/office/drawing/2014/main" xmlns="" id="{4E956B68-B273-4648-AC4B-C9A05A745160}"/>
               </a:ext>
             </a:extLst>
           </p:cNvPr>
@@ -11394,7 +11287,7 @@
           <p:cNvPr id="51" name="Text Placeholder 7">
             <a:extLst>
               <a:ext uri="{FF2B5EF4-FFF2-40B4-BE49-F238E27FC236}">
-                <a16:creationId xmlns="" xmlns:a16="http://schemas.microsoft.com/office/drawing/2014/main" id="{F12D7C74-E8A0-4A7D-95DA-A14111669514}"/>
+                <a16:creationId xmlns:a16="http://schemas.microsoft.com/office/drawing/2014/main" xmlns="" id="{F12D7C74-E8A0-4A7D-95DA-A14111669514}"/>
               </a:ext>
             </a:extLst>
           </p:cNvPr>
@@ -11491,7 +11384,7 @@
           <p:cNvPr id="49" name="Picture Placeholder 48">
             <a:extLst>
               <a:ext uri="{FF2B5EF4-FFF2-40B4-BE49-F238E27FC236}">
-                <a16:creationId xmlns="" xmlns:a16="http://schemas.microsoft.com/office/drawing/2014/main" id="{4212BD44-DEDF-4B08-8824-204652F9616E}"/>
+                <a16:creationId xmlns:a16="http://schemas.microsoft.com/office/drawing/2014/main" xmlns="" id="{4212BD44-DEDF-4B08-8824-204652F9616E}"/>
               </a:ext>
             </a:extLst>
           </p:cNvPr>
@@ -11528,7 +11421,7 @@
           <p:cNvPr id="52" name="Text Placeholder 7">
             <a:extLst>
               <a:ext uri="{FF2B5EF4-FFF2-40B4-BE49-F238E27FC236}">
-                <a16:creationId xmlns="" xmlns:a16="http://schemas.microsoft.com/office/drawing/2014/main" id="{92D6AE9D-467E-46C0-B32B-79A9B07CDD13}"/>
+                <a16:creationId xmlns:a16="http://schemas.microsoft.com/office/drawing/2014/main" xmlns="" id="{92D6AE9D-467E-46C0-B32B-79A9B07CDD13}"/>
               </a:ext>
             </a:extLst>
           </p:cNvPr>
@@ -11625,7 +11518,7 @@
           <p:cNvPr id="7" name="Title Placeholder 1">
             <a:extLst>
               <a:ext uri="{FF2B5EF4-FFF2-40B4-BE49-F238E27FC236}">
-                <a16:creationId xmlns="" xmlns:a16="http://schemas.microsoft.com/office/drawing/2014/main" id="{552BBB0A-405D-419D-8BD5-EC8D9F84B795}"/>
+                <a16:creationId xmlns:a16="http://schemas.microsoft.com/office/drawing/2014/main" xmlns="" id="{552BBB0A-405D-419D-8BD5-EC8D9F84B795}"/>
               </a:ext>
             </a:extLst>
           </p:cNvPr>
@@ -11673,7 +11566,7 @@
           <p:cNvPr id="9" name="Graphic 4">
             <a:extLst>
               <a:ext uri="{FF2B5EF4-FFF2-40B4-BE49-F238E27FC236}">
-                <a16:creationId xmlns="" xmlns:a16="http://schemas.microsoft.com/office/drawing/2014/main" id="{D67A1EFD-D78D-4138-B2FE-E0A098B59C34}"/>
+                <a16:creationId xmlns:a16="http://schemas.microsoft.com/office/drawing/2014/main" xmlns="" id="{D67A1EFD-D78D-4138-B2FE-E0A098B59C34}"/>
               </a:ext>
             </a:extLst>
           </p:cNvPr>
@@ -11686,7 +11579,7 @@
           <a:blip r:embed="rId4" cstate="print">
             <a:extLst>
               <a:ext uri="{96DAC541-7B7A-43D3-8B79-37D633B846F1}">
-                <asvg:svgBlip xmlns="" xmlns:asvg="http://schemas.microsoft.com/office/drawing/2016/SVG/main" r:embed="rId5"/>
+                <asvg:svgBlip xmlns:asvg="http://schemas.microsoft.com/office/drawing/2016/SVG/main" xmlns="" r:embed="rId5"/>
               </a:ext>
             </a:extLst>
           </a:blip>
@@ -11708,7 +11601,7 @@
           <p:cNvPr id="11" name="Conector reto 49">
             <a:extLst>
               <a:ext uri="{FF2B5EF4-FFF2-40B4-BE49-F238E27FC236}">
-                <a16:creationId xmlns="" xmlns:a16="http://schemas.microsoft.com/office/drawing/2014/main" id="{6B6D7F6B-C184-4C2B-8EB7-067E0C1E8DF2}"/>
+                <a16:creationId xmlns:a16="http://schemas.microsoft.com/office/drawing/2014/main" xmlns="" id="{6B6D7F6B-C184-4C2B-8EB7-067E0C1E8DF2}"/>
               </a:ext>
             </a:extLst>
           </p:cNvPr>
@@ -11756,7 +11649,7 @@
             <a:hlinkClick r:id="rId6"/>
             <a:extLst>
               <a:ext uri="{FF2B5EF4-FFF2-40B4-BE49-F238E27FC236}">
-                <a16:creationId xmlns="" xmlns:a16="http://schemas.microsoft.com/office/drawing/2014/main" id="{F376ABD1-4930-42EB-9A73-9A9C7C6BF2D3}"/>
+                <a16:creationId xmlns:a16="http://schemas.microsoft.com/office/drawing/2014/main" xmlns="" id="{F376ABD1-4930-42EB-9A73-9A9C7C6BF2D3}"/>
               </a:ext>
             </a:extLst>
           </p:cNvPr>
@@ -11802,7 +11695,7 @@
           <p:cNvPr id="13" name="Retângulo 43">
             <a:extLst>
               <a:ext uri="{FF2B5EF4-FFF2-40B4-BE49-F238E27FC236}">
-                <a16:creationId xmlns="" xmlns:a16="http://schemas.microsoft.com/office/drawing/2014/main" id="{25FC8637-25BD-4C09-AF25-56B4243DAB3D}"/>
+                <a16:creationId xmlns:a16="http://schemas.microsoft.com/office/drawing/2014/main" xmlns="" id="{25FC8637-25BD-4C09-AF25-56B4243DAB3D}"/>
               </a:ext>
             </a:extLst>
           </p:cNvPr>
@@ -11849,7 +11742,7 @@
           <p:cNvPr id="14" name="Retângulo 43">
             <a:extLst>
               <a:ext uri="{FF2B5EF4-FFF2-40B4-BE49-F238E27FC236}">
-                <a16:creationId xmlns="" xmlns:a16="http://schemas.microsoft.com/office/drawing/2014/main" id="{834ADCB4-BFB1-450D-8F6D-64217F4CD92C}"/>
+                <a16:creationId xmlns:a16="http://schemas.microsoft.com/office/drawing/2014/main" xmlns="" id="{834ADCB4-BFB1-450D-8F6D-64217F4CD92C}"/>
               </a:ext>
             </a:extLst>
           </p:cNvPr>
@@ -11929,7 +11822,7 @@
           <p:cNvPr id="10" name="Text Placeholder 13">
             <a:extLst>
               <a:ext uri="{FF2B5EF4-FFF2-40B4-BE49-F238E27FC236}">
-                <a16:creationId xmlns="" xmlns:a16="http://schemas.microsoft.com/office/drawing/2014/main" id="{7D1DC75A-C7A4-44A4-B19C-D445335545B0}"/>
+                <a16:creationId xmlns:a16="http://schemas.microsoft.com/office/drawing/2014/main" xmlns="" id="{7D1DC75A-C7A4-44A4-B19C-D445335545B0}"/>
               </a:ext>
             </a:extLst>
           </p:cNvPr>
@@ -11990,7 +11883,7 @@
           <p:cNvPr id="11" name="Text Placeholder 13">
             <a:extLst>
               <a:ext uri="{FF2B5EF4-FFF2-40B4-BE49-F238E27FC236}">
-                <a16:creationId xmlns="" xmlns:a16="http://schemas.microsoft.com/office/drawing/2014/main" id="{563879A0-0979-491A-8758-371BB7AD935B}"/>
+                <a16:creationId xmlns:a16="http://schemas.microsoft.com/office/drawing/2014/main" xmlns="" id="{563879A0-0979-491A-8758-371BB7AD935B}"/>
               </a:ext>
             </a:extLst>
           </p:cNvPr>
@@ -12048,7 +11941,7 @@
           <p:cNvPr id="9" name="Group 8">
             <a:extLst>
               <a:ext uri="{FF2B5EF4-FFF2-40B4-BE49-F238E27FC236}">
-                <a16:creationId xmlns="" xmlns:a16="http://schemas.microsoft.com/office/drawing/2014/main" id="{A76958A6-8FB1-445D-BB17-D619DC39E089}"/>
+                <a16:creationId xmlns:a16="http://schemas.microsoft.com/office/drawing/2014/main" xmlns="" id="{A76958A6-8FB1-445D-BB17-D619DC39E089}"/>
               </a:ext>
             </a:extLst>
           </p:cNvPr>
@@ -12068,7 +11961,7 @@
             <p:cNvPr id="12" name="Freeform: Shape 11">
               <a:extLst>
                 <a:ext uri="{FF2B5EF4-FFF2-40B4-BE49-F238E27FC236}">
-                  <a16:creationId xmlns="" xmlns:a16="http://schemas.microsoft.com/office/drawing/2014/main" id="{3C37792F-39D6-4A1F-BE84-103229E3E4C7}"/>
+                  <a16:creationId xmlns:a16="http://schemas.microsoft.com/office/drawing/2014/main" xmlns="" id="{3C37792F-39D6-4A1F-BE84-103229E3E4C7}"/>
                 </a:ext>
               </a:extLst>
             </p:cNvPr>
@@ -12359,7 +12252,7 @@
             <p:cNvPr id="13" name="Freeform 10">
               <a:extLst>
                 <a:ext uri="{FF2B5EF4-FFF2-40B4-BE49-F238E27FC236}">
-                  <a16:creationId xmlns="" xmlns:a16="http://schemas.microsoft.com/office/drawing/2014/main" id="{D9D750E2-E6DE-4123-9001-1391D1C49BBA}"/>
+                  <a16:creationId xmlns:a16="http://schemas.microsoft.com/office/drawing/2014/main" xmlns="" id="{D9D750E2-E6DE-4123-9001-1391D1C49BBA}"/>
                 </a:ext>
               </a:extLst>
             </p:cNvPr>
@@ -12510,7 +12403,7 @@
             <p:cNvPr id="14" name="Freeform 11">
               <a:extLst>
                 <a:ext uri="{FF2B5EF4-FFF2-40B4-BE49-F238E27FC236}">
-                  <a16:creationId xmlns="" xmlns:a16="http://schemas.microsoft.com/office/drawing/2014/main" id="{53936070-5445-4D5B-B6F0-A72D3CC87FBE}"/>
+                  <a16:creationId xmlns:a16="http://schemas.microsoft.com/office/drawing/2014/main" xmlns="" id="{53936070-5445-4D5B-B6F0-A72D3CC87FBE}"/>
                 </a:ext>
               </a:extLst>
             </p:cNvPr>
@@ -12692,7 +12585,7 @@
           <p:cNvPr id="8" name="Retângulo 43">
             <a:extLst>
               <a:ext uri="{FF2B5EF4-FFF2-40B4-BE49-F238E27FC236}">
-                <a16:creationId xmlns="" xmlns:a16="http://schemas.microsoft.com/office/drawing/2014/main" id="{834ADCB4-BFB1-450D-8F6D-64217F4CD92C}"/>
+                <a16:creationId xmlns:a16="http://schemas.microsoft.com/office/drawing/2014/main" xmlns="" id="{834ADCB4-BFB1-450D-8F6D-64217F4CD92C}"/>
               </a:ext>
             </a:extLst>
           </p:cNvPr>
@@ -12732,7 +12625,7 @@
           <p:cNvPr id="15" name="Retângulo 43">
             <a:extLst>
               <a:ext uri="{FF2B5EF4-FFF2-40B4-BE49-F238E27FC236}">
-                <a16:creationId xmlns="" xmlns:a16="http://schemas.microsoft.com/office/drawing/2014/main" id="{25FC8637-25BD-4C09-AF25-56B4243DAB3D}"/>
+                <a16:creationId xmlns:a16="http://schemas.microsoft.com/office/drawing/2014/main" xmlns="" id="{25FC8637-25BD-4C09-AF25-56B4243DAB3D}"/>
               </a:ext>
             </a:extLst>
           </p:cNvPr>
@@ -12780,7 +12673,7 @@
             <a:hlinkClick r:id="rId2"/>
             <a:extLst>
               <a:ext uri="{FF2B5EF4-FFF2-40B4-BE49-F238E27FC236}">
-                <a16:creationId xmlns="" xmlns:a16="http://schemas.microsoft.com/office/drawing/2014/main" id="{F376ABD1-4930-42EB-9A73-9A9C7C6BF2D3}"/>
+                <a16:creationId xmlns:a16="http://schemas.microsoft.com/office/drawing/2014/main" xmlns="" id="{F376ABD1-4930-42EB-9A73-9A9C7C6BF2D3}"/>
               </a:ext>
             </a:extLst>
           </p:cNvPr>
@@ -12856,7 +12749,7 @@
           <p:cNvPr id="3" name="Retângulo 43">
             <a:extLst>
               <a:ext uri="{FF2B5EF4-FFF2-40B4-BE49-F238E27FC236}">
-                <a16:creationId xmlns="" xmlns:a16="http://schemas.microsoft.com/office/drawing/2014/main" id="{25FC8637-25BD-4C09-AF25-56B4243DAB3D}"/>
+                <a16:creationId xmlns:a16="http://schemas.microsoft.com/office/drawing/2014/main" xmlns="" id="{25FC8637-25BD-4C09-AF25-56B4243DAB3D}"/>
               </a:ext>
             </a:extLst>
           </p:cNvPr>
@@ -12909,7 +12802,7 @@
           <p:cNvPr id="7" name="Conector reto 49">
             <a:extLst>
               <a:ext uri="{FF2B5EF4-FFF2-40B4-BE49-F238E27FC236}">
-                <a16:creationId xmlns="" xmlns:a16="http://schemas.microsoft.com/office/drawing/2014/main" id="{6B6D7F6B-C184-4C2B-8EB7-067E0C1E8DF2}"/>
+                <a16:creationId xmlns:a16="http://schemas.microsoft.com/office/drawing/2014/main" xmlns="" id="{6B6D7F6B-C184-4C2B-8EB7-067E0C1E8DF2}"/>
               </a:ext>
             </a:extLst>
           </p:cNvPr>
@@ -12957,7 +12850,7 @@
             <a:hlinkClick r:id="rId2"/>
             <a:extLst>
               <a:ext uri="{FF2B5EF4-FFF2-40B4-BE49-F238E27FC236}">
-                <a16:creationId xmlns="" xmlns:a16="http://schemas.microsoft.com/office/drawing/2014/main" id="{F376ABD1-4930-42EB-9A73-9A9C7C6BF2D3}"/>
+                <a16:creationId xmlns:a16="http://schemas.microsoft.com/office/drawing/2014/main" xmlns="" id="{F376ABD1-4930-42EB-9A73-9A9C7C6BF2D3}"/>
               </a:ext>
             </a:extLst>
           </p:cNvPr>
@@ -13003,7 +12896,7 @@
           <p:cNvPr id="9" name="Retângulo 43">
             <a:extLst>
               <a:ext uri="{FF2B5EF4-FFF2-40B4-BE49-F238E27FC236}">
-                <a16:creationId xmlns="" xmlns:a16="http://schemas.microsoft.com/office/drawing/2014/main" id="{834ADCB4-BFB1-450D-8F6D-64217F4CD92C}"/>
+                <a16:creationId xmlns:a16="http://schemas.microsoft.com/office/drawing/2014/main" xmlns="" id="{834ADCB4-BFB1-450D-8F6D-64217F4CD92C}"/>
               </a:ext>
             </a:extLst>
           </p:cNvPr>
@@ -13045,7 +12938,7 @@
           <p:cNvPr id="6" name="Title Placeholder 1">
             <a:extLst>
               <a:ext uri="{FF2B5EF4-FFF2-40B4-BE49-F238E27FC236}">
-                <a16:creationId xmlns="" xmlns:a16="http://schemas.microsoft.com/office/drawing/2014/main" id="{F2EB016D-CF9A-4584-982E-40465F70132F}"/>
+                <a16:creationId xmlns:a16="http://schemas.microsoft.com/office/drawing/2014/main" xmlns="" id="{F2EB016D-CF9A-4584-982E-40465F70132F}"/>
               </a:ext>
             </a:extLst>
           </p:cNvPr>
@@ -13309,7 +13202,7 @@
           <p:cNvPr id="3" name="Retângulo 43">
             <a:extLst>
               <a:ext uri="{FF2B5EF4-FFF2-40B4-BE49-F238E27FC236}">
-                <a16:creationId xmlns="" xmlns:a16="http://schemas.microsoft.com/office/drawing/2014/main" id="{25FC8637-25BD-4C09-AF25-56B4243DAB3D}"/>
+                <a16:creationId xmlns:a16="http://schemas.microsoft.com/office/drawing/2014/main" xmlns="" id="{25FC8637-25BD-4C09-AF25-56B4243DAB3D}"/>
               </a:ext>
             </a:extLst>
           </p:cNvPr>
@@ -13362,7 +13255,7 @@
           <p:cNvPr id="8" name="Conector reto 49">
             <a:extLst>
               <a:ext uri="{FF2B5EF4-FFF2-40B4-BE49-F238E27FC236}">
-                <a16:creationId xmlns="" xmlns:a16="http://schemas.microsoft.com/office/drawing/2014/main" id="{6B6D7F6B-C184-4C2B-8EB7-067E0C1E8DF2}"/>
+                <a16:creationId xmlns:a16="http://schemas.microsoft.com/office/drawing/2014/main" xmlns="" id="{6B6D7F6B-C184-4C2B-8EB7-067E0C1E8DF2}"/>
               </a:ext>
             </a:extLst>
           </p:cNvPr>
@@ -13410,7 +13303,7 @@
             <a:hlinkClick r:id="rId2"/>
             <a:extLst>
               <a:ext uri="{FF2B5EF4-FFF2-40B4-BE49-F238E27FC236}">
-                <a16:creationId xmlns="" xmlns:a16="http://schemas.microsoft.com/office/drawing/2014/main" id="{F376ABD1-4930-42EB-9A73-9A9C7C6BF2D3}"/>
+                <a16:creationId xmlns:a16="http://schemas.microsoft.com/office/drawing/2014/main" xmlns="" id="{F376ABD1-4930-42EB-9A73-9A9C7C6BF2D3}"/>
               </a:ext>
             </a:extLst>
           </p:cNvPr>
@@ -13456,7 +13349,7 @@
           <p:cNvPr id="10" name="Retângulo 43">
             <a:extLst>
               <a:ext uri="{FF2B5EF4-FFF2-40B4-BE49-F238E27FC236}">
-                <a16:creationId xmlns="" xmlns:a16="http://schemas.microsoft.com/office/drawing/2014/main" id="{834ADCB4-BFB1-450D-8F6D-64217F4CD92C}"/>
+                <a16:creationId xmlns:a16="http://schemas.microsoft.com/office/drawing/2014/main" xmlns="" id="{834ADCB4-BFB1-450D-8F6D-64217F4CD92C}"/>
               </a:ext>
             </a:extLst>
           </p:cNvPr>
@@ -13533,7 +13426,7 @@
           <p:cNvPr id="4" name="Title Placeholder 3">
             <a:extLst>
               <a:ext uri="{FF2B5EF4-FFF2-40B4-BE49-F238E27FC236}">
-                <a16:creationId xmlns="" xmlns:a16="http://schemas.microsoft.com/office/drawing/2014/main" id="{509B218C-0963-489A-AA77-3748FFA421C5}"/>
+                <a16:creationId xmlns:a16="http://schemas.microsoft.com/office/drawing/2014/main" xmlns="" id="{509B218C-0963-489A-AA77-3748FFA421C5}"/>
               </a:ext>
             </a:extLst>
           </p:cNvPr>
@@ -13572,7 +13465,7 @@
           <p:cNvPr id="5" name="Text Placeholder 4">
             <a:extLst>
               <a:ext uri="{FF2B5EF4-FFF2-40B4-BE49-F238E27FC236}">
-                <a16:creationId xmlns="" xmlns:a16="http://schemas.microsoft.com/office/drawing/2014/main" id="{A4D17236-A440-4453-A69C-BE3728C11608}"/>
+                <a16:creationId xmlns:a16="http://schemas.microsoft.com/office/drawing/2014/main" xmlns="" id="{A4D17236-A440-4453-A69C-BE3728C11608}"/>
               </a:ext>
             </a:extLst>
           </p:cNvPr>
@@ -13931,7 +13824,7 @@
   </p:txStyles>
   <p:extLst mod="1">
     <p:ext uri="{27BBF7A9-308A-43DC-89C8-2F10F3537804}">
-      <p15:sldGuideLst xmlns:p15="http://schemas.microsoft.com/office/powerpoint/2012/main">
+      <p15:sldGuideLst xmlns:p15="http://schemas.microsoft.com/office/powerpoint/2012/main" xmlns="">
         <p15:guide id="1" orient="horz" pos="4065" userDrawn="1">
           <p15:clr>
             <a:srgbClr val="F26B43"/>
@@ -14059,7 +13952,7 @@
           <p:cNvPr id="8" name="Title Placeholder 1">
             <a:extLst>
               <a:ext uri="{FF2B5EF4-FFF2-40B4-BE49-F238E27FC236}">
-                <a16:creationId xmlns="" xmlns:a16="http://schemas.microsoft.com/office/drawing/2014/main" id="{366C6B93-5A4F-43B7-84C4-C42EC870AB53}"/>
+                <a16:creationId xmlns:a16="http://schemas.microsoft.com/office/drawing/2014/main" xmlns="" id="{366C6B93-5A4F-43B7-84C4-C42EC870AB53}"/>
               </a:ext>
             </a:extLst>
           </p:cNvPr>
@@ -14103,7 +13996,7 @@
           <p:cNvPr id="9" name="Text Placeholder 2">
             <a:extLst>
               <a:ext uri="{FF2B5EF4-FFF2-40B4-BE49-F238E27FC236}">
-                <a16:creationId xmlns="" xmlns:a16="http://schemas.microsoft.com/office/drawing/2014/main" id="{AF310831-D03E-404B-934F-73B268225B7E}"/>
+                <a16:creationId xmlns:a16="http://schemas.microsoft.com/office/drawing/2014/main" xmlns="" id="{AF310831-D03E-404B-934F-73B268225B7E}"/>
               </a:ext>
             </a:extLst>
           </p:cNvPr>
@@ -14163,7 +14056,7 @@
           <p:cNvPr id="5" name="Graphic 4">
             <a:extLst>
               <a:ext uri="{FF2B5EF4-FFF2-40B4-BE49-F238E27FC236}">
-                <a16:creationId xmlns="" xmlns:a16="http://schemas.microsoft.com/office/drawing/2014/main" id="{25EEA1D4-3AF7-42D7-AE97-AE404AECFAEB}"/>
+                <a16:creationId xmlns:a16="http://schemas.microsoft.com/office/drawing/2014/main" xmlns="" id="{25EEA1D4-3AF7-42D7-AE97-AE404AECFAEB}"/>
               </a:ext>
             </a:extLst>
           </p:cNvPr>
@@ -14176,7 +14069,7 @@
           <a:blip r:embed="rId3" cstate="print">
             <a:extLst>
               <a:ext uri="{96DAC541-7B7A-43D3-8B79-37D633B846F1}">
-                <asvg:svgBlip xmlns="" xmlns:asvg="http://schemas.microsoft.com/office/drawing/2016/SVG/main" r:embed="rId4"/>
+                <asvg:svgBlip xmlns:asvg="http://schemas.microsoft.com/office/drawing/2016/SVG/main" xmlns="" r:embed="rId4"/>
               </a:ext>
             </a:extLst>
           </a:blip>
@@ -14507,7 +14400,7 @@
   </p:txStyles>
   <p:extLst mod="1">
     <p:ext uri="{27BBF7A9-308A-43DC-89C8-2F10F3537804}">
-      <p15:sldGuideLst xmlns:p15="http://schemas.microsoft.com/office/powerpoint/2012/main">
+      <p15:sldGuideLst xmlns:p15="http://schemas.microsoft.com/office/powerpoint/2012/main" xmlns="">
         <p15:guide id="1" orient="horz" pos="255" userDrawn="1">
           <p15:clr>
             <a:srgbClr val="F26B43"/>
@@ -14574,7 +14467,7 @@
           <p:cNvPr id="2" name="Title Placeholder 1">
             <a:extLst>
               <a:ext uri="{FF2B5EF4-FFF2-40B4-BE49-F238E27FC236}">
-                <a16:creationId xmlns="" xmlns:a16="http://schemas.microsoft.com/office/drawing/2014/main" id="{F2EB016D-CF9A-4584-982E-40465F70132F}"/>
+                <a16:creationId xmlns:a16="http://schemas.microsoft.com/office/drawing/2014/main" xmlns="" id="{F2EB016D-CF9A-4584-982E-40465F70132F}"/>
               </a:ext>
             </a:extLst>
           </p:cNvPr>
@@ -14618,7 +14511,7 @@
           <p:cNvPr id="9" name="Graphic 4">
             <a:extLst>
               <a:ext uri="{FF2B5EF4-FFF2-40B4-BE49-F238E27FC236}">
-                <a16:creationId xmlns="" xmlns:a16="http://schemas.microsoft.com/office/drawing/2014/main" id="{25EEA1D4-3AF7-42D7-AE97-AE404AECFAEB}"/>
+                <a16:creationId xmlns:a16="http://schemas.microsoft.com/office/drawing/2014/main" xmlns="" id="{25EEA1D4-3AF7-42D7-AE97-AE404AECFAEB}"/>
               </a:ext>
             </a:extLst>
           </p:cNvPr>
@@ -14631,7 +14524,7 @@
           <a:blip r:embed="rId12" cstate="print">
             <a:extLst>
               <a:ext uri="{96DAC541-7B7A-43D3-8B79-37D633B846F1}">
-                <asvg:svgBlip xmlns="" xmlns:asvg="http://schemas.microsoft.com/office/drawing/2016/SVG/main" r:embed="rId14"/>
+                <asvg:svgBlip xmlns:asvg="http://schemas.microsoft.com/office/drawing/2016/SVG/main" xmlns="" r:embed="rId14"/>
               </a:ext>
             </a:extLst>
           </a:blip>
@@ -14653,7 +14546,7 @@
           <p:cNvPr id="13" name="Text Placeholder 2">
             <a:extLst>
               <a:ext uri="{FF2B5EF4-FFF2-40B4-BE49-F238E27FC236}">
-                <a16:creationId xmlns="" xmlns:a16="http://schemas.microsoft.com/office/drawing/2014/main" id="{AF310831-D03E-404B-934F-73B268225B7E}"/>
+                <a16:creationId xmlns:a16="http://schemas.microsoft.com/office/drawing/2014/main" xmlns="" id="{AF310831-D03E-404B-934F-73B268225B7E}"/>
               </a:ext>
             </a:extLst>
           </p:cNvPr>
@@ -16678,7 +16571,7 @@
   </p:txStyles>
   <p:extLst mod="1">
     <p:ext uri="{27BBF7A9-308A-43DC-89C8-2F10F3537804}">
-      <p15:sldGuideLst xmlns:p15="http://schemas.microsoft.com/office/powerpoint/2012/main">
+      <p15:sldGuideLst xmlns:p15="http://schemas.microsoft.com/office/powerpoint/2012/main" xmlns="">
         <p15:guide id="1" orient="horz" pos="255" userDrawn="1">
           <p15:clr>
             <a:srgbClr val="F26B43"/>
@@ -16806,7 +16699,7 @@
           <p:cNvPr id="13" name="Graphic 4">
             <a:extLst>
               <a:ext uri="{FF2B5EF4-FFF2-40B4-BE49-F238E27FC236}">
-                <a16:creationId xmlns="" xmlns:a16="http://schemas.microsoft.com/office/drawing/2014/main" id="{25EEA1D4-3AF7-42D7-AE97-AE404AECFAEB}"/>
+                <a16:creationId xmlns:a16="http://schemas.microsoft.com/office/drawing/2014/main" xmlns="" id="{25EEA1D4-3AF7-42D7-AE97-AE404AECFAEB}"/>
               </a:ext>
             </a:extLst>
           </p:cNvPr>
@@ -16819,7 +16712,7 @@
           <a:blip r:embed="rId2" cstate="print">
             <a:extLst>
               <a:ext uri="{96DAC541-7B7A-43D3-8B79-37D633B846F1}">
-                <asvg:svgBlip xmlns="" xmlns:asvg="http://schemas.microsoft.com/office/drawing/2016/SVG/main" r:embed="rId3"/>
+                <asvg:svgBlip xmlns:asvg="http://schemas.microsoft.com/office/drawing/2016/SVG/main" xmlns="" r:embed="rId3"/>
               </a:ext>
             </a:extLst>
           </a:blip>
@@ -16841,7 +16734,7 @@
           <p:cNvPr id="14" name="Title Placeholder 1">
             <a:extLst>
               <a:ext uri="{FF2B5EF4-FFF2-40B4-BE49-F238E27FC236}">
-                <a16:creationId xmlns="" xmlns:a16="http://schemas.microsoft.com/office/drawing/2014/main" id="{F2EB016D-CF9A-4584-982E-40465F70132F}"/>
+                <a16:creationId xmlns:a16="http://schemas.microsoft.com/office/drawing/2014/main" xmlns="" id="{F2EB016D-CF9A-4584-982E-40465F70132F}"/>
               </a:ext>
             </a:extLst>
           </p:cNvPr>
@@ -16885,7 +16778,7 @@
           <p:cNvPr id="15" name="Text Placeholder 2">
             <a:extLst>
               <a:ext uri="{FF2B5EF4-FFF2-40B4-BE49-F238E27FC236}">
-                <a16:creationId xmlns="" xmlns:a16="http://schemas.microsoft.com/office/drawing/2014/main" id="{AF310831-D03E-404B-934F-73B268225B7E}"/>
+                <a16:creationId xmlns:a16="http://schemas.microsoft.com/office/drawing/2014/main" xmlns="" id="{AF310831-D03E-404B-934F-73B268225B7E}"/>
               </a:ext>
             </a:extLst>
           </p:cNvPr>
@@ -18898,7 +18791,7 @@
   </p:txStyles>
   <p:extLst mod="1">
     <p:ext uri="{27BBF7A9-308A-43DC-89C8-2F10F3537804}">
-      <p15:sldGuideLst xmlns:p15="http://schemas.microsoft.com/office/powerpoint/2012/main">
+      <p15:sldGuideLst xmlns:p15="http://schemas.microsoft.com/office/powerpoint/2012/main" xmlns="">
         <p15:guide id="1" orient="horz" pos="255" userDrawn="1">
           <p15:clr>
             <a:srgbClr val="F26B43"/>
@@ -19179,28 +19072,6 @@
           </a:p>
         </p:txBody>
       </p:sp>
-      <p:graphicFrame>
-        <p:nvGraphicFramePr>
-          <p:cNvPr id="22" name="Diagram 21"/>
-          <p:cNvGraphicFramePr/>
-          <p:nvPr>
-            <p:extLst>
-              <p:ext uri="{D42A27DB-BD31-4B8C-83A1-F6EECF244321}">
-                <p14:modId xmlns:p14="http://schemas.microsoft.com/office/powerpoint/2010/main" val="3783579562"/>
-              </p:ext>
-            </p:extLst>
-          </p:nvPr>
-        </p:nvGraphicFramePr>
-        <p:xfrm>
-          <a:off x="3863752" y="2200534"/>
-          <a:ext cx="9344846" cy="4441004"/>
-        </p:xfrm>
-        <a:graphic>
-          <a:graphicData uri="http://schemas.openxmlformats.org/drawingml/2006/diagram">
-            <dgm:relIds xmlns:dgm="http://schemas.openxmlformats.org/drawingml/2006/diagram" xmlns:r="http://schemas.openxmlformats.org/officeDocument/2006/relationships" r:dm="rId7" r:lo="rId8" r:qs="rId9" r:cs="rId10"/>
-          </a:graphicData>
-        </a:graphic>
-      </p:graphicFrame>
       <p:sp>
         <p:nvSpPr>
           <p:cNvPr id="23" name="TextBox 22"/>
@@ -19231,6 +19102,36 @@
           </a:p>
         </p:txBody>
       </p:sp>
+      <p:pic>
+        <p:nvPicPr>
+          <p:cNvPr id="3" name="Picture 2"/>
+          <p:cNvPicPr>
+            <a:picLocks noChangeAspect="1"/>
+          </p:cNvPicPr>
+          <p:nvPr/>
+        </p:nvPicPr>
+        <p:blipFill>
+          <a:blip r:embed="rId7">
+            <a:extLst>
+              <a:ext uri="{28A0092B-C50C-407E-A947-70E740481C1C}">
+                <a14:useLocalDpi xmlns:a14="http://schemas.microsoft.com/office/drawing/2010/main" val="0"/>
+              </a:ext>
+            </a:extLst>
+          </a:blip>
+          <a:stretch>
+            <a:fillRect/>
+          </a:stretch>
+        </p:blipFill>
+        <p:spPr>
+          <a:xfrm>
+            <a:off x="6300342" y="2457108"/>
+            <a:ext cx="4675224" cy="4400892"/>
+          </a:xfrm>
+          <a:prstGeom prst="rect">
+            <a:avLst/>
+          </a:prstGeom>
+        </p:spPr>
+      </p:pic>
     </p:spTree>
     <p:extLst>
       <p:ext uri="{BB962C8B-B14F-4D97-AF65-F5344CB8AC3E}">
@@ -20090,242 +19991,31 @@
           </a:p>
         </p:txBody>
       </p:sp>
-      <p:sp>
-        <p:nvSpPr>
-          <p:cNvPr id="3" name="Content Placeholder 2"/>
-          <p:cNvSpPr>
-            <a:spLocks noGrp="1"/>
-          </p:cNvSpPr>
+      <p:graphicFrame>
+        <p:nvGraphicFramePr>
+          <p:cNvPr id="4" name="Content Placeholder 3"/>
+          <p:cNvGraphicFramePr>
+            <a:graphicFrameLocks noGrp="1"/>
+          </p:cNvGraphicFramePr>
           <p:nvPr>
             <p:ph sz="quarter" idx="10"/>
+            <p:extLst>
+              <p:ext uri="{D42A27DB-BD31-4B8C-83A1-F6EECF244321}">
+                <p14:modId xmlns:p14="http://schemas.microsoft.com/office/powerpoint/2010/main" val="1051764486"/>
+              </p:ext>
+            </p:extLst>
           </p:nvPr>
-        </p:nvSpPr>
-        <p:spPr>
-          <a:xfrm>
-            <a:off x="407988" y="1082802"/>
-            <a:ext cx="11160125" cy="4824412"/>
-          </a:xfrm>
-        </p:spPr>
-        <p:txBody>
-          <a:bodyPr/>
-          <a:lstStyle/>
-          <a:p>
-            <a:endParaRPr lang="en-US" dirty="0"/>
-          </a:p>
-        </p:txBody>
-      </p:sp>
-      <p:sp>
-        <p:nvSpPr>
-          <p:cNvPr id="8" name="Oval 7"/>
-          <p:cNvSpPr/>
-          <p:nvPr/>
-        </p:nvSpPr>
-        <p:spPr>
-          <a:xfrm>
-            <a:off x="4367808" y="1268760"/>
-            <a:ext cx="3096344" cy="792088"/>
-          </a:xfrm>
-          <a:prstGeom prst="ellipse">
-            <a:avLst/>
-          </a:prstGeom>
-        </p:spPr>
-        <p:style>
-          <a:lnRef idx="2">
-            <a:schemeClr val="dk1"/>
-          </a:lnRef>
-          <a:fillRef idx="1">
-            <a:schemeClr val="lt1"/>
-          </a:fillRef>
-          <a:effectRef idx="0">
-            <a:schemeClr val="dk1"/>
-          </a:effectRef>
-          <a:fontRef idx="minor">
-            <a:schemeClr val="dk1"/>
-          </a:fontRef>
-        </p:style>
-        <p:txBody>
-          <a:bodyPr rtlCol="0" anchor="ctr"/>
-          <a:lstStyle/>
-          <a:p>
-            <a:pPr algn="ctr"/>
-            <a:endParaRPr lang="en-US"/>
-          </a:p>
-        </p:txBody>
-      </p:sp>
-      <p:cxnSp>
-        <p:nvCxnSpPr>
-          <p:cNvPr id="10" name="Straight Connector 9"/>
-          <p:cNvCxnSpPr/>
-          <p:nvPr/>
-        </p:nvCxnSpPr>
-        <p:spPr>
-          <a:xfrm>
-            <a:off x="5951984" y="2060848"/>
-            <a:ext cx="0" cy="504056"/>
-          </a:xfrm>
-          <a:prstGeom prst="line">
-            <a:avLst/>
-          </a:prstGeom>
-        </p:spPr>
-        <p:style>
-          <a:lnRef idx="1">
-            <a:schemeClr val="dk1"/>
-          </a:lnRef>
-          <a:fillRef idx="0">
-            <a:schemeClr val="dk1"/>
-          </a:fillRef>
-          <a:effectRef idx="0">
-            <a:schemeClr val="dk1"/>
-          </a:effectRef>
-          <a:fontRef idx="minor">
-            <a:schemeClr val="tx1"/>
-          </a:fontRef>
-        </p:style>
-      </p:cxnSp>
-      <p:cxnSp>
-        <p:nvCxnSpPr>
-          <p:cNvPr id="12" name="Straight Connector 11"/>
-          <p:cNvCxnSpPr/>
-          <p:nvPr/>
-        </p:nvCxnSpPr>
-        <p:spPr>
-          <a:xfrm>
-            <a:off x="4151784" y="2581131"/>
-            <a:ext cx="3816424" cy="0"/>
-          </a:xfrm>
-          <a:prstGeom prst="line">
-            <a:avLst/>
-          </a:prstGeom>
-        </p:spPr>
-        <p:style>
-          <a:lnRef idx="1">
-            <a:schemeClr val="dk1"/>
-          </a:lnRef>
-          <a:fillRef idx="0">
-            <a:schemeClr val="dk1"/>
-          </a:fillRef>
-          <a:effectRef idx="0">
-            <a:schemeClr val="dk1"/>
-          </a:effectRef>
-          <a:fontRef idx="minor">
-            <a:schemeClr val="tx1"/>
-          </a:fontRef>
-        </p:style>
-      </p:cxnSp>
-      <p:sp>
-        <p:nvSpPr>
-          <p:cNvPr id="15" name="Oval 14"/>
-          <p:cNvSpPr/>
-          <p:nvPr/>
-        </p:nvSpPr>
-        <p:spPr>
-          <a:xfrm>
-            <a:off x="1847528" y="3056041"/>
-            <a:ext cx="2520280" cy="792088"/>
-          </a:xfrm>
-          <a:prstGeom prst="ellipse">
-            <a:avLst/>
-          </a:prstGeom>
-        </p:spPr>
-        <p:style>
-          <a:lnRef idx="2">
-            <a:schemeClr val="dk1"/>
-          </a:lnRef>
-          <a:fillRef idx="1">
-            <a:schemeClr val="lt1"/>
-          </a:fillRef>
-          <a:effectRef idx="0">
-            <a:schemeClr val="dk1"/>
-          </a:effectRef>
-          <a:fontRef idx="minor">
-            <a:schemeClr val="dk1"/>
-          </a:fontRef>
-        </p:style>
-        <p:txBody>
-          <a:bodyPr rtlCol="0" anchor="ctr"/>
-          <a:lstStyle/>
-          <a:p>
-            <a:pPr algn="ctr"/>
-            <a:endParaRPr lang="en-US"/>
-          </a:p>
-        </p:txBody>
-      </p:sp>
-      <p:sp>
-        <p:nvSpPr>
-          <p:cNvPr id="17" name="Oval 16"/>
-          <p:cNvSpPr/>
-          <p:nvPr/>
-        </p:nvSpPr>
-        <p:spPr>
-          <a:xfrm>
-            <a:off x="4799856" y="3054486"/>
-            <a:ext cx="2520280" cy="792088"/>
-          </a:xfrm>
-          <a:prstGeom prst="ellipse">
-            <a:avLst/>
-          </a:prstGeom>
-        </p:spPr>
-        <p:style>
-          <a:lnRef idx="2">
-            <a:schemeClr val="dk1"/>
-          </a:lnRef>
-          <a:fillRef idx="1">
-            <a:schemeClr val="lt1"/>
-          </a:fillRef>
-          <a:effectRef idx="0">
-            <a:schemeClr val="dk1"/>
-          </a:effectRef>
-          <a:fontRef idx="minor">
-            <a:schemeClr val="dk1"/>
-          </a:fontRef>
-        </p:style>
-        <p:txBody>
-          <a:bodyPr rtlCol="0" anchor="ctr"/>
-          <a:lstStyle/>
-          <a:p>
-            <a:pPr algn="ctr"/>
-            <a:endParaRPr lang="en-US"/>
-          </a:p>
-        </p:txBody>
-      </p:sp>
-      <p:sp>
-        <p:nvSpPr>
-          <p:cNvPr id="19" name="Oval 18"/>
-          <p:cNvSpPr/>
-          <p:nvPr/>
-        </p:nvSpPr>
-        <p:spPr>
-          <a:xfrm>
-            <a:off x="7726626" y="3054486"/>
-            <a:ext cx="2520280" cy="792088"/>
-          </a:xfrm>
-          <a:prstGeom prst="ellipse">
-            <a:avLst/>
-          </a:prstGeom>
-        </p:spPr>
-        <p:style>
-          <a:lnRef idx="2">
-            <a:schemeClr val="dk1"/>
-          </a:lnRef>
-          <a:fillRef idx="1">
-            <a:schemeClr val="lt1"/>
-          </a:fillRef>
-          <a:effectRef idx="0">
-            <a:schemeClr val="dk1"/>
-          </a:effectRef>
-          <a:fontRef idx="minor">
-            <a:schemeClr val="dk1"/>
-          </a:fontRef>
-        </p:style>
-        <p:txBody>
-          <a:bodyPr rtlCol="0" anchor="ctr"/>
-          <a:lstStyle/>
-          <a:p>
-            <a:pPr algn="ctr"/>
-            <a:endParaRPr lang="en-US"/>
-          </a:p>
-        </p:txBody>
-      </p:sp>
+        </p:nvGraphicFramePr>
+        <p:xfrm>
+          <a:off x="-456107" y="1092363"/>
+          <a:ext cx="5904035" cy="2994397"/>
+        </p:xfrm>
+        <a:graphic>
+          <a:graphicData uri="http://schemas.openxmlformats.org/drawingml/2006/diagram">
+            <dgm:relIds xmlns:dgm="http://schemas.openxmlformats.org/drawingml/2006/diagram" xmlns:r="http://schemas.openxmlformats.org/officeDocument/2006/relationships" r:dm="rId2" r:lo="rId3" r:qs="rId4" r:cs="rId5"/>
+          </a:graphicData>
+        </a:graphic>
+      </p:graphicFrame>
       <p:cxnSp>
         <p:nvCxnSpPr>
           <p:cNvPr id="21" name="Straight Connector 20"/>
@@ -20356,6 +20046,36 @@
           </a:fontRef>
         </p:style>
       </p:cxnSp>
+      <p:pic>
+        <p:nvPicPr>
+          <p:cNvPr id="5" name="Picture 4"/>
+          <p:cNvPicPr>
+            <a:picLocks noChangeAspect="1"/>
+          </p:cNvPicPr>
+          <p:nvPr/>
+        </p:nvPicPr>
+        <p:blipFill>
+          <a:blip r:embed="rId7">
+            <a:extLst>
+              <a:ext uri="{28A0092B-C50C-407E-A947-70E740481C1C}">
+                <a14:useLocalDpi xmlns:a14="http://schemas.microsoft.com/office/drawing/2010/main" val="0"/>
+              </a:ext>
+            </a:extLst>
+          </a:blip>
+          <a:stretch>
+            <a:fillRect/>
+          </a:stretch>
+        </p:blipFill>
+        <p:spPr>
+          <a:xfrm>
+            <a:off x="5015880" y="1196752"/>
+            <a:ext cx="7096816" cy="5112568"/>
+          </a:xfrm>
+          <a:prstGeom prst="rect">
+            <a:avLst/>
+          </a:prstGeom>
+        </p:spPr>
+      </p:pic>
     </p:spTree>
     <p:extLst>
       <p:ext uri="{BB962C8B-B14F-4D97-AF65-F5344CB8AC3E}">
@@ -20571,7 +20291,7 @@
   <a:extraClrSchemeLst/>
   <a:extLst>
     <a:ext uri="{05A4C25C-085E-4340-85A3-A5531E510DB2}">
-      <thm15:themeFamily xmlns:thm15="http://schemas.microsoft.com/office/thememl/2012/main" name="Présentation1" id="{F4EDDD86-B8A8-46E1-81BA-C40220CF151C}" vid="{D76BB8BF-901C-4709-A70B-B9D859909653}"/>
+      <thm15:themeFamily xmlns:thm15="http://schemas.microsoft.com/office/thememl/2012/main" xmlns="" name="Présentation1" id="{F4EDDD86-B8A8-46E1-81BA-C40220CF151C}" vid="{D76BB8BF-901C-4709-A70B-B9D859909653}"/>
     </a:ext>
   </a:extLst>
 </a:theme>
@@ -20772,7 +20492,7 @@
   <a:extraClrSchemeLst/>
   <a:extLst>
     <a:ext uri="{05A4C25C-085E-4340-85A3-A5531E510DB2}">
-      <thm15:themeFamily xmlns:thm15="http://schemas.microsoft.com/office/thememl/2012/main" name="Présentation1" id="{F4EDDD86-B8A8-46E1-81BA-C40220CF151C}" vid="{B504A320-BF0C-4A8E-8664-9644A9AF95DC}"/>
+      <thm15:themeFamily xmlns:thm15="http://schemas.microsoft.com/office/thememl/2012/main" xmlns="" name="Présentation1" id="{F4EDDD86-B8A8-46E1-81BA-C40220CF151C}" vid="{B504A320-BF0C-4A8E-8664-9644A9AF95DC}"/>
     </a:ext>
   </a:extLst>
 </a:theme>
@@ -20973,7 +20693,7 @@
   <a:extraClrSchemeLst/>
   <a:extLst>
     <a:ext uri="{05A4C25C-085E-4340-85A3-A5531E510DB2}">
-      <thm15:themeFamily xmlns:thm15="http://schemas.microsoft.com/office/thememl/2012/main" name="Présentation1" id="{F4EDDD86-B8A8-46E1-81BA-C40220CF151C}" vid="{14D83F11-89F6-4441-B5DC-94FD0DFB8031}"/>
+      <thm15:themeFamily xmlns:thm15="http://schemas.microsoft.com/office/thememl/2012/main" xmlns="" name="Présentation1" id="{F4EDDD86-B8A8-46E1-81BA-C40220CF151C}" vid="{14D83F11-89F6-4441-B5DC-94FD0DFB8031}"/>
     </a:ext>
   </a:extLst>
 </a:theme>
@@ -21174,7 +20894,7 @@
   <a:extraClrSchemeLst/>
   <a:extLst>
     <a:ext uri="{05A4C25C-085E-4340-85A3-A5531E510DB2}">
-      <thm15:themeFamily xmlns:thm15="http://schemas.microsoft.com/office/thememl/2012/main" name="Présentation1" id="{F4EDDD86-B8A8-46E1-81BA-C40220CF151C}" vid="{B065CD12-128C-4DBC-873E-82FC4B88A761}"/>
+      <thm15:themeFamily xmlns:thm15="http://schemas.microsoft.com/office/thememl/2012/main" xmlns="" name="Présentation1" id="{F4EDDD86-B8A8-46E1-81BA-C40220CF151C}" vid="{B065CD12-128C-4DBC-873E-82FC4B88A761}"/>
     </a:ext>
   </a:extLst>
 </a:theme>
@@ -21469,7 +21189,7 @@
   <a:extraClrSchemeLst/>
   <a:extLst>
     <a:ext uri="{05A4C25C-085E-4340-85A3-A5531E510DB2}">
-      <thm15:themeFamily xmlns:thm15="http://schemas.microsoft.com/office/thememl/2012/main" name="Office Theme" id="{62F939B6-93AF-4DB8-9C6B-D6C7DFDC589F}" vid="{4A3C46E8-61CC-4603-A589-7422A47A8E4A}"/>
+      <thm15:themeFamily xmlns:thm15="http://schemas.microsoft.com/office/thememl/2012/main" xmlns="" name="Office Theme" id="{62F939B6-93AF-4DB8-9C6B-D6C7DFDC589F}" vid="{4A3C46E8-61CC-4603-A589-7422A47A8E4A}"/>
     </a:ext>
   </a:extLst>
 </a:theme>
@@ -21764,7 +21484,7 @@
   <a:extraClrSchemeLst/>
   <a:extLst>
     <a:ext uri="{05A4C25C-085E-4340-85A3-A5531E510DB2}">
-      <thm15:themeFamily xmlns:thm15="http://schemas.microsoft.com/office/thememl/2012/main" name="Office Theme" id="{62F939B6-93AF-4DB8-9C6B-D6C7DFDC589F}" vid="{4A3C46E8-61CC-4603-A589-7422A47A8E4A}"/>
+      <thm15:themeFamily xmlns:thm15="http://schemas.microsoft.com/office/thememl/2012/main" xmlns="" name="Office Theme" id="{62F939B6-93AF-4DB8-9C6B-D6C7DFDC589F}" vid="{4A3C46E8-61CC-4603-A589-7422A47A8E4A}"/>
     </a:ext>
   </a:extLst>
 </a:theme>
